--- a/spring16/slidesS16/predicate-logic2.pptx
+++ b/spring16/slidesS16/predicate-logic2.pptx
@@ -24,7 +24,7 @@
     <p:sldId id="342" r:id="rId12"/>
   </p:sldIdLst>
   <p:sldSz cx="9144000" cy="6858000" type="screen4x3"/>
-  <p:notesSz cx="7315200" cy="9601200"/>
+  <p:notesSz cx="9601200" cy="7315200"/>
   <p:custDataLst>
     <p:tags r:id="rId16"/>
   </p:custDataLst>
@@ -194,7 +194,7 @@
         <p:spPr bwMode="auto">
           <a:xfrm>
             <a:off x="0" y="0"/>
-            <a:ext cx="3168650" cy="479425"/>
+            <a:ext cx="4158853" cy="365276"/>
           </a:xfrm>
           <a:prstGeom prst="rect">
             <a:avLst/>
@@ -236,8 +236,8 @@
         </p:nvSpPr>
         <p:spPr bwMode="auto">
           <a:xfrm>
-            <a:off x="4146550" y="0"/>
-            <a:ext cx="3168650" cy="479425"/>
+            <a:off x="5442347" y="0"/>
+            <a:ext cx="4158853" cy="365276"/>
           </a:xfrm>
           <a:prstGeom prst="rect">
             <a:avLst/>
@@ -279,8 +279,8 @@
         </p:nvSpPr>
         <p:spPr bwMode="auto">
           <a:xfrm>
-            <a:off x="0" y="9121775"/>
-            <a:ext cx="3168650" cy="479425"/>
+            <a:off x="0" y="6949924"/>
+            <a:ext cx="4158853" cy="365276"/>
           </a:xfrm>
           <a:prstGeom prst="rect">
             <a:avLst/>
@@ -322,8 +322,8 @@
         </p:nvSpPr>
         <p:spPr bwMode="auto">
           <a:xfrm>
-            <a:off x="4146550" y="9121775"/>
-            <a:ext cx="3168650" cy="479425"/>
+            <a:off x="5442347" y="6949924"/>
+            <a:ext cx="4158853" cy="365276"/>
           </a:xfrm>
           <a:prstGeom prst="rect">
             <a:avLst/>
@@ -407,7 +407,7 @@
         <p:spPr bwMode="auto">
           <a:xfrm>
             <a:off x="0" y="0"/>
-            <a:ext cx="3170238" cy="479425"/>
+            <a:ext cx="4160937" cy="365276"/>
           </a:xfrm>
           <a:prstGeom prst="rect">
             <a:avLst/>
@@ -449,8 +449,8 @@
         </p:nvSpPr>
         <p:spPr bwMode="auto">
           <a:xfrm>
-            <a:off x="4143375" y="0"/>
-            <a:ext cx="3170238" cy="479425"/>
+            <a:off x="5438180" y="0"/>
+            <a:ext cx="4160937" cy="365276"/>
           </a:xfrm>
           <a:prstGeom prst="rect">
             <a:avLst/>
@@ -492,8 +492,8 @@
         </p:nvSpPr>
         <p:spPr bwMode="auto">
           <a:xfrm>
-            <a:off x="1257300" y="720725"/>
-            <a:ext cx="4800600" cy="3600450"/>
+            <a:off x="2971800" y="549275"/>
+            <a:ext cx="3657600" cy="2743200"/>
           </a:xfrm>
           <a:prstGeom prst="rect">
             <a:avLst/>
@@ -522,8 +522,8 @@
         </p:nvSpPr>
         <p:spPr bwMode="auto">
           <a:xfrm>
-            <a:off x="731838" y="4560888"/>
-            <a:ext cx="5851525" cy="4319587"/>
+            <a:off x="960538" y="3474963"/>
+            <a:ext cx="7680127" cy="3291114"/>
           </a:xfrm>
           <a:prstGeom prst="rect">
             <a:avLst/>
@@ -593,8 +593,8 @@
         </p:nvSpPr>
         <p:spPr bwMode="auto">
           <a:xfrm>
-            <a:off x="0" y="9120188"/>
-            <a:ext cx="3170238" cy="479425"/>
+            <a:off x="0" y="6948715"/>
+            <a:ext cx="4160937" cy="365276"/>
           </a:xfrm>
           <a:prstGeom prst="rect">
             <a:avLst/>
@@ -636,8 +636,8 @@
         </p:nvSpPr>
         <p:spPr bwMode="auto">
           <a:xfrm>
-            <a:off x="4143375" y="9120188"/>
-            <a:ext cx="3170238" cy="479425"/>
+            <a:off x="5438180" y="6948715"/>
+            <a:ext cx="4160937" cy="365276"/>
           </a:xfrm>
           <a:prstGeom prst="rect">
             <a:avLst/>
@@ -3228,7 +3228,7 @@
           <a:graphicData uri="http://schemas.openxmlformats.org/presentationml/2006/ole">
             <mc:AlternateContent xmlns:mc="http://schemas.openxmlformats.org/markup-compatibility/2006">
               <mc:Choice xmlns:v="urn:schemas-microsoft-com:vml" Requires="v">
-                <p:oleObj spid="_x0000_s567306" name="Equation" r:id="rId4" imgW="596900" imgH="508000" progId="Equation.DSMT4">
+                <p:oleObj spid="_x0000_s567310" name="Equation" r:id="rId4" imgW="596900" imgH="508000" progId="Equation.DSMT4">
                   <p:embed/>
                 </p:oleObj>
               </mc:Choice>
@@ -3312,7 +3312,7 @@
             <a:graphicData uri="http://schemas.openxmlformats.org/presentationml/2006/ole">
               <mc:AlternateContent xmlns:mc="http://schemas.openxmlformats.org/markup-compatibility/2006">
                 <mc:Choice xmlns:v="urn:schemas-microsoft-com:vml" Requires="v">
-                  <p:oleObj spid="_x0000_s567307" name="Equation" r:id="rId6" imgW="317500" imgH="215900" progId="Equation.DSMT4">
+                  <p:oleObj spid="_x0000_s567311" name="Equation" r:id="rId6" imgW="317500" imgH="215900" progId="Equation.DSMT4">
                     <p:embed/>
                   </p:oleObj>
                 </mc:Choice>
@@ -3382,7 +3382,7 @@
             <a:graphicData uri="http://schemas.openxmlformats.org/presentationml/2006/ole">
               <mc:AlternateContent xmlns:mc="http://schemas.openxmlformats.org/markup-compatibility/2006">
                 <mc:Choice xmlns:v="urn:schemas-microsoft-com:vml" Requires="v">
-                  <p:oleObj spid="_x0000_s567308" name="Equation" r:id="rId8" imgW="571500" imgH="228600" progId="Equation.DSMT4">
+                  <p:oleObj spid="_x0000_s567312" name="Equation" r:id="rId8" imgW="571500" imgH="228600" progId="Equation.DSMT4">
                     <p:embed/>
                   </p:oleObj>
                 </mc:Choice>
@@ -3537,13 +3537,13 @@
   <p:clrMapOvr>
     <a:masterClrMapping/>
   </p:clrMapOvr>
-  <mc:AlternateContent xmlns:mc="http://schemas.openxmlformats.org/markup-compatibility/2006">
-    <mc:Choice xmlns:p14="http://schemas.microsoft.com/office/powerpoint/2010/main" Requires="p14">
+  <mc:AlternateContent xmlns:mc="http://schemas.openxmlformats.org/markup-compatibility/2006" xmlns:p14="http://schemas.microsoft.com/office/powerpoint/2010/main">
+    <mc:Choice Requires="p14">
       <p:transition spd="slow" p14:dur="800" advClick="0">
         <p:fade/>
       </p:transition>
     </mc:Choice>
-    <mc:Fallback>
+    <mc:Fallback xmlns="">
       <p:transition xmlns:p14="http://schemas.microsoft.com/office/powerpoint/2010/main" spd="slow" advClick="0">
         <p:fade/>
       </p:transition>
@@ -3831,7 +3831,7 @@
             <a:graphicData uri="http://schemas.openxmlformats.org/presentationml/2006/ole">
               <mc:AlternateContent xmlns:mc="http://schemas.openxmlformats.org/markup-compatibility/2006">
                 <mc:Choice xmlns:v="urn:schemas-microsoft-com:vml" Requires="v">
-                  <p:oleObj spid="_x0000_s566281" name="Equation" r:id="rId4" imgW="317500" imgH="215900" progId="Equation.DSMT4">
+                  <p:oleObj spid="_x0000_s566284" name="Equation" r:id="rId4" imgW="317500" imgH="215900" progId="Equation.DSMT4">
                     <p:embed/>
                   </p:oleObj>
                 </mc:Choice>
@@ -3952,7 +3952,7 @@
             <a:graphicData uri="http://schemas.openxmlformats.org/presentationml/2006/ole">
               <mc:AlternateContent xmlns:mc="http://schemas.openxmlformats.org/markup-compatibility/2006">
                 <mc:Choice xmlns:v="urn:schemas-microsoft-com:vml" Requires="v">
-                  <p:oleObj spid="_x0000_s566282" name="Equation" r:id="rId6" imgW="571500" imgH="228600" progId="Equation.DSMT4">
+                  <p:oleObj spid="_x0000_s566285" name="Equation" r:id="rId6" imgW="571500" imgH="228600" progId="Equation.DSMT4">
                     <p:embed/>
                   </p:oleObj>
                 </mc:Choice>
@@ -4057,13 +4057,13 @@
   <p:clrMapOvr>
     <a:masterClrMapping/>
   </p:clrMapOvr>
-  <mc:AlternateContent xmlns:mc="http://schemas.openxmlformats.org/markup-compatibility/2006">
-    <mc:Choice xmlns:p14="http://schemas.microsoft.com/office/powerpoint/2010/main" Requires="p14">
+  <mc:AlternateContent xmlns:mc="http://schemas.openxmlformats.org/markup-compatibility/2006" xmlns:p14="http://schemas.microsoft.com/office/powerpoint/2010/main">
+    <mc:Choice Requires="p14">
       <p:transition spd="slow" p14:dur="800" advClick="0">
         <p:fade/>
       </p:transition>
     </mc:Choice>
-    <mc:Fallback>
+    <mc:Fallback xmlns="">
       <p:transition xmlns:p14="http://schemas.microsoft.com/office/powerpoint/2010/main" spd="slow" advClick="0">
         <p:fade/>
       </p:transition>
@@ -4334,7 +4334,7 @@
           <a:graphicData uri="http://schemas.openxmlformats.org/presentationml/2006/ole">
             <mc:AlternateContent xmlns:mc="http://schemas.openxmlformats.org/markup-compatibility/2006">
               <mc:Choice xmlns:v="urn:schemas-microsoft-com:vml" Requires="v">
-                <p:oleObj spid="_x0000_s1039" name="Equation" r:id="rId4" imgW="914400" imgH="198720" progId="Equation.DSMT4">
+                <p:oleObj spid="_x0000_s1042" name="Equation" r:id="rId4" imgW="914400" imgH="198720" progId="Equation.DSMT4">
                   <p:embed/>
                 </p:oleObj>
               </mc:Choice>
@@ -4410,7 +4410,7 @@
           <a:graphicData uri="http://schemas.openxmlformats.org/presentationml/2006/ole">
             <mc:AlternateContent xmlns:mc="http://schemas.openxmlformats.org/markup-compatibility/2006">
               <mc:Choice xmlns:v="urn:schemas-microsoft-com:vml" Requires="v">
-                <p:oleObj spid="_x0000_s1040" name="Equation" r:id="rId6" imgW="2146300" imgH="215900" progId="Equation.3">
+                <p:oleObj spid="_x0000_s1043" name="Equation" r:id="rId6" imgW="2146300" imgH="215900" progId="Equation.3">
                   <p:embed/>
                 </p:oleObj>
               </mc:Choice>
@@ -4679,7 +4679,7 @@
           <a:graphicData uri="http://schemas.openxmlformats.org/presentationml/2006/ole">
             <mc:AlternateContent xmlns:mc="http://schemas.openxmlformats.org/markup-compatibility/2006">
               <mc:Choice xmlns:v="urn:schemas-microsoft-com:vml" Requires="v">
-                <p:oleObj spid="_x0000_s299121" name="Equation" r:id="rId4" imgW="914400" imgH="198720" progId="Equation.DSMT4">
+                <p:oleObj spid="_x0000_s299125" name="Equation" r:id="rId4" imgW="914400" imgH="198720" progId="Equation.DSMT4">
                   <p:embed/>
                 </p:oleObj>
               </mc:Choice>
@@ -4749,7 +4749,7 @@
           <a:graphicData uri="http://schemas.openxmlformats.org/presentationml/2006/ole">
             <mc:AlternateContent xmlns:mc="http://schemas.openxmlformats.org/markup-compatibility/2006">
               <mc:Choice xmlns:v="urn:schemas-microsoft-com:vml" Requires="v">
-                <p:oleObj spid="_x0000_s299122" name="Equation" r:id="rId6" imgW="914400" imgH="198720" progId="Equation.DSMT4">
+                <p:oleObj spid="_x0000_s299126" name="Equation" r:id="rId6" imgW="914400" imgH="198720" progId="Equation.DSMT4">
                   <p:embed/>
                 </p:oleObj>
               </mc:Choice>
@@ -4878,7 +4878,7 @@
           <a:graphicData uri="http://schemas.openxmlformats.org/presentationml/2006/ole">
             <mc:AlternateContent xmlns:mc="http://schemas.openxmlformats.org/markup-compatibility/2006">
               <mc:Choice xmlns:v="urn:schemas-microsoft-com:vml" Requires="v">
-                <p:oleObj spid="_x0000_s299123" name="Equation" r:id="rId8" imgW="2032000" imgH="457200" progId="Equation.DSMT4">
+                <p:oleObj spid="_x0000_s299127" name="Equation" r:id="rId8" imgW="2032000" imgH="457200" progId="Equation.DSMT4">
                   <p:embed/>
                 </p:oleObj>
               </mc:Choice>
@@ -4937,13 +4937,13 @@
   <p:clrMapOvr>
     <a:masterClrMapping/>
   </p:clrMapOvr>
-  <mc:AlternateContent xmlns:mc="http://schemas.openxmlformats.org/markup-compatibility/2006">
-    <mc:Choice xmlns:p14="http://schemas.microsoft.com/office/powerpoint/2010/main" Requires="p14">
+  <mc:AlternateContent xmlns:mc="http://schemas.openxmlformats.org/markup-compatibility/2006" xmlns:p14="http://schemas.microsoft.com/office/powerpoint/2010/main">
+    <mc:Choice Requires="p14">
       <p:transition spd="med" p14:dur="700" advClick="0">
         <p:fade/>
       </p:transition>
     </mc:Choice>
-    <mc:Fallback>
+    <mc:Fallback xmlns="">
       <p:transition xmlns:p14="http://schemas.microsoft.com/office/powerpoint/2010/main" spd="med" advClick="0">
         <p:fade/>
       </p:transition>
@@ -5441,7 +5441,7 @@
           <a:graphicData uri="http://schemas.openxmlformats.org/presentationml/2006/ole">
             <mc:AlternateContent xmlns:mc="http://schemas.openxmlformats.org/markup-compatibility/2006">
               <mc:Choice xmlns:v="urn:schemas-microsoft-com:vml" Requires="v">
-                <p:oleObj spid="_x0000_s467026" name="Equation" r:id="rId4" imgW="914400" imgH="198720" progId="Equation.DSMT4">
+                <p:oleObj spid="_x0000_s467029" name="Equation" r:id="rId4" imgW="914400" imgH="198720" progId="Equation.DSMT4">
                   <p:embed/>
                 </p:oleObj>
               </mc:Choice>
@@ -5760,7 +5760,7 @@
           <a:graphicData uri="http://schemas.openxmlformats.org/presentationml/2006/ole">
             <mc:AlternateContent xmlns:mc="http://schemas.openxmlformats.org/markup-compatibility/2006">
               <mc:Choice xmlns:v="urn:schemas-microsoft-com:vml" Requires="v">
-                <p:oleObj spid="_x0000_s467027" name="Equation" r:id="rId6" imgW="2032000" imgH="457200" progId="Equation.DSMT4">
+                <p:oleObj spid="_x0000_s467030" name="Equation" r:id="rId6" imgW="2032000" imgH="457200" progId="Equation.DSMT4">
                   <p:embed/>
                 </p:oleObj>
               </mc:Choice>
@@ -5819,13 +5819,13 @@
   <p:clrMapOvr>
     <a:masterClrMapping/>
   </p:clrMapOvr>
-  <mc:AlternateContent xmlns:mc="http://schemas.openxmlformats.org/markup-compatibility/2006">
-    <mc:Choice xmlns:p14="http://schemas.microsoft.com/office/powerpoint/2010/main" Requires="p14">
+  <mc:AlternateContent xmlns:mc="http://schemas.openxmlformats.org/markup-compatibility/2006" xmlns:p14="http://schemas.microsoft.com/office/powerpoint/2010/main">
+    <mc:Choice Requires="p14">
       <p:transition spd="slow" p14:dur="1200" advClick="0">
         <p:fade/>
       </p:transition>
     </mc:Choice>
-    <mc:Fallback>
+    <mc:Fallback xmlns="">
       <p:transition xmlns:p14="http://schemas.microsoft.com/office/powerpoint/2010/main" spd="slow" advClick="0">
         <p:fade/>
       </p:transition>
@@ -7043,7 +7043,7 @@
           <a:graphicData uri="http://schemas.openxmlformats.org/presentationml/2006/ole">
             <mc:AlternateContent xmlns:mc="http://schemas.openxmlformats.org/markup-compatibility/2006">
               <mc:Choice xmlns:v="urn:schemas-microsoft-com:vml" Requires="v">
-                <p:oleObj spid="_x0000_s469041" name="Equation" r:id="rId4" imgW="914400" imgH="198720" progId="Equation.DSMT4">
+                <p:oleObj spid="_x0000_s469043" name="Equation" r:id="rId4" imgW="914400" imgH="198720" progId="Equation.DSMT4">
                   <p:embed/>
                 </p:oleObj>
               </mc:Choice>
@@ -8477,7 +8477,7 @@
           <a:graphicData uri="http://schemas.openxmlformats.org/presentationml/2006/ole">
             <mc:AlternateContent xmlns:mc="http://schemas.openxmlformats.org/markup-compatibility/2006">
               <mc:Choice xmlns:v="urn:schemas-microsoft-com:vml" Requires="v">
-                <p:oleObj spid="_x0000_s480337" name="Equation" r:id="rId4" imgW="914400" imgH="198720" progId="Equation.DSMT4">
+                <p:oleObj spid="_x0000_s480340" name="Equation" r:id="rId4" imgW="914400" imgH="198720" progId="Equation.DSMT4">
                   <p:embed/>
                 </p:oleObj>
               </mc:Choice>
@@ -8677,7 +8677,7 @@
           <a:graphicData uri="http://schemas.openxmlformats.org/presentationml/2006/ole">
             <mc:AlternateContent xmlns:mc="http://schemas.openxmlformats.org/markup-compatibility/2006">
               <mc:Choice xmlns:v="urn:schemas-microsoft-com:vml" Requires="v">
-                <p:oleObj spid="_x0000_s480338" name="Equation" r:id="rId6" imgW="1968500" imgH="457200" progId="Equation.DSMT4">
+                <p:oleObj spid="_x0000_s480341" name="Equation" r:id="rId6" imgW="1968500" imgH="457200" progId="Equation.DSMT4">
                   <p:embed/>
                 </p:oleObj>
               </mc:Choice>
@@ -9446,7 +9446,7 @@
           <a:graphicData uri="http://schemas.openxmlformats.org/presentationml/2006/ole">
             <mc:AlternateContent xmlns:mc="http://schemas.openxmlformats.org/markup-compatibility/2006">
               <mc:Choice xmlns:v="urn:schemas-microsoft-com:vml" Requires="v">
-                <p:oleObj spid="_x0000_s563253" name="Equation" r:id="rId4" imgW="596900" imgH="508000" progId="Equation.DSMT4">
+                <p:oleObj spid="_x0000_s563255" name="Equation" r:id="rId4" imgW="596900" imgH="508000" progId="Equation.DSMT4">
                   <p:embed/>
                 </p:oleObj>
               </mc:Choice>
@@ -9668,7 +9668,7 @@
           <a:graphicData uri="http://schemas.openxmlformats.org/presentationml/2006/ole">
             <mc:AlternateContent xmlns:mc="http://schemas.openxmlformats.org/markup-compatibility/2006">
               <mc:Choice xmlns:v="urn:schemas-microsoft-com:vml" Requires="v">
-                <p:oleObj spid="_x0000_s565257" name="Equation" r:id="rId4" imgW="596900" imgH="508000" progId="Equation.DSMT4">
+                <p:oleObj spid="_x0000_s565259" name="Equation" r:id="rId4" imgW="596900" imgH="508000" progId="Equation.DSMT4">
                   <p:embed/>
                 </p:oleObj>
               </mc:Choice>
@@ -9762,13 +9762,13 @@
   <p:clrMapOvr>
     <a:masterClrMapping/>
   </p:clrMapOvr>
-  <mc:AlternateContent xmlns:mc="http://schemas.openxmlformats.org/markup-compatibility/2006">
-    <mc:Choice xmlns:p14="http://schemas.microsoft.com/office/powerpoint/2010/main" Requires="p14">
+  <mc:AlternateContent xmlns:mc="http://schemas.openxmlformats.org/markup-compatibility/2006" xmlns:p14="http://schemas.microsoft.com/office/powerpoint/2010/main">
+    <mc:Choice Requires="p14">
       <p:transition spd="slow" p14:dur="800" advClick="0">
         <p:fade/>
       </p:transition>
     </mc:Choice>
-    <mc:Fallback>
+    <mc:Fallback xmlns="">
       <p:transition xmlns:p14="http://schemas.microsoft.com/office/powerpoint/2010/main" spd="slow" advClick="0">
         <p:fade/>
       </p:transition>

--- a/spring16/slidesS16/predicate-logic2.pptx
+++ b/spring16/slidesS16/predicate-logic2.pptx
@@ -5,10 +5,10 @@
     <p:sldMasterId id="2147483650" r:id="rId1"/>
   </p:sldMasterIdLst>
   <p:notesMasterIdLst>
-    <p:notesMasterId r:id="rId13"/>
+    <p:notesMasterId r:id="rId14"/>
   </p:notesMasterIdLst>
   <p:handoutMasterIdLst>
-    <p:handoutMasterId r:id="rId14"/>
+    <p:handoutMasterId r:id="rId15"/>
   </p:handoutMasterIdLst>
   <p:sldIdLst>
     <p:sldId id="256" r:id="rId2"/>
@@ -19,14 +19,15 @@
     <p:sldId id="332" r:id="rId7"/>
     <p:sldId id="337" r:id="rId8"/>
     <p:sldId id="331" r:id="rId9"/>
-    <p:sldId id="341" r:id="rId10"/>
-    <p:sldId id="343" r:id="rId11"/>
-    <p:sldId id="342" r:id="rId12"/>
+    <p:sldId id="344" r:id="rId10"/>
+    <p:sldId id="341" r:id="rId11"/>
+    <p:sldId id="343" r:id="rId12"/>
+    <p:sldId id="342" r:id="rId13"/>
   </p:sldIdLst>
   <p:sldSz cx="9144000" cy="6858000" type="screen4x3"/>
   <p:notesSz cx="9601200" cy="7315200"/>
   <p:custDataLst>
-    <p:tags r:id="rId16"/>
+    <p:tags r:id="rId17"/>
   </p:custDataLst>
   <p:defaultTextStyle>
     <a:defPPr>
@@ -1011,6 +1012,90 @@
               <a:rPr lang="en-US"/>
               <a:pPr/>
               <a:t>11</a:t>
+            </a:fld>
+            <a:endParaRPr lang="en-US"/>
+          </a:p>
+        </p:txBody>
+      </p:sp>
+      <p:sp>
+        <p:nvSpPr>
+          <p:cNvPr id="114690" name="Rectangle 2"/>
+          <p:cNvSpPr>
+            <a:spLocks noGrp="1" noRot="1" noChangeAspect="1" noChangeArrowheads="1" noTextEdit="1"/>
+          </p:cNvSpPr>
+          <p:nvPr>
+            <p:ph type="sldImg"/>
+          </p:nvPr>
+        </p:nvSpPr>
+        <p:spPr>
+          <a:ln/>
+        </p:spPr>
+      </p:sp>
+      <p:sp>
+        <p:nvSpPr>
+          <p:cNvPr id="114691" name="Rectangle 3"/>
+          <p:cNvSpPr>
+            <a:spLocks noGrp="1" noChangeArrowheads="1"/>
+          </p:cNvSpPr>
+          <p:nvPr>
+            <p:ph type="body" idx="1"/>
+          </p:nvPr>
+        </p:nvSpPr>
+        <p:spPr/>
+        <p:txBody>
+          <a:bodyPr/>
+          <a:lstStyle/>
+          <a:p>
+            <a:endParaRPr lang="en-US"/>
+          </a:p>
+        </p:txBody>
+      </p:sp>
+    </p:spTree>
+  </p:cSld>
+  <p:clrMapOvr>
+    <a:masterClrMapping/>
+  </p:clrMapOvr>
+</p:notes>
+</file>
+
+<file path=ppt/notesSlides/notesSlide12.xml><?xml version="1.0" encoding="utf-8"?>
+<p:notes xmlns:a="http://schemas.openxmlformats.org/drawingml/2006/main" xmlns:r="http://schemas.openxmlformats.org/officeDocument/2006/relationships" xmlns:p="http://schemas.openxmlformats.org/presentationml/2006/main">
+  <p:cSld>
+    <p:spTree>
+      <p:nvGrpSpPr>
+        <p:cNvPr id="1" name=""/>
+        <p:cNvGrpSpPr/>
+        <p:nvPr/>
+      </p:nvGrpSpPr>
+      <p:grpSpPr>
+        <a:xfrm>
+          <a:off x="0" y="0"/>
+          <a:ext cx="0" cy="0"/>
+          <a:chOff x="0" y="0"/>
+          <a:chExt cx="0" cy="0"/>
+        </a:xfrm>
+      </p:grpSpPr>
+      <p:sp>
+        <p:nvSpPr>
+          <p:cNvPr id="7" name="Rectangle 7"/>
+          <p:cNvSpPr>
+            <a:spLocks noGrp="1" noChangeArrowheads="1"/>
+          </p:cNvSpPr>
+          <p:nvPr>
+            <p:ph type="sldNum" sz="quarter" idx="5"/>
+          </p:nvPr>
+        </p:nvSpPr>
+        <p:spPr>
+          <a:ln/>
+        </p:spPr>
+        <p:txBody>
+          <a:bodyPr/>
+          <a:lstStyle/>
+          <a:p>
+            <a:fld id="{5E902562-4434-4110-A466-8586288EF937}" type="slidenum">
+              <a:rPr lang="en-US"/>
+              <a:pPr/>
+              <a:t>12</a:t>
             </a:fld>
             <a:endParaRPr lang="en-US"/>
           </a:p>
@@ -2320,8 +2405,8 @@
         </p:nvSpPr>
         <p:spPr bwMode="auto">
           <a:xfrm>
-            <a:off x="8285870" y="6556290"/>
-            <a:ext cx="848522" cy="261610"/>
+            <a:off x="8263553" y="6556290"/>
+            <a:ext cx="870839" cy="261610"/>
           </a:xfrm>
           <a:prstGeom prst="rect">
             <a:avLst/>
@@ -2343,22 +2428,13 @@
           <a:p>
             <a:pPr algn="r"/>
             <a:r>
-              <a:rPr lang="en-US" sz="1100" dirty="0" err="1">
+              <a:rPr lang="en-US" sz="1100" dirty="0" smtClean="0">
                 <a:solidFill>
                   <a:srgbClr val="000000"/>
                 </a:solidFill>
                 <a:latin typeface="Comic Sans MS" pitchFamily="66" charset="0"/>
               </a:rPr>
-              <a:t>lec</a:t>
-            </a:r>
-            <a:r>
-              <a:rPr lang="en-US" sz="1100" dirty="0" smtClean="0">
-                <a:solidFill>
-                  <a:srgbClr val="000000"/>
-                </a:solidFill>
-                <a:latin typeface="Comic Sans MS" pitchFamily="66" charset="0"/>
-              </a:rPr>
-              <a:t> 2F.</a:t>
+              <a:t>pred2..</a:t>
             </a:r>
             <a:fld id="{89C6A585-43E0-42A7-B7F4-EFE79D431EC1}" type="slidenum">
               <a:rPr lang="en-US" sz="1100" smtClean="0">
@@ -2902,8 +2978,8 @@
         </p:nvSpPr>
         <p:spPr>
           <a:xfrm>
-            <a:off x="506567" y="1783614"/>
-            <a:ext cx="8183492" cy="1555329"/>
+            <a:off x="480254" y="1285067"/>
+            <a:ext cx="8267600" cy="994010"/>
           </a:xfrm>
         </p:spPr>
         <p:txBody>
@@ -2916,10 +2992,10 @@
               </a:lnSpc>
             </a:pPr>
             <a:r>
-              <a:rPr lang="en-US" sz="6000" b="0" dirty="0" smtClean="0"/>
+              <a:rPr lang="en-US" sz="4800" b="0" dirty="0" smtClean="0"/>
               <a:t>Predicate Logic, II</a:t>
             </a:r>
-            <a:endParaRPr lang="en-US" sz="6000" dirty="0">
+            <a:endParaRPr lang="en-US" sz="4800" dirty="0">
               <a:solidFill>
                 <a:srgbClr val="0000FF"/>
               </a:solidFill>
@@ -3019,8 +3095,8 @@
         </p:nvSpPr>
         <p:spPr>
           <a:xfrm>
-            <a:off x="240794" y="3501567"/>
-            <a:ext cx="8641007" cy="1015663"/>
+            <a:off x="1466522" y="2268257"/>
+            <a:ext cx="6210955" cy="3046988"/>
           </a:xfrm>
           <a:prstGeom prst="rect">
             <a:avLst/>
@@ -3033,8 +3109,9 @@
           </a:bodyPr>
           <a:lstStyle/>
           <a:p>
-            <a:r>
-              <a:rPr lang="en-US" sz="6000" kern="0" dirty="0">
+            <a:pPr algn="ctr"/>
+            <a:r>
+              <a:rPr lang="en-US" sz="9600" kern="0" dirty="0">
                 <a:solidFill>
                   <a:srgbClr val="000000"/>
                 </a:solidFill>
@@ -3043,17 +3120,27 @@
               </a:rPr>
               <a:t>Validity &amp; </a:t>
             </a:r>
-            <a:r>
-              <a:rPr lang="en-US" sz="6000" kern="0" dirty="0" err="1">
+            <a:endParaRPr lang="en-US" sz="9600" kern="0" dirty="0" smtClean="0">
+              <a:solidFill>
+                <a:srgbClr val="000000"/>
+              </a:solidFill>
+              <a:latin typeface="Comic Sans MS" pitchFamily="66" charset="0"/>
+              <a:ea typeface="+mj-ea"/>
+            </a:endParaRPr>
+          </a:p>
+          <a:p>
+            <a:pPr algn="ctr"/>
+            <a:r>
+              <a:rPr lang="en-US" sz="9600" kern="0" dirty="0" smtClean="0">
                 <a:solidFill>
                   <a:srgbClr val="000000"/>
                 </a:solidFill>
                 <a:latin typeface="Comic Sans MS" pitchFamily="66" charset="0"/>
                 <a:ea typeface="+mj-ea"/>
               </a:rPr>
-              <a:t>Satisfiability</a:t>
-            </a:r>
-            <a:endParaRPr lang="en-US" dirty="0"/>
+              <a:t>Soundness</a:t>
+            </a:r>
+            <a:endParaRPr lang="en-US" sz="4400" dirty="0"/>
           </a:p>
         </p:txBody>
       </p:sp>
@@ -3215,7 +3302,7 @@
           <p:nvPr>
             <p:extLst>
               <p:ext uri="{D42A27DB-BD31-4B8C-83A1-F6EECF244321}">
-                <p14:modId xmlns:p14="http://schemas.microsoft.com/office/powerpoint/2010/main" val="2212540646"/>
+                <p14:modId xmlns:p14="http://schemas.microsoft.com/office/powerpoint/2010/main" val="2577682455"/>
               </p:ext>
             </p:extLst>
           </p:nvPr>
@@ -3228,7 +3315,7 @@
           <a:graphicData uri="http://schemas.openxmlformats.org/presentationml/2006/ole">
             <mc:AlternateContent xmlns:mc="http://schemas.openxmlformats.org/markup-compatibility/2006">
               <mc:Choice xmlns:v="urn:schemas-microsoft-com:vml" Requires="v">
-                <p:oleObj spid="_x0000_s567310" name="Equation" r:id="rId4" imgW="596900" imgH="508000" progId="Equation.DSMT4">
+                <p:oleObj spid="_x0000_s565269" name="Equation" r:id="rId4" imgW="596900" imgH="508000" progId="Equation.DSMT4">
                   <p:embed/>
                 </p:oleObj>
               </mc:Choice>
@@ -3276,15 +3363,51 @@
           </a:graphicData>
         </a:graphic>
       </p:graphicFrame>
+      <p:sp>
+        <p:nvSpPr>
+          <p:cNvPr id="3" name="TextBox 2"/>
+          <p:cNvSpPr txBox="1"/>
+          <p:nvPr/>
+        </p:nvSpPr>
+        <p:spPr>
+          <a:xfrm>
+            <a:off x="393074" y="3558146"/>
+            <a:ext cx="3224824" cy="923330"/>
+          </a:xfrm>
+          <a:prstGeom prst="rect">
+            <a:avLst/>
+          </a:prstGeom>
+          <a:noFill/>
+        </p:spPr>
+        <p:txBody>
+          <a:bodyPr wrap="none" rtlCol="0">
+            <a:spAutoFit/>
+          </a:bodyPr>
+          <a:lstStyle/>
+          <a:p>
+            <a:r>
+              <a:rPr lang="en-US" sz="5400" dirty="0" smtClean="0">
+                <a:latin typeface="Comic Sans MS"/>
+                <a:cs typeface="Comic Sans MS"/>
+              </a:rPr>
+              <a:t>Subtlety:</a:t>
+            </a:r>
+            <a:endParaRPr lang="en-US" sz="5400" dirty="0">
+              <a:latin typeface="Comic Sans MS"/>
+              <a:cs typeface="Comic Sans MS"/>
+            </a:endParaRPr>
+          </a:p>
+        </p:txBody>
+      </p:sp>
       <p:grpSp>
         <p:nvGrpSpPr>
-          <p:cNvPr id="8" name="Group 7"/>
+          <p:cNvPr id="6" name="Group 5"/>
           <p:cNvGrpSpPr/>
           <p:nvPr/>
         </p:nvGrpSpPr>
         <p:grpSpPr>
           <a:xfrm>
-            <a:off x="74568" y="3567674"/>
+            <a:off x="35610" y="4493549"/>
             <a:ext cx="9030739" cy="1265979"/>
             <a:chOff x="74570" y="4132139"/>
             <a:chExt cx="9030739" cy="1265979"/>
@@ -3292,14 +3415,14 @@
         </p:grpSpPr>
         <p:graphicFrame>
           <p:nvGraphicFramePr>
-            <p:cNvPr id="6" name="Object 5"/>
+            <p:cNvPr id="7" name="Object 6"/>
             <p:cNvGraphicFramePr>
               <a:graphicFrameLocks noChangeAspect="1"/>
             </p:cNvGraphicFramePr>
             <p:nvPr>
               <p:extLst>
                 <p:ext uri="{D42A27DB-BD31-4B8C-83A1-F6EECF244321}">
-                  <p14:modId xmlns:p14="http://schemas.microsoft.com/office/powerpoint/2010/main" val="389762750"/>
+                  <p14:modId xmlns:p14="http://schemas.microsoft.com/office/powerpoint/2010/main" val="2159140629"/>
                 </p:ext>
               </p:extLst>
             </p:nvPr>
@@ -3312,7 +3435,7 @@
             <a:graphicData uri="http://schemas.openxmlformats.org/presentationml/2006/ole">
               <mc:AlternateContent xmlns:mc="http://schemas.openxmlformats.org/markup-compatibility/2006">
                 <mc:Choice xmlns:v="urn:schemas-microsoft-com:vml" Requires="v">
-                  <p:oleObj spid="_x0000_s567311" name="Equation" r:id="rId6" imgW="317500" imgH="215900" progId="Equation.DSMT4">
+                  <p:oleObj spid="_x0000_s565270" name="Equation" r:id="rId6" imgW="317500" imgH="215900" progId="Equation.DSMT4">
                     <p:embed/>
                   </p:oleObj>
                 </mc:Choice>
@@ -3362,14 +3485,14 @@
         </p:graphicFrame>
         <p:graphicFrame>
           <p:nvGraphicFramePr>
-            <p:cNvPr id="7" name="Object 6"/>
+            <p:cNvPr id="8" name="Object 7"/>
             <p:cNvGraphicFramePr>
               <a:graphicFrameLocks noChangeAspect="1"/>
             </p:cNvGraphicFramePr>
             <p:nvPr>
               <p:extLst>
                 <p:ext uri="{D42A27DB-BD31-4B8C-83A1-F6EECF244321}">
-                  <p14:modId xmlns:p14="http://schemas.microsoft.com/office/powerpoint/2010/main" val="2891325078"/>
+                  <p14:modId xmlns:p14="http://schemas.microsoft.com/office/powerpoint/2010/main" val="3324368089"/>
                 </p:ext>
               </p:extLst>
             </p:nvPr>
@@ -3382,7 +3505,7 @@
             <a:graphicData uri="http://schemas.openxmlformats.org/presentationml/2006/ole">
               <mc:AlternateContent xmlns:mc="http://schemas.openxmlformats.org/markup-compatibility/2006">
                 <mc:Choice xmlns:v="urn:schemas-microsoft-com:vml" Requires="v">
-                  <p:oleObj spid="_x0000_s567312" name="Equation" r:id="rId8" imgW="571500" imgH="228600" progId="Equation.DSMT4">
+                  <p:oleObj spid="_x0000_s565271" name="Equation" r:id="rId8" imgW="571500" imgH="228600" progId="Equation.DSMT4">
                     <p:embed/>
                   </p:oleObj>
                 </mc:Choice>
@@ -3432,7 +3555,7 @@
         </p:graphicFrame>
         <p:sp>
           <p:nvSpPr>
-            <p:cNvPr id="4" name="TextBox 3"/>
+            <p:cNvPr id="9" name="TextBox 8"/>
             <p:cNvSpPr txBox="1"/>
             <p:nvPr/>
           </p:nvSpPr>
@@ -3491,46 +3614,10 @@
           </p:txBody>
         </p:sp>
       </p:grpSp>
-      <p:sp>
-        <p:nvSpPr>
-          <p:cNvPr id="9" name="TextBox 8"/>
-          <p:cNvSpPr txBox="1"/>
-          <p:nvPr/>
-        </p:nvSpPr>
-        <p:spPr>
-          <a:xfrm>
-            <a:off x="567632" y="4787874"/>
-            <a:ext cx="8008735" cy="923330"/>
-          </a:xfrm>
-          <a:prstGeom prst="rect">
-            <a:avLst/>
-          </a:prstGeom>
-          <a:noFill/>
-        </p:spPr>
-        <p:txBody>
-          <a:bodyPr wrap="none" rtlCol="0">
-            <a:spAutoFit/>
-          </a:bodyPr>
-          <a:lstStyle/>
-          <a:p>
-            <a:r>
-              <a:rPr lang="en-US" sz="5400" dirty="0" smtClean="0">
-                <a:latin typeface="Comic Sans MS"/>
-                <a:cs typeface="Comic Sans MS"/>
-              </a:rPr>
-              <a:t>unlike propositional case</a:t>
-            </a:r>
-            <a:endParaRPr lang="en-US" sz="5400" dirty="0">
-              <a:latin typeface="Comic Sans MS"/>
-              <a:cs typeface="Comic Sans MS"/>
-            </a:endParaRPr>
-          </a:p>
-        </p:txBody>
-      </p:sp>
     </p:spTree>
     <p:extLst>
       <p:ext uri="{BB962C8B-B14F-4D97-AF65-F5344CB8AC3E}">
-        <p14:creationId xmlns:p14="http://schemas.microsoft.com/office/powerpoint/2010/main" val="1177444061"/>
+        <p14:creationId xmlns:p14="http://schemas.microsoft.com/office/powerpoint/2010/main" val="1142335960"/>
       </p:ext>
     </p:extLst>
   </p:cSld>
@@ -3583,7 +3670,7 @@
                                           </p:stCondLst>
                                         </p:cTn>
                                         <p:tgtEl>
-                                          <p:spTgt spid="8"/>
+                                          <p:spTgt spid="6"/>
                                         </p:tgtEl>
                                         <p:attrNameLst>
                                           <p:attrName>style.visibility</p:attrName>
@@ -3597,7 +3684,7 @@
                                       <p:cBhvr>
                                         <p:cTn id="7" dur="500"/>
                                         <p:tgtEl>
-                                          <p:spTgt spid="8"/>
+                                          <p:spTgt spid="6"/>
                                         </p:tgtEl>
                                       </p:cBhvr>
                                     </p:animEffect>
@@ -3610,27 +3697,288 @@
                       </p:childTnLst>
                     </p:cTn>
                   </p:par>
+                </p:childTnLst>
+              </p:cTn>
+              <p:prevCondLst>
+                <p:cond evt="onPrev" delay="0">
+                  <p:tgtEl>
+                    <p:sldTgt/>
+                  </p:tgtEl>
+                </p:cond>
+              </p:prevCondLst>
+              <p:nextCondLst>
+                <p:cond evt="onNext" delay="0">
+                  <p:tgtEl>
+                    <p:sldTgt/>
+                  </p:tgtEl>
+                </p:cond>
+              </p:nextCondLst>
+            </p:seq>
+          </p:childTnLst>
+        </p:cTn>
+      </p:par>
+    </p:tnLst>
+  </p:timing>
+</p:sld>
+</file>
+
+<file path=ppt/slides/slide11.xml><?xml version="1.0" encoding="utf-8"?>
+<p:sld xmlns:a="http://schemas.openxmlformats.org/drawingml/2006/main" xmlns:r="http://schemas.openxmlformats.org/officeDocument/2006/relationships" xmlns:p="http://schemas.openxmlformats.org/presentationml/2006/main">
+  <p:cSld>
+    <p:spTree>
+      <p:nvGrpSpPr>
+        <p:cNvPr id="1" name=""/>
+        <p:cNvGrpSpPr/>
+        <p:nvPr/>
+      </p:nvGrpSpPr>
+      <p:grpSpPr>
+        <a:xfrm>
+          <a:off x="0" y="0"/>
+          <a:ext cx="0" cy="0"/>
+          <a:chOff x="0" y="0"/>
+          <a:chExt cx="0" cy="0"/>
+        </a:xfrm>
+      </p:grpSpPr>
+      <p:sp>
+        <p:nvSpPr>
+          <p:cNvPr id="57371" name="Text Box 27"/>
+          <p:cNvSpPr txBox="1">
+            <a:spLocks noGrp="1" noChangeArrowheads="1"/>
+          </p:cNvSpPr>
+          <p:nvPr>
+            <p:ph type="title"/>
+          </p:nvPr>
+        </p:nvSpPr>
+        <p:spPr>
+          <a:xfrm>
+            <a:off x="1585170" y="228600"/>
+            <a:ext cx="6040423" cy="1046527"/>
+          </a:xfrm>
+          <a:noFill/>
+          <a:ln/>
+        </p:spPr>
+        <p:txBody>
+          <a:bodyPr/>
+          <a:lstStyle/>
+          <a:p>
+            <a:pPr algn="l">
+              <a:spcBef>
+                <a:spcPct val="50000"/>
+              </a:spcBef>
+            </a:pPr>
+            <a:r>
+              <a:rPr lang="en-US" dirty="0">
+                <a:solidFill>
+                  <a:schemeClr val="tx1"/>
+                </a:solidFill>
+              </a:rPr>
+              <a:t>Universal Generalization (UG)</a:t>
+            </a:r>
+          </a:p>
+        </p:txBody>
+      </p:sp>
+      <p:graphicFrame>
+        <p:nvGraphicFramePr>
+          <p:cNvPr id="5" name="Object 4"/>
+          <p:cNvGraphicFramePr>
+            <a:graphicFrameLocks noChangeAspect="1"/>
+          </p:cNvGraphicFramePr>
+          <p:nvPr>
+            <p:extLst>
+              <p:ext uri="{D42A27DB-BD31-4B8C-83A1-F6EECF244321}">
+                <p14:modId xmlns:p14="http://schemas.microsoft.com/office/powerpoint/2010/main" val="2212540646"/>
+              </p:ext>
+            </p:extLst>
+          </p:nvPr>
+        </p:nvGraphicFramePr>
+        <p:xfrm>
+          <a:off x="2752725" y="1092200"/>
+          <a:ext cx="3235325" cy="2752725"/>
+        </p:xfrm>
+        <a:graphic>
+          <a:graphicData uri="http://schemas.openxmlformats.org/presentationml/2006/ole">
+            <mc:AlternateContent xmlns:mc="http://schemas.openxmlformats.org/markup-compatibility/2006">
+              <mc:Choice xmlns:v="urn:schemas-microsoft-com:vml" Requires="v">
+                <p:oleObj spid="_x0000_s567320" name="Equation" r:id="rId4" imgW="596900" imgH="508000" progId="Equation.DSMT4">
+                  <p:embed/>
+                </p:oleObj>
+              </mc:Choice>
+              <mc:Fallback>
+                <p:oleObj name="Equation" r:id="rId4" imgW="596900" imgH="508000" progId="Equation.DSMT4">
+                  <p:embed/>
+                  <p:pic>
+                    <p:nvPicPr>
+                      <p:cNvPr id="0" name=""/>
+                      <p:cNvPicPr>
+                        <a:picLocks noChangeAspect="1" noChangeArrowheads="1"/>
+                      </p:cNvPicPr>
+                      <p:nvPr/>
+                    </p:nvPicPr>
+                    <p:blipFill>
+                      <a:blip r:embed="rId5"/>
+                      <a:srcRect/>
+                      <a:stretch>
+                        <a:fillRect/>
+                      </a:stretch>
+                    </p:blipFill>
+                    <p:spPr bwMode="auto">
+                      <a:xfrm>
+                        <a:off x="2752725" y="1092200"/>
+                        <a:ext cx="3235325" cy="2752725"/>
+                      </a:xfrm>
+                      <a:prstGeom prst="rect">
+                        <a:avLst/>
+                      </a:prstGeom>
+                      <a:noFill/>
+                      <a:extLst>
+                        <a:ext uri="{909E8E84-426E-40dd-AFC4-6F175D3DCCD1}">
+                          <a14:hiddenFill xmlns:a14="http://schemas.microsoft.com/office/drawing/2010/main">
+                            <a:solidFill>
+                              <a:srgbClr val="FFFFFF"/>
+                            </a:solidFill>
+                          </a14:hiddenFill>
+                        </a:ext>
+                      </a:extLst>
+                    </p:spPr>
+                  </p:pic>
+                </p:oleObj>
+              </mc:Fallback>
+            </mc:AlternateContent>
+          </a:graphicData>
+        </a:graphic>
+      </p:graphicFrame>
+      <p:sp>
+        <p:nvSpPr>
+          <p:cNvPr id="9" name="TextBox 8"/>
+          <p:cNvSpPr txBox="1"/>
+          <p:nvPr/>
+        </p:nvSpPr>
+        <p:spPr>
+          <a:xfrm>
+            <a:off x="308960" y="3719157"/>
+            <a:ext cx="8526080" cy="923330"/>
+          </a:xfrm>
+          <a:prstGeom prst="rect">
+            <a:avLst/>
+          </a:prstGeom>
+          <a:noFill/>
+        </p:spPr>
+        <p:txBody>
+          <a:bodyPr wrap="none" rtlCol="0">
+            <a:spAutoFit/>
+          </a:bodyPr>
+          <a:lstStyle/>
+          <a:p>
+            <a:r>
+              <a:rPr lang="en-US" sz="5400" dirty="0" smtClean="0">
+                <a:latin typeface="Comic Sans MS"/>
+                <a:cs typeface="Comic Sans MS"/>
+              </a:rPr>
+              <a:t>…unlike propositional case</a:t>
+            </a:r>
+            <a:endParaRPr lang="en-US" sz="5400" dirty="0">
+              <a:latin typeface="Comic Sans MS"/>
+              <a:cs typeface="Comic Sans MS"/>
+            </a:endParaRPr>
+          </a:p>
+        </p:txBody>
+      </p:sp>
+      <p:sp>
+        <p:nvSpPr>
+          <p:cNvPr id="10" name="TextBox 9"/>
+          <p:cNvSpPr txBox="1"/>
+          <p:nvPr/>
+        </p:nvSpPr>
+        <p:spPr>
+          <a:xfrm>
+            <a:off x="240225" y="4658715"/>
+            <a:ext cx="8903775" cy="1754327"/>
+          </a:xfrm>
+          <a:prstGeom prst="rect">
+            <a:avLst/>
+          </a:prstGeom>
+          <a:noFill/>
+        </p:spPr>
+        <p:txBody>
+          <a:bodyPr wrap="none" rtlCol="0">
+            <a:spAutoFit/>
+          </a:bodyPr>
+          <a:lstStyle/>
+          <a:p>
+            <a:r>
+              <a:rPr lang="en-US" sz="5400" dirty="0" smtClean="0">
+                <a:latin typeface="Comic Sans MS"/>
+                <a:cs typeface="Comic Sans MS"/>
+              </a:rPr>
+              <a:t>instead have weaker notion </a:t>
+            </a:r>
+          </a:p>
+          <a:p>
+            <a:r>
+              <a:rPr lang="en-US" sz="5400" dirty="0" smtClean="0">
+                <a:latin typeface="Comic Sans MS"/>
+                <a:cs typeface="Comic Sans MS"/>
+              </a:rPr>
+              <a:t>of Soundness:</a:t>
+            </a:r>
+            <a:endParaRPr lang="en-US" sz="5400" dirty="0">
+              <a:latin typeface="Comic Sans MS"/>
+              <a:cs typeface="Comic Sans MS"/>
+            </a:endParaRPr>
+          </a:p>
+        </p:txBody>
+      </p:sp>
+    </p:spTree>
+    <p:extLst>
+      <p:ext uri="{BB962C8B-B14F-4D97-AF65-F5344CB8AC3E}">
+        <p14:creationId xmlns:p14="http://schemas.microsoft.com/office/powerpoint/2010/main" val="1177444061"/>
+      </p:ext>
+    </p:extLst>
+  </p:cSld>
+  <p:clrMapOvr>
+    <a:masterClrMapping/>
+  </p:clrMapOvr>
+  <mc:AlternateContent xmlns:mc="http://schemas.openxmlformats.org/markup-compatibility/2006" xmlns:p14="http://schemas.microsoft.com/office/powerpoint/2010/main">
+    <mc:Choice Requires="p14">
+      <p:transition spd="slow" p14:dur="800" advClick="0">
+        <p:fade/>
+      </p:transition>
+    </mc:Choice>
+    <mc:Fallback xmlns="">
+      <p:transition xmlns:p14="http://schemas.microsoft.com/office/powerpoint/2010/main" spd="slow" advClick="0">
+        <p:fade/>
+      </p:transition>
+    </mc:Fallback>
+  </mc:AlternateContent>
+  <p:timing>
+    <p:tnLst>
+      <p:par>
+        <p:cTn xmlns:p14="http://schemas.microsoft.com/office/powerpoint/2010/main" id="1" dur="indefinite" restart="never" nodeType="tmRoot">
+          <p:childTnLst>
+            <p:seq concurrent="1" nextAc="seek">
+              <p:cTn id="2" dur="indefinite" nodeType="mainSeq">
+                <p:childTnLst>
                   <p:par>
-                    <p:cTn id="8" fill="hold">
+                    <p:cTn id="3" fill="hold">
                       <p:stCondLst>
                         <p:cond delay="indefinite"/>
                       </p:stCondLst>
                       <p:childTnLst>
                         <p:par>
-                          <p:cTn id="9" fill="hold">
+                          <p:cTn id="4" fill="hold">
                             <p:stCondLst>
                               <p:cond delay="0"/>
                             </p:stCondLst>
                             <p:childTnLst>
                               <p:par>
-                                <p:cTn id="10" presetID="10" presetClass="entr" presetSubtype="0" fill="hold" grpId="0" nodeType="clickEffect">
+                                <p:cTn id="5" presetID="10" presetClass="entr" presetSubtype="0" fill="hold" grpId="0" nodeType="clickEffect">
                                   <p:stCondLst>
                                     <p:cond delay="0"/>
                                   </p:stCondLst>
                                   <p:childTnLst>
                                     <p:set>
                                       <p:cBhvr>
-                                        <p:cTn id="11" dur="1" fill="hold">
+                                        <p:cTn id="6" dur="1" fill="hold">
                                           <p:stCondLst>
                                             <p:cond delay="0"/>
                                           </p:stCondLst>
@@ -3648,7 +3996,7 @@
                                     </p:set>
                                     <p:animEffect transition="in" filter="fade">
                                       <p:cBhvr>
-                                        <p:cTn id="12" dur="500"/>
+                                        <p:cTn id="7" dur="500"/>
                                         <p:tgtEl>
                                           <p:spTgt spid="9"/>
                                         </p:tgtEl>
@@ -3691,7 +4039,7 @@
 </p:sld>
 </file>
 
-<file path=ppt/slides/slide11.xml><?xml version="1.0" encoding="utf-8"?>
+<file path=ppt/slides/slide12.xml><?xml version="1.0" encoding="utf-8"?>
 <p:sld xmlns:a="http://schemas.openxmlformats.org/drawingml/2006/main" xmlns:r="http://schemas.openxmlformats.org/officeDocument/2006/relationships" xmlns:p="http://schemas.openxmlformats.org/presentationml/2006/main">
   <p:cSld>
     <p:spTree>
@@ -3831,7 +4179,7 @@
             <a:graphicData uri="http://schemas.openxmlformats.org/presentationml/2006/ole">
               <mc:AlternateContent xmlns:mc="http://schemas.openxmlformats.org/markup-compatibility/2006">
                 <mc:Choice xmlns:v="urn:schemas-microsoft-com:vml" Requires="v">
-                  <p:oleObj spid="_x0000_s566284" name="Equation" r:id="rId4" imgW="317500" imgH="215900" progId="Equation.DSMT4">
+                  <p:oleObj spid="_x0000_s566294" name="Equation" r:id="rId4" imgW="317500" imgH="215900" progId="Equation.DSMT4">
                     <p:embed/>
                   </p:oleObj>
                 </mc:Choice>
@@ -3952,7 +4300,7 @@
             <a:graphicData uri="http://schemas.openxmlformats.org/presentationml/2006/ole">
               <mc:AlternateContent xmlns:mc="http://schemas.openxmlformats.org/markup-compatibility/2006">
                 <mc:Choice xmlns:v="urn:schemas-microsoft-com:vml" Requires="v">
-                  <p:oleObj spid="_x0000_s566285" name="Equation" r:id="rId6" imgW="571500" imgH="228600" progId="Equation.DSMT4">
+                  <p:oleObj spid="_x0000_s566295" name="Equation" r:id="rId6" imgW="571500" imgH="228600" progId="Equation.DSMT4">
                     <p:embed/>
                   </p:oleObj>
                 </mc:Choice>
@@ -4334,7 +4682,7 @@
           <a:graphicData uri="http://schemas.openxmlformats.org/presentationml/2006/ole">
             <mc:AlternateContent xmlns:mc="http://schemas.openxmlformats.org/markup-compatibility/2006">
               <mc:Choice xmlns:v="urn:schemas-microsoft-com:vml" Requires="v">
-                <p:oleObj spid="_x0000_s1042" name="Equation" r:id="rId4" imgW="914400" imgH="198720" progId="Equation.DSMT4">
+                <p:oleObj spid="_x0000_s1052" name="Equation" r:id="rId4" imgW="914400" imgH="198720" progId="Equation.DSMT4">
                   <p:embed/>
                 </p:oleObj>
               </mc:Choice>
@@ -4410,7 +4758,7 @@
           <a:graphicData uri="http://schemas.openxmlformats.org/presentationml/2006/ole">
             <mc:AlternateContent xmlns:mc="http://schemas.openxmlformats.org/markup-compatibility/2006">
               <mc:Choice xmlns:v="urn:schemas-microsoft-com:vml" Requires="v">
-                <p:oleObj spid="_x0000_s1043" name="Equation" r:id="rId6" imgW="2146300" imgH="215900" progId="Equation.3">
+                <p:oleObj spid="_x0000_s1053" name="Equation" r:id="rId6" imgW="2146300" imgH="215900" progId="Equation.3">
                   <p:embed/>
                 </p:oleObj>
               </mc:Choice>
@@ -4679,7 +5027,7 @@
           <a:graphicData uri="http://schemas.openxmlformats.org/presentationml/2006/ole">
             <mc:AlternateContent xmlns:mc="http://schemas.openxmlformats.org/markup-compatibility/2006">
               <mc:Choice xmlns:v="urn:schemas-microsoft-com:vml" Requires="v">
-                <p:oleObj spid="_x0000_s299125" name="Equation" r:id="rId4" imgW="914400" imgH="198720" progId="Equation.DSMT4">
+                <p:oleObj spid="_x0000_s299139" name="Equation" r:id="rId4" imgW="914400" imgH="198720" progId="Equation.DSMT4">
                   <p:embed/>
                 </p:oleObj>
               </mc:Choice>
@@ -4749,7 +5097,7 @@
           <a:graphicData uri="http://schemas.openxmlformats.org/presentationml/2006/ole">
             <mc:AlternateContent xmlns:mc="http://schemas.openxmlformats.org/markup-compatibility/2006">
               <mc:Choice xmlns:v="urn:schemas-microsoft-com:vml" Requires="v">
-                <p:oleObj spid="_x0000_s299126" name="Equation" r:id="rId6" imgW="914400" imgH="198720" progId="Equation.DSMT4">
+                <p:oleObj spid="_x0000_s299140" name="Equation" r:id="rId6" imgW="914400" imgH="198720" progId="Equation.DSMT4">
                   <p:embed/>
                 </p:oleObj>
               </mc:Choice>
@@ -4878,7 +5226,7 @@
           <a:graphicData uri="http://schemas.openxmlformats.org/presentationml/2006/ole">
             <mc:AlternateContent xmlns:mc="http://schemas.openxmlformats.org/markup-compatibility/2006">
               <mc:Choice xmlns:v="urn:schemas-microsoft-com:vml" Requires="v">
-                <p:oleObj spid="_x0000_s299127" name="Equation" r:id="rId8" imgW="2032000" imgH="457200" progId="Equation.DSMT4">
+                <p:oleObj spid="_x0000_s299141" name="Equation" r:id="rId8" imgW="2032000" imgH="457200" progId="Equation.DSMT4">
                   <p:embed/>
                 </p:oleObj>
               </mc:Choice>
@@ -4970,7 +5318,7 @@
                             </p:stCondLst>
                             <p:childTnLst>
                               <p:par>
-                                <p:cTn id="5" presetID="22" presetClass="entr" presetSubtype="1" fill="hold" nodeType="clickEffect">
+                                <p:cTn id="5" presetID="10" presetClass="entr" presetSubtype="0" fill="hold" grpId="0" nodeType="clickEffect">
                                   <p:stCondLst>
                                     <p:cond delay="0"/>
                                   </p:stCondLst>
@@ -4978,6 +5326,59 @@
                                     <p:set>
                                       <p:cBhvr>
                                         <p:cTn id="6" dur="1" fill="hold">
+                                          <p:stCondLst>
+                                            <p:cond delay="0"/>
+                                          </p:stCondLst>
+                                        </p:cTn>
+                                        <p:tgtEl>
+                                          <p:spTgt spid="11"/>
+                                        </p:tgtEl>
+                                        <p:attrNameLst>
+                                          <p:attrName>style.visibility</p:attrName>
+                                        </p:attrNameLst>
+                                      </p:cBhvr>
+                                      <p:to>
+                                        <p:strVal val="visible"/>
+                                      </p:to>
+                                    </p:set>
+                                    <p:animEffect transition="in" filter="fade">
+                                      <p:cBhvr>
+                                        <p:cTn id="7" dur="500"/>
+                                        <p:tgtEl>
+                                          <p:spTgt spid="11"/>
+                                        </p:tgtEl>
+                                      </p:cBhvr>
+                                    </p:animEffect>
+                                  </p:childTnLst>
+                                </p:cTn>
+                              </p:par>
+                            </p:childTnLst>
+                          </p:cTn>
+                        </p:par>
+                      </p:childTnLst>
+                    </p:cTn>
+                  </p:par>
+                  <p:par>
+                    <p:cTn id="8" fill="hold">
+                      <p:stCondLst>
+                        <p:cond delay="indefinite"/>
+                      </p:stCondLst>
+                      <p:childTnLst>
+                        <p:par>
+                          <p:cTn id="9" fill="hold">
+                            <p:stCondLst>
+                              <p:cond delay="0"/>
+                            </p:stCondLst>
+                            <p:childTnLst>
+                              <p:par>
+                                <p:cTn id="10" presetID="22" presetClass="entr" presetSubtype="1" fill="hold" nodeType="clickEffect">
+                                  <p:stCondLst>
+                                    <p:cond delay="0"/>
+                                  </p:stCondLst>
+                                  <p:childTnLst>
+                                    <p:set>
+                                      <p:cBhvr>
+                                        <p:cTn id="11" dur="1" fill="hold">
                                           <p:stCondLst>
                                             <p:cond delay="0"/>
                                           </p:stCondLst>
@@ -4995,7 +5396,7 @@
                                     </p:set>
                                     <p:animEffect transition="in" filter="wipe(up)">
                                       <p:cBhvr>
-                                        <p:cTn id="7" dur="1000"/>
+                                        <p:cTn id="12" dur="1000"/>
                                         <p:tgtEl>
                                           <p:spTgt spid="12"/>
                                         </p:tgtEl>
@@ -5031,6 +5432,9 @@
         </p:cTn>
       </p:par>
     </p:tnLst>
+    <p:bldLst>
+      <p:bldP spid="11" grpId="0"/>
+    </p:bldLst>
   </p:timing>
 </p:sld>
 </file>
@@ -5441,7 +5845,7 @@
           <a:graphicData uri="http://schemas.openxmlformats.org/presentationml/2006/ole">
             <mc:AlternateContent xmlns:mc="http://schemas.openxmlformats.org/markup-compatibility/2006">
               <mc:Choice xmlns:v="urn:schemas-microsoft-com:vml" Requires="v">
-                <p:oleObj spid="_x0000_s467029" name="Equation" r:id="rId4" imgW="914400" imgH="198720" progId="Equation.DSMT4">
+                <p:oleObj spid="_x0000_s467039" name="Equation" r:id="rId4" imgW="914400" imgH="198720" progId="Equation.DSMT4">
                   <p:embed/>
                 </p:oleObj>
               </mc:Choice>
@@ -5750,17 +6154,23 @@
           <p:cNvGraphicFramePr>
             <a:graphicFrameLocks noChangeAspect="1"/>
           </p:cNvGraphicFramePr>
-          <p:nvPr/>
+          <p:nvPr>
+            <p:extLst>
+              <p:ext uri="{D42A27DB-BD31-4B8C-83A1-F6EECF244321}">
+                <p14:modId xmlns:p14="http://schemas.microsoft.com/office/powerpoint/2010/main" val="2126165542"/>
+              </p:ext>
+            </p:extLst>
+          </p:nvPr>
         </p:nvGraphicFramePr>
         <p:xfrm>
-          <a:off x="456406" y="1416937"/>
+          <a:off x="456406" y="1369456"/>
           <a:ext cx="8231187" cy="1851025"/>
         </p:xfrm>
         <a:graphic>
           <a:graphicData uri="http://schemas.openxmlformats.org/presentationml/2006/ole">
             <mc:AlternateContent xmlns:mc="http://schemas.openxmlformats.org/markup-compatibility/2006">
               <mc:Choice xmlns:v="urn:schemas-microsoft-com:vml" Requires="v">
-                <p:oleObj spid="_x0000_s467030" name="Equation" r:id="rId6" imgW="2032000" imgH="457200" progId="Equation.DSMT4">
+                <p:oleObj spid="_x0000_s467040" name="Equation" r:id="rId6" imgW="2032000" imgH="457200" progId="Equation.DSMT4">
                   <p:embed/>
                 </p:oleObj>
               </mc:Choice>
@@ -5790,7 +6200,7 @@
                     </p:blipFill>
                     <p:spPr bwMode="auto">
                       <a:xfrm>
-                        <a:off x="456406" y="1416937"/>
+                        <a:off x="456406" y="1369456"/>
                         <a:ext cx="8231187" cy="1851025"/>
                       </a:xfrm>
                       <a:prstGeom prst="rect">
@@ -7043,7 +7453,7 @@
           <a:graphicData uri="http://schemas.openxmlformats.org/presentationml/2006/ole">
             <mc:AlternateContent xmlns:mc="http://schemas.openxmlformats.org/markup-compatibility/2006">
               <mc:Choice xmlns:v="urn:schemas-microsoft-com:vml" Requires="v">
-                <p:oleObj spid="_x0000_s469043" name="Equation" r:id="rId4" imgW="914400" imgH="198720" progId="Equation.DSMT4">
+                <p:oleObj spid="_x0000_s469049" name="Equation" r:id="rId4" imgW="914400" imgH="198720" progId="Equation.DSMT4">
                   <p:embed/>
                 </p:oleObj>
               </mc:Choice>
@@ -8477,7 +8887,7 @@
           <a:graphicData uri="http://schemas.openxmlformats.org/presentationml/2006/ole">
             <mc:AlternateContent xmlns:mc="http://schemas.openxmlformats.org/markup-compatibility/2006">
               <mc:Choice xmlns:v="urn:schemas-microsoft-com:vml" Requires="v">
-                <p:oleObj spid="_x0000_s480340" name="Equation" r:id="rId4" imgW="914400" imgH="198720" progId="Equation.DSMT4">
+                <p:oleObj spid="_x0000_s480350" name="Equation" r:id="rId4" imgW="914400" imgH="198720" progId="Equation.DSMT4">
                   <p:embed/>
                 </p:oleObj>
               </mc:Choice>
@@ -8677,7 +9087,7 @@
           <a:graphicData uri="http://schemas.openxmlformats.org/presentationml/2006/ole">
             <mc:AlternateContent xmlns:mc="http://schemas.openxmlformats.org/markup-compatibility/2006">
               <mc:Choice xmlns:v="urn:schemas-microsoft-com:vml" Requires="v">
-                <p:oleObj spid="_x0000_s480341" name="Equation" r:id="rId6" imgW="1968500" imgH="457200" progId="Equation.DSMT4">
+                <p:oleObj spid="_x0000_s480351" name="Equation" r:id="rId6" imgW="1968500" imgH="457200" progId="Equation.DSMT4">
                   <p:embed/>
                 </p:oleObj>
               </mc:Choice>
@@ -9229,165 +9639,6 @@
       </p:grpSpPr>
       <p:sp>
         <p:nvSpPr>
-          <p:cNvPr id="57367" name="Text Box 23"/>
-          <p:cNvSpPr txBox="1">
-            <a:spLocks noChangeArrowheads="1"/>
-          </p:cNvSpPr>
-          <p:nvPr/>
-        </p:nvSpPr>
-        <p:spPr bwMode="auto">
-          <a:xfrm>
-            <a:off x="1141675" y="3860538"/>
-            <a:ext cx="6891139" cy="1712777"/>
-          </a:xfrm>
-          <a:prstGeom prst="rect">
-            <a:avLst/>
-          </a:prstGeom>
-          <a:noFill/>
-          <a:ln w="9525">
-            <a:noFill/>
-            <a:miter lim="800000"/>
-            <a:headEnd/>
-            <a:tailEnd/>
-          </a:ln>
-          <a:effectLst/>
-        </p:spPr>
-        <p:txBody>
-          <a:bodyPr wrap="square">
-            <a:spAutoFit/>
-          </a:bodyPr>
-          <a:lstStyle/>
-          <a:p>
-            <a:pPr>
-              <a:lnSpc>
-                <a:spcPct val="70000"/>
-              </a:lnSpc>
-              <a:spcBef>
-                <a:spcPct val="50000"/>
-              </a:spcBef>
-            </a:pPr>
-            <a:r>
-              <a:rPr lang="en-US" sz="5400" dirty="0" smtClean="0">
-                <a:latin typeface="Comic Sans MS" pitchFamily="66" charset="0"/>
-              </a:rPr>
-              <a:t>as long as </a:t>
-            </a:r>
-            <a:endParaRPr lang="en-US" sz="5400" dirty="0" smtClean="0">
-              <a:solidFill>
-                <a:srgbClr val="008000"/>
-              </a:solidFill>
-              <a:latin typeface="Comic Sans MS" pitchFamily="66" charset="0"/>
-              <a:sym typeface="Euclid Symbol" pitchFamily="18" charset="2"/>
-            </a:endParaRPr>
-          </a:p>
-          <a:p>
-            <a:pPr>
-              <a:lnSpc>
-                <a:spcPct val="70000"/>
-              </a:lnSpc>
-              <a:spcBef>
-                <a:spcPct val="50000"/>
-              </a:spcBef>
-            </a:pPr>
-            <a:r>
-              <a:rPr lang="en-US" sz="5400" dirty="0">
-                <a:solidFill>
-                  <a:srgbClr val="CC0099"/>
-                </a:solidFill>
-                <a:latin typeface="Comic Sans MS" pitchFamily="66" charset="0"/>
-                <a:sym typeface="Euclid Symbol" pitchFamily="18" charset="2"/>
-              </a:rPr>
-              <a:t>c</a:t>
-            </a:r>
-            <a:r>
-              <a:rPr lang="en-US" sz="5400" dirty="0">
-                <a:solidFill>
-                  <a:srgbClr val="0000FF"/>
-                </a:solidFill>
-                <a:latin typeface="Comic Sans MS" pitchFamily="66" charset="0"/>
-                <a:sym typeface="Euclid Symbol" pitchFamily="18" charset="2"/>
-              </a:rPr>
-              <a:t> </a:t>
-            </a:r>
-            <a:r>
-              <a:rPr lang="en-US" sz="5400" dirty="0" smtClean="0">
-                <a:latin typeface="Comic Sans MS" pitchFamily="66" charset="0"/>
-                <a:sym typeface="Euclid Symbol" pitchFamily="18" charset="2"/>
-              </a:rPr>
-              <a:t>does</a:t>
-            </a:r>
-            <a:r>
-              <a:rPr lang="en-US" sz="5400" dirty="0" smtClean="0">
-                <a:solidFill>
-                  <a:srgbClr val="008000"/>
-                </a:solidFill>
-                <a:latin typeface="Comic Sans MS" pitchFamily="66" charset="0"/>
-                <a:sym typeface="Euclid Symbol" pitchFamily="18" charset="2"/>
-              </a:rPr>
-              <a:t> not </a:t>
-            </a:r>
-            <a:r>
-              <a:rPr lang="en-US" sz="5400" dirty="0">
-                <a:solidFill>
-                  <a:srgbClr val="008000"/>
-                </a:solidFill>
-                <a:latin typeface="Comic Sans MS" pitchFamily="66" charset="0"/>
-                <a:sym typeface="Euclid Symbol" pitchFamily="18" charset="2"/>
-              </a:rPr>
-              <a:t>occur</a:t>
-            </a:r>
-            <a:r>
-              <a:rPr lang="en-US" sz="5400" dirty="0">
-                <a:solidFill>
-                  <a:srgbClr val="000000"/>
-                </a:solidFill>
-                <a:latin typeface="Comic Sans MS" pitchFamily="66" charset="0"/>
-                <a:sym typeface="Euclid Symbol" pitchFamily="18" charset="2"/>
-              </a:rPr>
-              <a:t> </a:t>
-            </a:r>
-            <a:r>
-              <a:rPr lang="en-US" sz="5400" dirty="0" smtClean="0">
-                <a:solidFill>
-                  <a:srgbClr val="000000"/>
-                </a:solidFill>
-                <a:latin typeface="Comic Sans MS" pitchFamily="66" charset="0"/>
-                <a:sym typeface="Euclid Symbol" pitchFamily="18" charset="2"/>
-              </a:rPr>
-              <a:t>in</a:t>
-            </a:r>
-            <a:r>
-              <a:rPr lang="en-US" sz="5400" dirty="0" smtClean="0">
-                <a:solidFill>
-                  <a:srgbClr val="008000"/>
-                </a:solidFill>
-                <a:latin typeface="Comic Sans MS" pitchFamily="66" charset="0"/>
-                <a:sym typeface="Euclid Symbol" pitchFamily="18" charset="2"/>
-              </a:rPr>
-              <a:t> </a:t>
-            </a:r>
-            <a:r>
-              <a:rPr lang="en-US" sz="5400" dirty="0" smtClean="0">
-                <a:solidFill>
-                  <a:srgbClr val="0000FF"/>
-                </a:solidFill>
-                <a:latin typeface="Comic Sans MS" pitchFamily="66" charset="0"/>
-                <a:sym typeface="Euclid Symbol" pitchFamily="18" charset="2"/>
-              </a:rPr>
-              <a:t>P</a:t>
-            </a:r>
-            <a:endParaRPr lang="en-US" sz="5400" dirty="0">
-              <a:solidFill>
-                <a:srgbClr val="0000FF"/>
-              </a:solidFill>
-              <a:latin typeface="Comic Sans MS" pitchFamily="66" charset="0"/>
-              <a:sym typeface="Euclid Symbol" pitchFamily="18" charset="2"/>
-            </a:endParaRPr>
-          </a:p>
-        </p:txBody>
-      </p:sp>
-      <p:sp>
-        <p:nvSpPr>
           <p:cNvPr id="57371" name="Text Box 27"/>
           <p:cNvSpPr txBox="1">
             <a:spLocks noGrp="1" noChangeArrowheads="1"/>
@@ -9446,229 +9697,7 @@
           <a:graphicData uri="http://schemas.openxmlformats.org/presentationml/2006/ole">
             <mc:AlternateContent xmlns:mc="http://schemas.openxmlformats.org/markup-compatibility/2006">
               <mc:Choice xmlns:v="urn:schemas-microsoft-com:vml" Requires="v">
-                <p:oleObj spid="_x0000_s563255" name="Equation" r:id="rId4" imgW="596900" imgH="508000" progId="Equation.DSMT4">
-                  <p:embed/>
-                </p:oleObj>
-              </mc:Choice>
-              <mc:Fallback>
-                <p:oleObj name="Equation" r:id="rId4" imgW="596900" imgH="508000" progId="Equation.DSMT4">
-                  <p:embed/>
-                  <p:pic>
-                    <p:nvPicPr>
-                      <p:cNvPr id="0" name=""/>
-                      <p:cNvPicPr>
-                        <a:picLocks noChangeAspect="1" noChangeArrowheads="1"/>
-                      </p:cNvPicPr>
-                      <p:nvPr/>
-                    </p:nvPicPr>
-                    <p:blipFill>
-                      <a:blip r:embed="rId5"/>
-                      <a:srcRect/>
-                      <a:stretch>
-                        <a:fillRect/>
-                      </a:stretch>
-                    </p:blipFill>
-                    <p:spPr bwMode="auto">
-                      <a:xfrm>
-                        <a:off x="2752725" y="1092200"/>
-                        <a:ext cx="3235325" cy="2752725"/>
-                      </a:xfrm>
-                      <a:prstGeom prst="rect">
-                        <a:avLst/>
-                      </a:prstGeom>
-                      <a:noFill/>
-                      <a:extLst>
-                        <a:ext uri="{909E8E84-426E-40dd-AFC4-6F175D3DCCD1}">
-                          <a14:hiddenFill xmlns:a14="http://schemas.microsoft.com/office/drawing/2010/main">
-                            <a:solidFill>
-                              <a:srgbClr val="FFFFFF"/>
-                            </a:solidFill>
-                          </a14:hiddenFill>
-                        </a:ext>
-                      </a:extLst>
-                    </p:spPr>
-                  </p:pic>
-                </p:oleObj>
-              </mc:Fallback>
-            </mc:AlternateContent>
-          </a:graphicData>
-        </a:graphic>
-      </p:graphicFrame>
-    </p:spTree>
-  </p:cSld>
-  <p:clrMapOvr>
-    <a:masterClrMapping/>
-  </p:clrMapOvr>
-  <p:transition xmlns:p14="http://schemas.microsoft.com/office/powerpoint/2010/main" spd="slow" advClick="0">
-    <p:fade thruBlk="1"/>
-  </p:transition>
-  <p:timing>
-    <p:tnLst>
-      <p:par>
-        <p:cTn xmlns:p14="http://schemas.microsoft.com/office/powerpoint/2010/main" id="1" dur="indefinite" restart="never" nodeType="tmRoot">
-          <p:childTnLst>
-            <p:seq concurrent="1" nextAc="seek">
-              <p:cTn id="2" dur="indefinite" nodeType="mainSeq">
-                <p:childTnLst>
-                  <p:par>
-                    <p:cTn id="3" fill="hold">
-                      <p:stCondLst>
-                        <p:cond delay="indefinite"/>
-                      </p:stCondLst>
-                      <p:childTnLst>
-                        <p:par>
-                          <p:cTn id="4" fill="hold">
-                            <p:stCondLst>
-                              <p:cond delay="0"/>
-                            </p:stCondLst>
-                            <p:childTnLst>
-                              <p:par>
-                                <p:cTn id="5" presetID="10" presetClass="entr" presetSubtype="0" fill="hold" grpId="0" nodeType="clickEffect">
-                                  <p:stCondLst>
-                                    <p:cond delay="0"/>
-                                  </p:stCondLst>
-                                  <p:childTnLst>
-                                    <p:set>
-                                      <p:cBhvr>
-                                        <p:cTn id="6" dur="1" fill="hold">
-                                          <p:stCondLst>
-                                            <p:cond delay="0"/>
-                                          </p:stCondLst>
-                                        </p:cTn>
-                                        <p:tgtEl>
-                                          <p:spTgt spid="57367"/>
-                                        </p:tgtEl>
-                                        <p:attrNameLst>
-                                          <p:attrName>style.visibility</p:attrName>
-                                        </p:attrNameLst>
-                                      </p:cBhvr>
-                                      <p:to>
-                                        <p:strVal val="visible"/>
-                                      </p:to>
-                                    </p:set>
-                                    <p:animEffect transition="in" filter="fade">
-                                      <p:cBhvr>
-                                        <p:cTn id="7" dur="500"/>
-                                        <p:tgtEl>
-                                          <p:spTgt spid="57367"/>
-                                        </p:tgtEl>
-                                      </p:cBhvr>
-                                    </p:animEffect>
-                                  </p:childTnLst>
-                                </p:cTn>
-                              </p:par>
-                            </p:childTnLst>
-                          </p:cTn>
-                        </p:par>
-                      </p:childTnLst>
-                    </p:cTn>
-                  </p:par>
-                </p:childTnLst>
-              </p:cTn>
-              <p:prevCondLst>
-                <p:cond evt="onPrev" delay="0">
-                  <p:tgtEl>
-                    <p:sldTgt/>
-                  </p:tgtEl>
-                </p:cond>
-              </p:prevCondLst>
-              <p:nextCondLst>
-                <p:cond evt="onNext" delay="0">
-                  <p:tgtEl>
-                    <p:sldTgt/>
-                  </p:tgtEl>
-                </p:cond>
-              </p:nextCondLst>
-            </p:seq>
-          </p:childTnLst>
-        </p:cTn>
-      </p:par>
-    </p:tnLst>
-    <p:bldLst>
-      <p:bldP spid="57367" grpId="0"/>
-    </p:bldLst>
-  </p:timing>
-</p:sld>
-</file>
-
-<file path=ppt/slides/slide9.xml><?xml version="1.0" encoding="utf-8"?>
-<p:sld xmlns:a="http://schemas.openxmlformats.org/drawingml/2006/main" xmlns:r="http://schemas.openxmlformats.org/officeDocument/2006/relationships" xmlns:p="http://schemas.openxmlformats.org/presentationml/2006/main">
-  <p:cSld>
-    <p:spTree>
-      <p:nvGrpSpPr>
-        <p:cNvPr id="1" name=""/>
-        <p:cNvGrpSpPr/>
-        <p:nvPr/>
-      </p:nvGrpSpPr>
-      <p:grpSpPr>
-        <a:xfrm>
-          <a:off x="0" y="0"/>
-          <a:ext cx="0" cy="0"/>
-          <a:chOff x="0" y="0"/>
-          <a:chExt cx="0" cy="0"/>
-        </a:xfrm>
-      </p:grpSpPr>
-      <p:sp>
-        <p:nvSpPr>
-          <p:cNvPr id="57371" name="Text Box 27"/>
-          <p:cNvSpPr txBox="1">
-            <a:spLocks noGrp="1" noChangeArrowheads="1"/>
-          </p:cNvSpPr>
-          <p:nvPr>
-            <p:ph type="title"/>
-          </p:nvPr>
-        </p:nvSpPr>
-        <p:spPr>
-          <a:xfrm>
-            <a:off x="1585170" y="228600"/>
-            <a:ext cx="6040423" cy="1046527"/>
-          </a:xfrm>
-          <a:noFill/>
-          <a:ln/>
-        </p:spPr>
-        <p:txBody>
-          <a:bodyPr/>
-          <a:lstStyle/>
-          <a:p>
-            <a:pPr algn="l">
-              <a:spcBef>
-                <a:spcPct val="50000"/>
-              </a:spcBef>
-            </a:pPr>
-            <a:r>
-              <a:rPr lang="en-US" dirty="0">
-                <a:solidFill>
-                  <a:schemeClr val="tx1"/>
-                </a:solidFill>
-              </a:rPr>
-              <a:t>Universal Generalization (UG)</a:t>
-            </a:r>
-          </a:p>
-        </p:txBody>
-      </p:sp>
-      <p:graphicFrame>
-        <p:nvGraphicFramePr>
-          <p:cNvPr id="5" name="Object 4"/>
-          <p:cNvGraphicFramePr>
-            <a:graphicFrameLocks noChangeAspect="1"/>
-          </p:cNvGraphicFramePr>
-          <p:nvPr>
-            <p:extLst>
-              <p:ext uri="{D42A27DB-BD31-4B8C-83A1-F6EECF244321}">
-                <p14:modId xmlns:p14="http://schemas.microsoft.com/office/powerpoint/2010/main" val="2577682455"/>
-              </p:ext>
-            </p:extLst>
-          </p:nvPr>
-        </p:nvGraphicFramePr>
-        <p:xfrm>
-          <a:off x="2752725" y="1092200"/>
-          <a:ext cx="3235325" cy="2752725"/>
-        </p:xfrm>
-        <a:graphic>
-          <a:graphicData uri="http://schemas.openxmlformats.org/presentationml/2006/ole">
-            <mc:AlternateContent xmlns:mc="http://schemas.openxmlformats.org/markup-compatibility/2006">
-              <mc:Choice xmlns:v="urn:schemas-microsoft-com:vml" Requires="v">
-                <p:oleObj spid="_x0000_s565259" name="Equation" r:id="rId4" imgW="596900" imgH="508000" progId="Equation.DSMT4">
+                <p:oleObj spid="_x0000_s563262" name="Equation" r:id="rId4" imgW="596900" imgH="508000" progId="Equation.DSMT4">
                   <p:embed/>
                 </p:oleObj>
               </mc:Choice>
@@ -9718,14 +9747,14 @@
       </p:graphicFrame>
       <p:sp>
         <p:nvSpPr>
-          <p:cNvPr id="3" name="TextBox 2"/>
+          <p:cNvPr id="2" name="TextBox 1"/>
           <p:cNvSpPr txBox="1"/>
           <p:nvPr/>
         </p:nvSpPr>
         <p:spPr>
           <a:xfrm>
-            <a:off x="393074" y="3558146"/>
-            <a:ext cx="3224824" cy="923330"/>
+            <a:off x="244240" y="3839465"/>
+            <a:ext cx="8634179" cy="1569660"/>
           </a:xfrm>
           <a:prstGeom prst="rect">
             <a:avLst/>
@@ -9733,19 +9762,451 @@
           <a:noFill/>
         </p:spPr>
         <p:txBody>
-          <a:bodyPr wrap="none" rtlCol="0">
+          <a:bodyPr wrap="square" rtlCol="0">
             <a:spAutoFit/>
           </a:bodyPr>
           <a:lstStyle/>
           <a:p>
-            <a:r>
-              <a:rPr lang="en-US" sz="5400" dirty="0" smtClean="0">
-                <a:latin typeface="Comic Sans MS"/>
-                <a:cs typeface="Comic Sans MS"/>
-              </a:rPr>
-              <a:t>Subtlety:</a:t>
-            </a:r>
-            <a:endParaRPr lang="en-US" sz="5400" dirty="0">
+            <a:pPr>
+              <a:spcBef>
+                <a:spcPts val="0"/>
+              </a:spcBef>
+            </a:pPr>
+            <a:r>
+              <a:rPr lang="en-US" sz="4800" dirty="0" smtClean="0">
+                <a:latin typeface="Comic Sans MS" pitchFamily="66" charset="0"/>
+              </a:rPr>
+              <a:t>where</a:t>
+            </a:r>
+            <a:r>
+              <a:rPr lang="en-US" sz="4800" dirty="0" smtClean="0">
+                <a:solidFill>
+                  <a:srgbClr val="008000"/>
+                </a:solidFill>
+                <a:latin typeface="Comic Sans MS" pitchFamily="66" charset="0"/>
+                <a:sym typeface="Euclid Symbol" pitchFamily="18" charset="2"/>
+              </a:rPr>
+              <a:t> </a:t>
+            </a:r>
+            <a:r>
+              <a:rPr lang="en-US" sz="4800" dirty="0">
+                <a:solidFill>
+                  <a:srgbClr val="CC0099"/>
+                </a:solidFill>
+                <a:latin typeface="Comic Sans MS" pitchFamily="66" charset="0"/>
+                <a:sym typeface="Euclid Symbol" pitchFamily="18" charset="2"/>
+              </a:rPr>
+              <a:t>c</a:t>
+            </a:r>
+            <a:r>
+              <a:rPr lang="en-US" sz="4800" dirty="0">
+                <a:solidFill>
+                  <a:srgbClr val="0000FF"/>
+                </a:solidFill>
+                <a:latin typeface="Comic Sans MS" pitchFamily="66" charset="0"/>
+                <a:sym typeface="Euclid Symbol" pitchFamily="18" charset="2"/>
+              </a:rPr>
+              <a:t> </a:t>
+            </a:r>
+            <a:r>
+              <a:rPr lang="en-US" sz="4800" dirty="0" smtClean="0">
+                <a:latin typeface="Comic Sans MS" pitchFamily="66" charset="0"/>
+                <a:sym typeface="Euclid Symbol" pitchFamily="18" charset="2"/>
+              </a:rPr>
+              <a:t>is a constant symbol</a:t>
+            </a:r>
+          </a:p>
+          <a:p>
+            <a:pPr>
+              <a:spcBef>
+                <a:spcPts val="0"/>
+              </a:spcBef>
+            </a:pPr>
+            <a:r>
+              <a:rPr lang="en-US" sz="4800" dirty="0" smtClean="0">
+                <a:latin typeface="Comic Sans MS" pitchFamily="66" charset="0"/>
+                <a:sym typeface="Euclid Symbol" pitchFamily="18" charset="2"/>
+              </a:rPr>
+              <a:t>that </a:t>
+            </a:r>
+            <a:r>
+              <a:rPr lang="en-US" sz="4800" dirty="0">
+                <a:latin typeface="Comic Sans MS" pitchFamily="66" charset="0"/>
+                <a:sym typeface="Euclid Symbol" pitchFamily="18" charset="2"/>
+              </a:rPr>
+              <a:t>has not appeared </a:t>
+            </a:r>
+            <a:r>
+              <a:rPr lang="en-US" sz="4800" dirty="0" smtClean="0">
+                <a:latin typeface="Comic Sans MS" pitchFamily="66" charset="0"/>
+                <a:sym typeface="Euclid Symbol" pitchFamily="18" charset="2"/>
+              </a:rPr>
+              <a:t>earlier</a:t>
+            </a:r>
+            <a:endParaRPr lang="en-US" sz="4800" dirty="0" smtClean="0">
+              <a:latin typeface="Comic Sans MS"/>
+              <a:cs typeface="Comic Sans MS"/>
+            </a:endParaRPr>
+          </a:p>
+        </p:txBody>
+      </p:sp>
+    </p:spTree>
+  </p:cSld>
+  <p:clrMapOvr>
+    <a:masterClrMapping/>
+  </p:clrMapOvr>
+  <p:transition xmlns:p14="http://schemas.microsoft.com/office/powerpoint/2010/main" spd="slow" advClick="0">
+    <p:fade thruBlk="1"/>
+  </p:transition>
+  <p:timing>
+    <p:tnLst>
+      <p:par>
+        <p:cTn xmlns:p14="http://schemas.microsoft.com/office/powerpoint/2010/main" id="1" dur="indefinite" restart="never" nodeType="tmRoot">
+          <p:childTnLst>
+            <p:seq concurrent="1" nextAc="seek">
+              <p:cTn id="2" dur="indefinite" nodeType="mainSeq">
+                <p:childTnLst>
+                  <p:par>
+                    <p:cTn id="3" fill="hold">
+                      <p:stCondLst>
+                        <p:cond delay="indefinite"/>
+                      </p:stCondLst>
+                      <p:childTnLst>
+                        <p:par>
+                          <p:cTn id="4" fill="hold">
+                            <p:stCondLst>
+                              <p:cond delay="0"/>
+                            </p:stCondLst>
+                            <p:childTnLst>
+                              <p:par>
+                                <p:cTn id="5" presetID="10" presetClass="entr" presetSubtype="0" fill="hold" nodeType="clickEffect">
+                                  <p:stCondLst>
+                                    <p:cond delay="0"/>
+                                  </p:stCondLst>
+                                  <p:childTnLst>
+                                    <p:set>
+                                      <p:cBhvr>
+                                        <p:cTn id="6" dur="1" fill="hold">
+                                          <p:stCondLst>
+                                            <p:cond delay="0"/>
+                                          </p:stCondLst>
+                                        </p:cTn>
+                                        <p:tgtEl>
+                                          <p:spTgt spid="2">
+                                            <p:txEl>
+                                              <p:pRg st="0" end="0"/>
+                                            </p:txEl>
+                                          </p:spTgt>
+                                        </p:tgtEl>
+                                        <p:attrNameLst>
+                                          <p:attrName>style.visibility</p:attrName>
+                                        </p:attrNameLst>
+                                      </p:cBhvr>
+                                      <p:to>
+                                        <p:strVal val="visible"/>
+                                      </p:to>
+                                    </p:set>
+                                    <p:animEffect transition="in" filter="fade">
+                                      <p:cBhvr>
+                                        <p:cTn id="7" dur="500"/>
+                                        <p:tgtEl>
+                                          <p:spTgt spid="2">
+                                            <p:txEl>
+                                              <p:pRg st="0" end="0"/>
+                                            </p:txEl>
+                                          </p:spTgt>
+                                        </p:tgtEl>
+                                      </p:cBhvr>
+                                    </p:animEffect>
+                                  </p:childTnLst>
+                                </p:cTn>
+                              </p:par>
+                            </p:childTnLst>
+                          </p:cTn>
+                        </p:par>
+                        <p:par>
+                          <p:cTn id="8" fill="hold">
+                            <p:stCondLst>
+                              <p:cond delay="500"/>
+                            </p:stCondLst>
+                            <p:childTnLst>
+                              <p:par>
+                                <p:cTn id="9" presetID="10" presetClass="entr" presetSubtype="0" fill="hold" nodeType="afterEffect">
+                                  <p:stCondLst>
+                                    <p:cond delay="0"/>
+                                  </p:stCondLst>
+                                  <p:childTnLst>
+                                    <p:set>
+                                      <p:cBhvr>
+                                        <p:cTn id="10" dur="1" fill="hold">
+                                          <p:stCondLst>
+                                            <p:cond delay="0"/>
+                                          </p:stCondLst>
+                                        </p:cTn>
+                                        <p:tgtEl>
+                                          <p:spTgt spid="2">
+                                            <p:txEl>
+                                              <p:pRg st="1" end="1"/>
+                                            </p:txEl>
+                                          </p:spTgt>
+                                        </p:tgtEl>
+                                        <p:attrNameLst>
+                                          <p:attrName>style.visibility</p:attrName>
+                                        </p:attrNameLst>
+                                      </p:cBhvr>
+                                      <p:to>
+                                        <p:strVal val="visible"/>
+                                      </p:to>
+                                    </p:set>
+                                    <p:animEffect transition="in" filter="fade">
+                                      <p:cBhvr>
+                                        <p:cTn id="11" dur="1000"/>
+                                        <p:tgtEl>
+                                          <p:spTgt spid="2">
+                                            <p:txEl>
+                                              <p:pRg st="1" end="1"/>
+                                            </p:txEl>
+                                          </p:spTgt>
+                                        </p:tgtEl>
+                                      </p:cBhvr>
+                                    </p:animEffect>
+                                  </p:childTnLst>
+                                </p:cTn>
+                              </p:par>
+                            </p:childTnLst>
+                          </p:cTn>
+                        </p:par>
+                      </p:childTnLst>
+                    </p:cTn>
+                  </p:par>
+                </p:childTnLst>
+              </p:cTn>
+              <p:prevCondLst>
+                <p:cond evt="onPrev" delay="0">
+                  <p:tgtEl>
+                    <p:sldTgt/>
+                  </p:tgtEl>
+                </p:cond>
+              </p:prevCondLst>
+              <p:nextCondLst>
+                <p:cond evt="onNext" delay="0">
+                  <p:tgtEl>
+                    <p:sldTgt/>
+                  </p:tgtEl>
+                </p:cond>
+              </p:nextCondLst>
+            </p:seq>
+          </p:childTnLst>
+        </p:cTn>
+      </p:par>
+    </p:tnLst>
+  </p:timing>
+</p:sld>
+</file>
+
+<file path=ppt/slides/slide9.xml><?xml version="1.0" encoding="utf-8"?>
+<p:sld xmlns:a="http://schemas.openxmlformats.org/drawingml/2006/main" xmlns:r="http://schemas.openxmlformats.org/officeDocument/2006/relationships" xmlns:p="http://schemas.openxmlformats.org/presentationml/2006/main">
+  <p:cSld>
+    <p:spTree>
+      <p:nvGrpSpPr>
+        <p:cNvPr id="1" name=""/>
+        <p:cNvGrpSpPr/>
+        <p:nvPr/>
+      </p:nvGrpSpPr>
+      <p:grpSpPr>
+        <a:xfrm>
+          <a:off x="0" y="0"/>
+          <a:ext cx="0" cy="0"/>
+          <a:chOff x="0" y="0"/>
+          <a:chExt cx="0" cy="0"/>
+        </a:xfrm>
+      </p:grpSpPr>
+      <p:sp>
+        <p:nvSpPr>
+          <p:cNvPr id="57371" name="Text Box 27"/>
+          <p:cNvSpPr txBox="1">
+            <a:spLocks noGrp="1" noChangeArrowheads="1"/>
+          </p:cNvSpPr>
+          <p:nvPr>
+            <p:ph type="title"/>
+          </p:nvPr>
+        </p:nvSpPr>
+        <p:spPr>
+          <a:xfrm>
+            <a:off x="1585170" y="228600"/>
+            <a:ext cx="6040423" cy="1046527"/>
+          </a:xfrm>
+          <a:noFill/>
+          <a:ln/>
+        </p:spPr>
+        <p:txBody>
+          <a:bodyPr/>
+          <a:lstStyle/>
+          <a:p>
+            <a:pPr algn="l">
+              <a:spcBef>
+                <a:spcPct val="50000"/>
+              </a:spcBef>
+            </a:pPr>
+            <a:r>
+              <a:rPr lang="en-US" dirty="0">
+                <a:solidFill>
+                  <a:schemeClr val="tx1"/>
+                </a:solidFill>
+              </a:rPr>
+              <a:t>Universal Generalization (UG)</a:t>
+            </a:r>
+          </a:p>
+        </p:txBody>
+      </p:sp>
+      <p:graphicFrame>
+        <p:nvGraphicFramePr>
+          <p:cNvPr id="6" name="Object 5"/>
+          <p:cNvGraphicFramePr>
+            <a:graphicFrameLocks noChangeAspect="1"/>
+          </p:cNvGraphicFramePr>
+          <p:nvPr>
+            <p:extLst>
+              <p:ext uri="{D42A27DB-BD31-4B8C-83A1-F6EECF244321}">
+                <p14:modId xmlns:p14="http://schemas.microsoft.com/office/powerpoint/2010/main" val="2896761848"/>
+              </p:ext>
+            </p:extLst>
+          </p:nvPr>
+        </p:nvGraphicFramePr>
+        <p:xfrm>
+          <a:off x="2752725" y="1092200"/>
+          <a:ext cx="3235325" cy="2752725"/>
+        </p:xfrm>
+        <a:graphic>
+          <a:graphicData uri="http://schemas.openxmlformats.org/presentationml/2006/ole">
+            <mc:AlternateContent xmlns:mc="http://schemas.openxmlformats.org/markup-compatibility/2006">
+              <mc:Choice xmlns:v="urn:schemas-microsoft-com:vml" Requires="v">
+                <p:oleObj spid="_x0000_s569349" name="Equation" r:id="rId4" imgW="596900" imgH="508000" progId="Equation.DSMT4">
+                  <p:embed/>
+                </p:oleObj>
+              </mc:Choice>
+              <mc:Fallback>
+                <p:oleObj name="Equation" r:id="rId4" imgW="596900" imgH="508000" progId="Equation.DSMT4">
+                  <p:embed/>
+                  <p:pic>
+                    <p:nvPicPr>
+                      <p:cNvPr id="0" name=""/>
+                      <p:cNvPicPr>
+                        <a:picLocks noChangeAspect="1" noChangeArrowheads="1"/>
+                      </p:cNvPicPr>
+                      <p:nvPr/>
+                    </p:nvPicPr>
+                    <p:blipFill>
+                      <a:blip r:embed="rId5"/>
+                      <a:srcRect/>
+                      <a:stretch>
+                        <a:fillRect/>
+                      </a:stretch>
+                    </p:blipFill>
+                    <p:spPr bwMode="auto">
+                      <a:xfrm>
+                        <a:off x="2752725" y="1092200"/>
+                        <a:ext cx="3235325" cy="2752725"/>
+                      </a:xfrm>
+                      <a:prstGeom prst="rect">
+                        <a:avLst/>
+                      </a:prstGeom>
+                      <a:noFill/>
+                      <a:extLst>
+                        <a:ext uri="{909E8E84-426E-40dd-AFC4-6F175D3DCCD1}">
+                          <a14:hiddenFill xmlns:a14="http://schemas.microsoft.com/office/drawing/2010/main">
+                            <a:solidFill>
+                              <a:srgbClr val="FFFFFF"/>
+                            </a:solidFill>
+                          </a14:hiddenFill>
+                        </a:ext>
+                      </a:extLst>
+                    </p:spPr>
+                  </p:pic>
+                </p:oleObj>
+              </mc:Fallback>
+            </mc:AlternateContent>
+          </a:graphicData>
+        </a:graphic>
+      </p:graphicFrame>
+      <p:sp>
+        <p:nvSpPr>
+          <p:cNvPr id="2" name="TextBox 1"/>
+          <p:cNvSpPr txBox="1"/>
+          <p:nvPr/>
+        </p:nvSpPr>
+        <p:spPr>
+          <a:xfrm>
+            <a:off x="742780" y="3839465"/>
+            <a:ext cx="7767675" cy="1015663"/>
+          </a:xfrm>
+          <a:prstGeom prst="rect">
+            <a:avLst/>
+          </a:prstGeom>
+          <a:noFill/>
+        </p:spPr>
+        <p:txBody>
+          <a:bodyPr wrap="square" rtlCol="0">
+            <a:spAutoFit/>
+          </a:bodyPr>
+          <a:lstStyle/>
+          <a:p>
+            <a:pPr>
+              <a:spcBef>
+                <a:spcPts val="0"/>
+              </a:spcBef>
+            </a:pPr>
+            <a:r>
+              <a:rPr lang="en-US" sz="6000" dirty="0" smtClean="0">
+                <a:latin typeface="Comic Sans MS" pitchFamily="66" charset="0"/>
+              </a:rPr>
+              <a:t> </a:t>
+            </a:r>
+            <a:r>
+              <a:rPr lang="en-US" sz="6000" dirty="0" smtClean="0">
+                <a:solidFill>
+                  <a:srgbClr val="CC0099"/>
+                </a:solidFill>
+                <a:latin typeface="Comic Sans MS" pitchFamily="66" charset="0"/>
+                <a:sym typeface="Euclid Symbol" pitchFamily="18" charset="2"/>
+              </a:rPr>
+              <a:t>c</a:t>
+            </a:r>
+            <a:r>
+              <a:rPr lang="en-US" sz="6000" dirty="0" smtClean="0">
+                <a:solidFill>
+                  <a:srgbClr val="0000FF"/>
+                </a:solidFill>
+                <a:latin typeface="Comic Sans MS" pitchFamily="66" charset="0"/>
+                <a:sym typeface="Euclid Symbol" pitchFamily="18" charset="2"/>
+              </a:rPr>
+              <a:t> </a:t>
+            </a:r>
+            <a:r>
+              <a:rPr lang="en-US" sz="6000" dirty="0" smtClean="0">
+                <a:latin typeface="Comic Sans MS" pitchFamily="66" charset="0"/>
+                <a:sym typeface="Euclid Symbol" pitchFamily="18" charset="2"/>
+              </a:rPr>
+              <a:t>is a “</a:t>
+            </a:r>
+            <a:r>
+              <a:rPr lang="en-US" sz="6000" dirty="0" smtClean="0">
+                <a:solidFill>
+                  <a:srgbClr val="008000"/>
+                </a:solidFill>
+                <a:latin typeface="Comic Sans MS" pitchFamily="66" charset="0"/>
+                <a:sym typeface="Euclid Symbol" pitchFamily="18" charset="2"/>
+              </a:rPr>
+              <a:t>fresh</a:t>
+            </a:r>
+            <a:r>
+              <a:rPr lang="en-US" sz="6000" dirty="0" smtClean="0">
+                <a:latin typeface="Comic Sans MS" pitchFamily="66" charset="0"/>
+                <a:sym typeface="Euclid Symbol" pitchFamily="18" charset="2"/>
+              </a:rPr>
+              <a:t> symbol”</a:t>
+            </a:r>
+            <a:endParaRPr lang="en-US" sz="6000" dirty="0" smtClean="0">
               <a:latin typeface="Comic Sans MS"/>
               <a:cs typeface="Comic Sans MS"/>
             </a:endParaRPr>
@@ -9755,7 +10216,7 @@
     </p:spTree>
     <p:extLst>
       <p:ext uri="{BB962C8B-B14F-4D97-AF65-F5344CB8AC3E}">
-        <p14:creationId xmlns:p14="http://schemas.microsoft.com/office/powerpoint/2010/main" val="1142335960"/>
+        <p14:creationId xmlns:p14="http://schemas.microsoft.com/office/powerpoint/2010/main" val="3427202225"/>
       </p:ext>
     </p:extLst>
   </p:cSld>
@@ -9764,12 +10225,12 @@
   </p:clrMapOvr>
   <mc:AlternateContent xmlns:mc="http://schemas.openxmlformats.org/markup-compatibility/2006" xmlns:p14="http://schemas.microsoft.com/office/powerpoint/2010/main">
     <mc:Choice Requires="p14">
-      <p:transition spd="slow" p14:dur="800" advClick="0">
+      <p:transition spd="med" p14:dur="700" advClick="0">
         <p:fade/>
       </p:transition>
     </mc:Choice>
     <mc:Fallback xmlns="">
-      <p:transition xmlns:p14="http://schemas.microsoft.com/office/powerpoint/2010/main" spd="slow" advClick="0">
+      <p:transition xmlns:p14="http://schemas.microsoft.com/office/powerpoint/2010/main" spd="med" advClick="0">
         <p:fade/>
       </p:transition>
     </mc:Fallback>

--- a/spring16/slidesS16/predicate-logic2.pptx
+++ b/spring16/slidesS16/predicate-logic2.pptx
@@ -5,29 +5,31 @@
     <p:sldMasterId id="2147483650" r:id="rId1"/>
   </p:sldMasterIdLst>
   <p:notesMasterIdLst>
-    <p:notesMasterId r:id="rId14"/>
+    <p:notesMasterId r:id="rId16"/>
   </p:notesMasterIdLst>
   <p:handoutMasterIdLst>
-    <p:handoutMasterId r:id="rId15"/>
+    <p:handoutMasterId r:id="rId17"/>
   </p:handoutMasterIdLst>
   <p:sldIdLst>
     <p:sldId id="256" r:id="rId2"/>
     <p:sldId id="339" r:id="rId3"/>
     <p:sldId id="274" r:id="rId4"/>
-    <p:sldId id="338" r:id="rId5"/>
-    <p:sldId id="329" r:id="rId6"/>
-    <p:sldId id="332" r:id="rId7"/>
-    <p:sldId id="337" r:id="rId8"/>
-    <p:sldId id="331" r:id="rId9"/>
-    <p:sldId id="344" r:id="rId10"/>
-    <p:sldId id="341" r:id="rId11"/>
-    <p:sldId id="343" r:id="rId12"/>
-    <p:sldId id="342" r:id="rId13"/>
+    <p:sldId id="345" r:id="rId5"/>
+    <p:sldId id="338" r:id="rId6"/>
+    <p:sldId id="346" r:id="rId7"/>
+    <p:sldId id="329" r:id="rId8"/>
+    <p:sldId id="332" r:id="rId9"/>
+    <p:sldId id="337" r:id="rId10"/>
+    <p:sldId id="331" r:id="rId11"/>
+    <p:sldId id="344" r:id="rId12"/>
+    <p:sldId id="341" r:id="rId13"/>
+    <p:sldId id="343" r:id="rId14"/>
+    <p:sldId id="342" r:id="rId15"/>
   </p:sldIdLst>
   <p:sldSz cx="9144000" cy="6858000" type="screen4x3"/>
   <p:notesSz cx="9601200" cy="7315200"/>
   <p:custDataLst>
-    <p:tags r:id="rId17"/>
+    <p:tags r:id="rId19"/>
   </p:custDataLst>
   <p:defaultTextStyle>
     <a:defPPr>
@@ -1142,6 +1144,174 @@
 </p:notes>
 </file>
 
+<file path=ppt/notesSlides/notesSlide13.xml><?xml version="1.0" encoding="utf-8"?>
+<p:notes xmlns:a="http://schemas.openxmlformats.org/drawingml/2006/main" xmlns:r="http://schemas.openxmlformats.org/officeDocument/2006/relationships" xmlns:p="http://schemas.openxmlformats.org/presentationml/2006/main">
+  <p:cSld>
+    <p:spTree>
+      <p:nvGrpSpPr>
+        <p:cNvPr id="1" name=""/>
+        <p:cNvGrpSpPr/>
+        <p:nvPr/>
+      </p:nvGrpSpPr>
+      <p:grpSpPr>
+        <a:xfrm>
+          <a:off x="0" y="0"/>
+          <a:ext cx="0" cy="0"/>
+          <a:chOff x="0" y="0"/>
+          <a:chExt cx="0" cy="0"/>
+        </a:xfrm>
+      </p:grpSpPr>
+      <p:sp>
+        <p:nvSpPr>
+          <p:cNvPr id="7" name="Rectangle 7"/>
+          <p:cNvSpPr>
+            <a:spLocks noGrp="1" noChangeArrowheads="1"/>
+          </p:cNvSpPr>
+          <p:nvPr>
+            <p:ph type="sldNum" sz="quarter" idx="5"/>
+          </p:nvPr>
+        </p:nvSpPr>
+        <p:spPr>
+          <a:ln/>
+        </p:spPr>
+        <p:txBody>
+          <a:bodyPr/>
+          <a:lstStyle/>
+          <a:p>
+            <a:fld id="{5E902562-4434-4110-A466-8586288EF937}" type="slidenum">
+              <a:rPr lang="en-US"/>
+              <a:pPr/>
+              <a:t>13</a:t>
+            </a:fld>
+            <a:endParaRPr lang="en-US"/>
+          </a:p>
+        </p:txBody>
+      </p:sp>
+      <p:sp>
+        <p:nvSpPr>
+          <p:cNvPr id="114690" name="Rectangle 2"/>
+          <p:cNvSpPr>
+            <a:spLocks noGrp="1" noRot="1" noChangeAspect="1" noChangeArrowheads="1" noTextEdit="1"/>
+          </p:cNvSpPr>
+          <p:nvPr>
+            <p:ph type="sldImg"/>
+          </p:nvPr>
+        </p:nvSpPr>
+        <p:spPr>
+          <a:ln/>
+        </p:spPr>
+      </p:sp>
+      <p:sp>
+        <p:nvSpPr>
+          <p:cNvPr id="114691" name="Rectangle 3"/>
+          <p:cNvSpPr>
+            <a:spLocks noGrp="1" noChangeArrowheads="1"/>
+          </p:cNvSpPr>
+          <p:nvPr>
+            <p:ph type="body" idx="1"/>
+          </p:nvPr>
+        </p:nvSpPr>
+        <p:spPr/>
+        <p:txBody>
+          <a:bodyPr/>
+          <a:lstStyle/>
+          <a:p>
+            <a:endParaRPr lang="en-US"/>
+          </a:p>
+        </p:txBody>
+      </p:sp>
+    </p:spTree>
+  </p:cSld>
+  <p:clrMapOvr>
+    <a:masterClrMapping/>
+  </p:clrMapOvr>
+</p:notes>
+</file>
+
+<file path=ppt/notesSlides/notesSlide14.xml><?xml version="1.0" encoding="utf-8"?>
+<p:notes xmlns:a="http://schemas.openxmlformats.org/drawingml/2006/main" xmlns:r="http://schemas.openxmlformats.org/officeDocument/2006/relationships" xmlns:p="http://schemas.openxmlformats.org/presentationml/2006/main">
+  <p:cSld>
+    <p:spTree>
+      <p:nvGrpSpPr>
+        <p:cNvPr id="1" name=""/>
+        <p:cNvGrpSpPr/>
+        <p:nvPr/>
+      </p:nvGrpSpPr>
+      <p:grpSpPr>
+        <a:xfrm>
+          <a:off x="0" y="0"/>
+          <a:ext cx="0" cy="0"/>
+          <a:chOff x="0" y="0"/>
+          <a:chExt cx="0" cy="0"/>
+        </a:xfrm>
+      </p:grpSpPr>
+      <p:sp>
+        <p:nvSpPr>
+          <p:cNvPr id="7" name="Rectangle 7"/>
+          <p:cNvSpPr>
+            <a:spLocks noGrp="1" noChangeArrowheads="1"/>
+          </p:cNvSpPr>
+          <p:nvPr>
+            <p:ph type="sldNum" sz="quarter" idx="5"/>
+          </p:nvPr>
+        </p:nvSpPr>
+        <p:spPr>
+          <a:ln/>
+        </p:spPr>
+        <p:txBody>
+          <a:bodyPr/>
+          <a:lstStyle/>
+          <a:p>
+            <a:fld id="{5E902562-4434-4110-A466-8586288EF937}" type="slidenum">
+              <a:rPr lang="en-US"/>
+              <a:pPr/>
+              <a:t>14</a:t>
+            </a:fld>
+            <a:endParaRPr lang="en-US"/>
+          </a:p>
+        </p:txBody>
+      </p:sp>
+      <p:sp>
+        <p:nvSpPr>
+          <p:cNvPr id="114690" name="Rectangle 2"/>
+          <p:cNvSpPr>
+            <a:spLocks noGrp="1" noRot="1" noChangeAspect="1" noChangeArrowheads="1" noTextEdit="1"/>
+          </p:cNvSpPr>
+          <p:nvPr>
+            <p:ph type="sldImg"/>
+          </p:nvPr>
+        </p:nvSpPr>
+        <p:spPr>
+          <a:ln/>
+        </p:spPr>
+      </p:sp>
+      <p:sp>
+        <p:nvSpPr>
+          <p:cNvPr id="114691" name="Rectangle 3"/>
+          <p:cNvSpPr>
+            <a:spLocks noGrp="1" noChangeArrowheads="1"/>
+          </p:cNvSpPr>
+          <p:nvPr>
+            <p:ph type="body" idx="1"/>
+          </p:nvPr>
+        </p:nvSpPr>
+        <p:spPr/>
+        <p:txBody>
+          <a:bodyPr/>
+          <a:lstStyle/>
+          <a:p>
+            <a:endParaRPr lang="en-US"/>
+          </a:p>
+        </p:txBody>
+      </p:sp>
+    </p:spTree>
+  </p:cSld>
+  <p:clrMapOvr>
+    <a:masterClrMapping/>
+  </p:clrMapOvr>
+</p:notes>
+</file>
+
 <file path=ppt/notesSlides/notesSlide2.xml><?xml version="1.0" encoding="utf-8"?>
 <p:notes xmlns:a="http://schemas.openxmlformats.org/drawingml/2006/main" xmlns:r="http://schemas.openxmlformats.org/officeDocument/2006/relationships" xmlns:p="http://schemas.openxmlformats.org/presentationml/2006/main">
   <p:cSld>
@@ -1344,7 +1514,7 @@
           <a:bodyPr/>
           <a:lstStyle/>
           <a:p>
-            <a:fld id="{D49E3926-4844-4CAB-983E-8EAEBD10AF78}" type="slidenum">
+            <a:fld id="{E1B19572-A62A-45F6-B5B0-EA4DECA61AC6}" type="slidenum">
               <a:rPr lang="en-US"/>
               <a:pPr/>
               <a:t>4</a:t>
@@ -1355,7 +1525,7 @@
       </p:sp>
       <p:sp>
         <p:nvSpPr>
-          <p:cNvPr id="116738" name="Rectangle 2"/>
+          <p:cNvPr id="111618" name="Rectangle 2"/>
           <p:cNvSpPr>
             <a:spLocks noGrp="1" noRot="1" noChangeAspect="1" noChangeArrowheads="1" noTextEdit="1"/>
           </p:cNvSpPr>
@@ -1369,7 +1539,7 @@
       </p:sp>
       <p:sp>
         <p:nvSpPr>
-          <p:cNvPr id="116739" name="Rectangle 3"/>
+          <p:cNvPr id="111619" name="Rectangle 3"/>
           <p:cNvSpPr>
             <a:spLocks noGrp="1" noChangeArrowheads="1"/>
           </p:cNvSpPr>
@@ -1428,7 +1598,7 @@
           <a:bodyPr/>
           <a:lstStyle/>
           <a:p>
-            <a:fld id="{DCED4D4E-A580-4423-91CC-2E0FC037734B}" type="slidenum">
+            <a:fld id="{D49E3926-4844-4CAB-983E-8EAEBD10AF78}" type="slidenum">
               <a:rPr lang="en-US"/>
               <a:pPr/>
               <a:t>5</a:t>
@@ -1439,7 +1609,7 @@
       </p:sp>
       <p:sp>
         <p:nvSpPr>
-          <p:cNvPr id="113666" name="Rectangle 2"/>
+          <p:cNvPr id="116738" name="Rectangle 2"/>
           <p:cNvSpPr>
             <a:spLocks noGrp="1" noRot="1" noChangeAspect="1" noChangeArrowheads="1" noTextEdit="1"/>
           </p:cNvSpPr>
@@ -1453,7 +1623,7 @@
       </p:sp>
       <p:sp>
         <p:nvSpPr>
-          <p:cNvPr id="113667" name="Rectangle 3"/>
+          <p:cNvPr id="116739" name="Rectangle 3"/>
           <p:cNvSpPr>
             <a:spLocks noGrp="1" noChangeArrowheads="1"/>
           </p:cNvSpPr>
@@ -1512,7 +1682,7 @@
           <a:bodyPr/>
           <a:lstStyle/>
           <a:p>
-            <a:fld id="{0DD0B9DE-DC4A-4D61-BAA3-C7CF7A22AFCB}" type="slidenum">
+            <a:fld id="{D49E3926-4844-4CAB-983E-8EAEBD10AF78}" type="slidenum">
               <a:rPr lang="en-US"/>
               <a:pPr/>
               <a:t>6</a:t>
@@ -1523,7 +1693,7 @@
       </p:sp>
       <p:sp>
         <p:nvSpPr>
-          <p:cNvPr id="115714" name="Rectangle 2"/>
+          <p:cNvPr id="116738" name="Rectangle 2"/>
           <p:cNvSpPr>
             <a:spLocks noGrp="1" noRot="1" noChangeAspect="1" noChangeArrowheads="1" noTextEdit="1"/>
           </p:cNvSpPr>
@@ -1537,7 +1707,7 @@
       </p:sp>
       <p:sp>
         <p:nvSpPr>
-          <p:cNvPr id="115715" name="Rectangle 3"/>
+          <p:cNvPr id="116739" name="Rectangle 3"/>
           <p:cNvSpPr>
             <a:spLocks noGrp="1" noChangeArrowheads="1"/>
           </p:cNvSpPr>
@@ -1596,7 +1766,7 @@
           <a:bodyPr/>
           <a:lstStyle/>
           <a:p>
-            <a:fld id="{DE38A2FE-D77E-47B8-AC5A-2C03E85626D0}" type="slidenum">
+            <a:fld id="{DCED4D4E-A580-4423-91CC-2E0FC037734B}" type="slidenum">
               <a:rPr lang="en-US"/>
               <a:pPr/>
               <a:t>7</a:t>
@@ -1607,7 +1777,7 @@
       </p:sp>
       <p:sp>
         <p:nvSpPr>
-          <p:cNvPr id="112642" name="Rectangle 2"/>
+          <p:cNvPr id="113666" name="Rectangle 2"/>
           <p:cNvSpPr>
             <a:spLocks noGrp="1" noRot="1" noChangeAspect="1" noChangeArrowheads="1" noTextEdit="1"/>
           </p:cNvSpPr>
@@ -1621,7 +1791,7 @@
       </p:sp>
       <p:sp>
         <p:nvSpPr>
-          <p:cNvPr id="112643" name="Rectangle 3"/>
+          <p:cNvPr id="113667" name="Rectangle 3"/>
           <p:cNvSpPr>
             <a:spLocks noGrp="1" noChangeArrowheads="1"/>
           </p:cNvSpPr>
@@ -1680,7 +1850,7 @@
           <a:bodyPr/>
           <a:lstStyle/>
           <a:p>
-            <a:fld id="{5E902562-4434-4110-A466-8586288EF937}" type="slidenum">
+            <a:fld id="{0DD0B9DE-DC4A-4D61-BAA3-C7CF7A22AFCB}" type="slidenum">
               <a:rPr lang="en-US"/>
               <a:pPr/>
               <a:t>8</a:t>
@@ -1691,7 +1861,7 @@
       </p:sp>
       <p:sp>
         <p:nvSpPr>
-          <p:cNvPr id="114690" name="Rectangle 2"/>
+          <p:cNvPr id="115714" name="Rectangle 2"/>
           <p:cNvSpPr>
             <a:spLocks noGrp="1" noRot="1" noChangeAspect="1" noChangeArrowheads="1" noTextEdit="1"/>
           </p:cNvSpPr>
@@ -1705,7 +1875,7 @@
       </p:sp>
       <p:sp>
         <p:nvSpPr>
-          <p:cNvPr id="114691" name="Rectangle 3"/>
+          <p:cNvPr id="115715" name="Rectangle 3"/>
           <p:cNvSpPr>
             <a:spLocks noGrp="1" noChangeArrowheads="1"/>
           </p:cNvSpPr>
@@ -1764,7 +1934,7 @@
           <a:bodyPr/>
           <a:lstStyle/>
           <a:p>
-            <a:fld id="{5E902562-4434-4110-A466-8586288EF937}" type="slidenum">
+            <a:fld id="{DE38A2FE-D77E-47B8-AC5A-2C03E85626D0}" type="slidenum">
               <a:rPr lang="en-US"/>
               <a:pPr/>
               <a:t>9</a:t>
@@ -1775,7 +1945,7 @@
       </p:sp>
       <p:sp>
         <p:nvSpPr>
-          <p:cNvPr id="114690" name="Rectangle 2"/>
+          <p:cNvPr id="112642" name="Rectangle 2"/>
           <p:cNvSpPr>
             <a:spLocks noGrp="1" noRot="1" noChangeAspect="1" noChangeArrowheads="1" noTextEdit="1"/>
           </p:cNvSpPr>
@@ -1789,7 +1959,7 @@
       </p:sp>
       <p:sp>
         <p:nvSpPr>
-          <p:cNvPr id="114691" name="Rectangle 3"/>
+          <p:cNvPr id="112643" name="Rectangle 3"/>
           <p:cNvSpPr>
             <a:spLocks noGrp="1" noChangeArrowheads="1"/>
           </p:cNvSpPr>
@@ -3295,32 +3465,32 @@
       </p:sp>
       <p:graphicFrame>
         <p:nvGraphicFramePr>
-          <p:cNvPr id="5" name="Object 4"/>
+          <p:cNvPr id="6" name="Object 5"/>
           <p:cNvGraphicFramePr>
             <a:graphicFrameLocks noChangeAspect="1"/>
           </p:cNvGraphicFramePr>
           <p:nvPr>
             <p:extLst>
               <p:ext uri="{D42A27DB-BD31-4B8C-83A1-F6EECF244321}">
-                <p14:modId xmlns:p14="http://schemas.microsoft.com/office/powerpoint/2010/main" val="2577682455"/>
+                <p14:modId xmlns:p14="http://schemas.microsoft.com/office/powerpoint/2010/main" val="714309745"/>
               </p:ext>
             </p:extLst>
           </p:nvPr>
         </p:nvGraphicFramePr>
         <p:xfrm>
-          <a:off x="2752725" y="1092200"/>
-          <a:ext cx="3235325" cy="2752725"/>
+          <a:off x="2719388" y="1092200"/>
+          <a:ext cx="3303587" cy="2752725"/>
         </p:xfrm>
         <a:graphic>
           <a:graphicData uri="http://schemas.openxmlformats.org/presentationml/2006/ole">
             <mc:AlternateContent xmlns:mc="http://schemas.openxmlformats.org/markup-compatibility/2006">
               <mc:Choice xmlns:v="urn:schemas-microsoft-com:vml" Requires="v">
-                <p:oleObj spid="_x0000_s565269" name="Equation" r:id="rId4" imgW="596900" imgH="508000" progId="Equation.DSMT4">
+                <p:oleObj spid="_x0000_s563272" name="Equation" r:id="rId4" imgW="609600" imgH="508000" progId="Equation.DSMT4">
                   <p:embed/>
                 </p:oleObj>
               </mc:Choice>
               <mc:Fallback>
-                <p:oleObj name="Equation" r:id="rId4" imgW="596900" imgH="508000" progId="Equation.DSMT4">
+                <p:oleObj name="Equation" r:id="rId4" imgW="609600" imgH="508000" progId="Equation.DSMT4">
                   <p:embed/>
                   <p:pic>
                     <p:nvPicPr>
@@ -3339,8 +3509,8 @@
                     </p:blipFill>
                     <p:spPr bwMode="auto">
                       <a:xfrm>
-                        <a:off x="2752725" y="1092200"/>
-                        <a:ext cx="3235325" cy="2752725"/>
+                        <a:off x="2719388" y="1092200"/>
+                        <a:ext cx="3303587" cy="2752725"/>
                       </a:xfrm>
                       <a:prstGeom prst="rect">
                         <a:avLst/>
@@ -3365,6 +3535,561 @@
       </p:graphicFrame>
       <p:sp>
         <p:nvSpPr>
+          <p:cNvPr id="2" name="TextBox 1"/>
+          <p:cNvSpPr txBox="1"/>
+          <p:nvPr/>
+        </p:nvSpPr>
+        <p:spPr>
+          <a:xfrm>
+            <a:off x="244240" y="3839465"/>
+            <a:ext cx="8634179" cy="1569660"/>
+          </a:xfrm>
+          <a:prstGeom prst="rect">
+            <a:avLst/>
+          </a:prstGeom>
+          <a:noFill/>
+        </p:spPr>
+        <p:txBody>
+          <a:bodyPr wrap="square" rtlCol="0">
+            <a:spAutoFit/>
+          </a:bodyPr>
+          <a:lstStyle/>
+          <a:p>
+            <a:pPr>
+              <a:spcBef>
+                <a:spcPts val="0"/>
+              </a:spcBef>
+            </a:pPr>
+            <a:r>
+              <a:rPr lang="en-US" sz="4800" dirty="0" smtClean="0">
+                <a:latin typeface="Comic Sans MS" pitchFamily="66" charset="0"/>
+              </a:rPr>
+              <a:t>where</a:t>
+            </a:r>
+            <a:r>
+              <a:rPr lang="en-US" sz="4800" dirty="0" smtClean="0">
+                <a:solidFill>
+                  <a:srgbClr val="008000"/>
+                </a:solidFill>
+                <a:latin typeface="Comic Sans MS" pitchFamily="66" charset="0"/>
+                <a:sym typeface="Euclid Symbol" pitchFamily="18" charset="2"/>
+              </a:rPr>
+              <a:t> </a:t>
+            </a:r>
+            <a:r>
+              <a:rPr lang="en-US" sz="4800" dirty="0">
+                <a:solidFill>
+                  <a:srgbClr val="CC0099"/>
+                </a:solidFill>
+                <a:latin typeface="Comic Sans MS" pitchFamily="66" charset="0"/>
+                <a:sym typeface="Euclid Symbol" pitchFamily="18" charset="2"/>
+              </a:rPr>
+              <a:t>c</a:t>
+            </a:r>
+            <a:r>
+              <a:rPr lang="en-US" sz="4800" dirty="0">
+                <a:solidFill>
+                  <a:srgbClr val="0000FF"/>
+                </a:solidFill>
+                <a:latin typeface="Comic Sans MS" pitchFamily="66" charset="0"/>
+                <a:sym typeface="Euclid Symbol" pitchFamily="18" charset="2"/>
+              </a:rPr>
+              <a:t> </a:t>
+            </a:r>
+            <a:r>
+              <a:rPr lang="en-US" sz="4800" dirty="0" smtClean="0">
+                <a:latin typeface="Comic Sans MS" pitchFamily="66" charset="0"/>
+                <a:sym typeface="Euclid Symbol" pitchFamily="18" charset="2"/>
+              </a:rPr>
+              <a:t>is a constant symbol</a:t>
+            </a:r>
+          </a:p>
+          <a:p>
+            <a:pPr>
+              <a:spcBef>
+                <a:spcPts val="0"/>
+              </a:spcBef>
+            </a:pPr>
+            <a:r>
+              <a:rPr lang="en-US" sz="4800" dirty="0" smtClean="0">
+                <a:latin typeface="Comic Sans MS" pitchFamily="66" charset="0"/>
+                <a:sym typeface="Euclid Symbol" pitchFamily="18" charset="2"/>
+              </a:rPr>
+              <a:t>that </a:t>
+            </a:r>
+            <a:r>
+              <a:rPr lang="en-US" sz="4800" dirty="0">
+                <a:latin typeface="Comic Sans MS" pitchFamily="66" charset="0"/>
+                <a:sym typeface="Euclid Symbol" pitchFamily="18" charset="2"/>
+              </a:rPr>
+              <a:t>has not appeared </a:t>
+            </a:r>
+            <a:r>
+              <a:rPr lang="en-US" sz="4800" dirty="0" smtClean="0">
+                <a:latin typeface="Comic Sans MS" pitchFamily="66" charset="0"/>
+                <a:sym typeface="Euclid Symbol" pitchFamily="18" charset="2"/>
+              </a:rPr>
+              <a:t>earlier</a:t>
+            </a:r>
+            <a:endParaRPr lang="en-US" sz="4800" dirty="0" smtClean="0">
+              <a:latin typeface="Comic Sans MS"/>
+              <a:cs typeface="Comic Sans MS"/>
+            </a:endParaRPr>
+          </a:p>
+        </p:txBody>
+      </p:sp>
+    </p:spTree>
+  </p:cSld>
+  <p:clrMapOvr>
+    <a:masterClrMapping/>
+  </p:clrMapOvr>
+  <p:transition xmlns:p14="http://schemas.microsoft.com/office/powerpoint/2010/main" spd="slow" advClick="0">
+    <p:fade thruBlk="1"/>
+  </p:transition>
+  <p:timing>
+    <p:tnLst>
+      <p:par>
+        <p:cTn xmlns:p14="http://schemas.microsoft.com/office/powerpoint/2010/main" id="1" dur="indefinite" restart="never" nodeType="tmRoot">
+          <p:childTnLst>
+            <p:seq concurrent="1" nextAc="seek">
+              <p:cTn id="2" dur="indefinite" nodeType="mainSeq">
+                <p:childTnLst>
+                  <p:par>
+                    <p:cTn id="3" fill="hold">
+                      <p:stCondLst>
+                        <p:cond delay="indefinite"/>
+                      </p:stCondLst>
+                      <p:childTnLst>
+                        <p:par>
+                          <p:cTn id="4" fill="hold">
+                            <p:stCondLst>
+                              <p:cond delay="0"/>
+                            </p:stCondLst>
+                            <p:childTnLst>
+                              <p:par>
+                                <p:cTn id="5" presetID="10" presetClass="entr" presetSubtype="0" fill="hold" nodeType="clickEffect">
+                                  <p:stCondLst>
+                                    <p:cond delay="0"/>
+                                  </p:stCondLst>
+                                  <p:childTnLst>
+                                    <p:set>
+                                      <p:cBhvr>
+                                        <p:cTn id="6" dur="1" fill="hold">
+                                          <p:stCondLst>
+                                            <p:cond delay="0"/>
+                                          </p:stCondLst>
+                                        </p:cTn>
+                                        <p:tgtEl>
+                                          <p:spTgt spid="2">
+                                            <p:txEl>
+                                              <p:pRg st="0" end="0"/>
+                                            </p:txEl>
+                                          </p:spTgt>
+                                        </p:tgtEl>
+                                        <p:attrNameLst>
+                                          <p:attrName>style.visibility</p:attrName>
+                                        </p:attrNameLst>
+                                      </p:cBhvr>
+                                      <p:to>
+                                        <p:strVal val="visible"/>
+                                      </p:to>
+                                    </p:set>
+                                    <p:animEffect transition="in" filter="fade">
+                                      <p:cBhvr>
+                                        <p:cTn id="7" dur="500"/>
+                                        <p:tgtEl>
+                                          <p:spTgt spid="2">
+                                            <p:txEl>
+                                              <p:pRg st="0" end="0"/>
+                                            </p:txEl>
+                                          </p:spTgt>
+                                        </p:tgtEl>
+                                      </p:cBhvr>
+                                    </p:animEffect>
+                                  </p:childTnLst>
+                                </p:cTn>
+                              </p:par>
+                            </p:childTnLst>
+                          </p:cTn>
+                        </p:par>
+                        <p:par>
+                          <p:cTn id="8" fill="hold">
+                            <p:stCondLst>
+                              <p:cond delay="500"/>
+                            </p:stCondLst>
+                            <p:childTnLst>
+                              <p:par>
+                                <p:cTn id="9" presetID="10" presetClass="entr" presetSubtype="0" fill="hold" nodeType="afterEffect">
+                                  <p:stCondLst>
+                                    <p:cond delay="0"/>
+                                  </p:stCondLst>
+                                  <p:childTnLst>
+                                    <p:set>
+                                      <p:cBhvr>
+                                        <p:cTn id="10" dur="1" fill="hold">
+                                          <p:stCondLst>
+                                            <p:cond delay="0"/>
+                                          </p:stCondLst>
+                                        </p:cTn>
+                                        <p:tgtEl>
+                                          <p:spTgt spid="2">
+                                            <p:txEl>
+                                              <p:pRg st="1" end="1"/>
+                                            </p:txEl>
+                                          </p:spTgt>
+                                        </p:tgtEl>
+                                        <p:attrNameLst>
+                                          <p:attrName>style.visibility</p:attrName>
+                                        </p:attrNameLst>
+                                      </p:cBhvr>
+                                      <p:to>
+                                        <p:strVal val="visible"/>
+                                      </p:to>
+                                    </p:set>
+                                    <p:animEffect transition="in" filter="fade">
+                                      <p:cBhvr>
+                                        <p:cTn id="11" dur="1000"/>
+                                        <p:tgtEl>
+                                          <p:spTgt spid="2">
+                                            <p:txEl>
+                                              <p:pRg st="1" end="1"/>
+                                            </p:txEl>
+                                          </p:spTgt>
+                                        </p:tgtEl>
+                                      </p:cBhvr>
+                                    </p:animEffect>
+                                  </p:childTnLst>
+                                </p:cTn>
+                              </p:par>
+                            </p:childTnLst>
+                          </p:cTn>
+                        </p:par>
+                      </p:childTnLst>
+                    </p:cTn>
+                  </p:par>
+                </p:childTnLst>
+              </p:cTn>
+              <p:prevCondLst>
+                <p:cond evt="onPrev" delay="0">
+                  <p:tgtEl>
+                    <p:sldTgt/>
+                  </p:tgtEl>
+                </p:cond>
+              </p:prevCondLst>
+              <p:nextCondLst>
+                <p:cond evt="onNext" delay="0">
+                  <p:tgtEl>
+                    <p:sldTgt/>
+                  </p:tgtEl>
+                </p:cond>
+              </p:nextCondLst>
+            </p:seq>
+          </p:childTnLst>
+        </p:cTn>
+      </p:par>
+    </p:tnLst>
+  </p:timing>
+</p:sld>
+</file>
+
+<file path=ppt/slides/slide11.xml><?xml version="1.0" encoding="utf-8"?>
+<p:sld xmlns:a="http://schemas.openxmlformats.org/drawingml/2006/main" xmlns:r="http://schemas.openxmlformats.org/officeDocument/2006/relationships" xmlns:p="http://schemas.openxmlformats.org/presentationml/2006/main">
+  <p:cSld>
+    <p:spTree>
+      <p:nvGrpSpPr>
+        <p:cNvPr id="1" name=""/>
+        <p:cNvGrpSpPr/>
+        <p:nvPr/>
+      </p:nvGrpSpPr>
+      <p:grpSpPr>
+        <a:xfrm>
+          <a:off x="0" y="0"/>
+          <a:ext cx="0" cy="0"/>
+          <a:chOff x="0" y="0"/>
+          <a:chExt cx="0" cy="0"/>
+        </a:xfrm>
+      </p:grpSpPr>
+      <p:sp>
+        <p:nvSpPr>
+          <p:cNvPr id="57371" name="Text Box 27"/>
+          <p:cNvSpPr txBox="1">
+            <a:spLocks noGrp="1" noChangeArrowheads="1"/>
+          </p:cNvSpPr>
+          <p:nvPr>
+            <p:ph type="title"/>
+          </p:nvPr>
+        </p:nvSpPr>
+        <p:spPr>
+          <a:xfrm>
+            <a:off x="1585170" y="228600"/>
+            <a:ext cx="6040423" cy="1046527"/>
+          </a:xfrm>
+          <a:noFill/>
+          <a:ln/>
+        </p:spPr>
+        <p:txBody>
+          <a:bodyPr/>
+          <a:lstStyle/>
+          <a:p>
+            <a:pPr algn="l">
+              <a:spcBef>
+                <a:spcPct val="50000"/>
+              </a:spcBef>
+            </a:pPr>
+            <a:r>
+              <a:rPr lang="en-US" dirty="0">
+                <a:solidFill>
+                  <a:schemeClr val="tx1"/>
+                </a:solidFill>
+              </a:rPr>
+              <a:t>Universal Generalization (UG)</a:t>
+            </a:r>
+          </a:p>
+        </p:txBody>
+      </p:sp>
+      <p:sp>
+        <p:nvSpPr>
+          <p:cNvPr id="2" name="TextBox 1"/>
+          <p:cNvSpPr txBox="1"/>
+          <p:nvPr/>
+        </p:nvSpPr>
+        <p:spPr>
+          <a:xfrm>
+            <a:off x="742780" y="3839465"/>
+            <a:ext cx="7767675" cy="1015663"/>
+          </a:xfrm>
+          <a:prstGeom prst="rect">
+            <a:avLst/>
+          </a:prstGeom>
+          <a:noFill/>
+        </p:spPr>
+        <p:txBody>
+          <a:bodyPr wrap="square" rtlCol="0">
+            <a:spAutoFit/>
+          </a:bodyPr>
+          <a:lstStyle/>
+          <a:p>
+            <a:pPr>
+              <a:spcBef>
+                <a:spcPts val="0"/>
+              </a:spcBef>
+            </a:pPr>
+            <a:r>
+              <a:rPr lang="en-US" sz="6000" dirty="0" smtClean="0">
+                <a:latin typeface="Comic Sans MS" pitchFamily="66" charset="0"/>
+              </a:rPr>
+              <a:t> </a:t>
+            </a:r>
+            <a:r>
+              <a:rPr lang="en-US" sz="6000" dirty="0" smtClean="0">
+                <a:solidFill>
+                  <a:srgbClr val="CC0099"/>
+                </a:solidFill>
+                <a:latin typeface="Comic Sans MS" pitchFamily="66" charset="0"/>
+                <a:sym typeface="Euclid Symbol" pitchFamily="18" charset="2"/>
+              </a:rPr>
+              <a:t>c</a:t>
+            </a:r>
+            <a:r>
+              <a:rPr lang="en-US" sz="6000" dirty="0" smtClean="0">
+                <a:solidFill>
+                  <a:srgbClr val="0000FF"/>
+                </a:solidFill>
+                <a:latin typeface="Comic Sans MS" pitchFamily="66" charset="0"/>
+                <a:sym typeface="Euclid Symbol" pitchFamily="18" charset="2"/>
+              </a:rPr>
+              <a:t> </a:t>
+            </a:r>
+            <a:r>
+              <a:rPr lang="en-US" sz="6000" dirty="0" smtClean="0">
+                <a:latin typeface="Comic Sans MS" pitchFamily="66" charset="0"/>
+                <a:sym typeface="Euclid Symbol" pitchFamily="18" charset="2"/>
+              </a:rPr>
+              <a:t>is a “</a:t>
+            </a:r>
+            <a:r>
+              <a:rPr lang="en-US" sz="6000" dirty="0" smtClean="0">
+                <a:solidFill>
+                  <a:srgbClr val="008000"/>
+                </a:solidFill>
+                <a:latin typeface="Comic Sans MS" pitchFamily="66" charset="0"/>
+                <a:sym typeface="Euclid Symbol" pitchFamily="18" charset="2"/>
+              </a:rPr>
+              <a:t>fresh</a:t>
+            </a:r>
+            <a:r>
+              <a:rPr lang="en-US" sz="6000" dirty="0" smtClean="0">
+                <a:latin typeface="Comic Sans MS" pitchFamily="66" charset="0"/>
+                <a:sym typeface="Euclid Symbol" pitchFamily="18" charset="2"/>
+              </a:rPr>
+              <a:t> symbol”</a:t>
+            </a:r>
+            <a:endParaRPr lang="en-US" sz="6000" dirty="0" smtClean="0">
+              <a:latin typeface="Comic Sans MS"/>
+              <a:cs typeface="Comic Sans MS"/>
+            </a:endParaRPr>
+          </a:p>
+        </p:txBody>
+      </p:sp>
+      <p:graphicFrame>
+        <p:nvGraphicFramePr>
+          <p:cNvPr id="5" name="Object 4"/>
+          <p:cNvGraphicFramePr>
+            <a:graphicFrameLocks noChangeAspect="1"/>
+          </p:cNvGraphicFramePr>
+          <p:nvPr>
+            <p:extLst>
+              <p:ext uri="{D42A27DB-BD31-4B8C-83A1-F6EECF244321}">
+                <p14:modId xmlns:p14="http://schemas.microsoft.com/office/powerpoint/2010/main" val="1123007688"/>
+              </p:ext>
+            </p:extLst>
+          </p:nvPr>
+        </p:nvGraphicFramePr>
+        <p:xfrm>
+          <a:off x="2719388" y="1092200"/>
+          <a:ext cx="3303587" cy="2752725"/>
+        </p:xfrm>
+        <a:graphic>
+          <a:graphicData uri="http://schemas.openxmlformats.org/presentationml/2006/ole">
+            <mc:AlternateContent xmlns:mc="http://schemas.openxmlformats.org/markup-compatibility/2006">
+              <mc:Choice xmlns:v="urn:schemas-microsoft-com:vml" Requires="v">
+                <p:oleObj spid="_x0000_s569359" name="Equation" r:id="rId4" imgW="609600" imgH="508000" progId="Equation.DSMT4">
+                  <p:embed/>
+                </p:oleObj>
+              </mc:Choice>
+              <mc:Fallback>
+                <p:oleObj name="Equation" r:id="rId4" imgW="609600" imgH="508000" progId="Equation.DSMT4">
+                  <p:embed/>
+                  <p:pic>
+                    <p:nvPicPr>
+                      <p:cNvPr id="0" name=""/>
+                      <p:cNvPicPr>
+                        <a:picLocks noChangeAspect="1" noChangeArrowheads="1"/>
+                      </p:cNvPicPr>
+                      <p:nvPr/>
+                    </p:nvPicPr>
+                    <p:blipFill>
+                      <a:blip r:embed="rId5"/>
+                      <a:srcRect/>
+                      <a:stretch>
+                        <a:fillRect/>
+                      </a:stretch>
+                    </p:blipFill>
+                    <p:spPr bwMode="auto">
+                      <a:xfrm>
+                        <a:off x="2719388" y="1092200"/>
+                        <a:ext cx="3303587" cy="2752725"/>
+                      </a:xfrm>
+                      <a:prstGeom prst="rect">
+                        <a:avLst/>
+                      </a:prstGeom>
+                      <a:noFill/>
+                      <a:extLst>
+                        <a:ext uri="{909E8E84-426E-40dd-AFC4-6F175D3DCCD1}">
+                          <a14:hiddenFill xmlns:a14="http://schemas.microsoft.com/office/drawing/2010/main">
+                            <a:solidFill>
+                              <a:srgbClr val="FFFFFF"/>
+                            </a:solidFill>
+                          </a14:hiddenFill>
+                        </a:ext>
+                      </a:extLst>
+                    </p:spPr>
+                  </p:pic>
+                </p:oleObj>
+              </mc:Fallback>
+            </mc:AlternateContent>
+          </a:graphicData>
+        </a:graphic>
+      </p:graphicFrame>
+    </p:spTree>
+    <p:extLst>
+      <p:ext uri="{BB962C8B-B14F-4D97-AF65-F5344CB8AC3E}">
+        <p14:creationId xmlns:p14="http://schemas.microsoft.com/office/powerpoint/2010/main" val="3427202225"/>
+      </p:ext>
+    </p:extLst>
+  </p:cSld>
+  <p:clrMapOvr>
+    <a:masterClrMapping/>
+  </p:clrMapOvr>
+  <mc:AlternateContent xmlns:mc="http://schemas.openxmlformats.org/markup-compatibility/2006" xmlns:p14="http://schemas.microsoft.com/office/powerpoint/2010/main">
+    <mc:Choice Requires="p14">
+      <p:transition spd="med" p14:dur="700" advClick="0">
+        <p:fade/>
+      </p:transition>
+    </mc:Choice>
+    <mc:Fallback xmlns="">
+      <p:transition xmlns:p14="http://schemas.microsoft.com/office/powerpoint/2010/main" spd="med" advClick="0">
+        <p:fade/>
+      </p:transition>
+    </mc:Fallback>
+  </mc:AlternateContent>
+  <p:timing>
+    <p:tnLst>
+      <p:par>
+        <p:cTn xmlns:p14="http://schemas.microsoft.com/office/powerpoint/2010/main" id="1" dur="indefinite" restart="never" nodeType="tmRoot"/>
+      </p:par>
+    </p:tnLst>
+  </p:timing>
+</p:sld>
+</file>
+
+<file path=ppt/slides/slide12.xml><?xml version="1.0" encoding="utf-8"?>
+<p:sld xmlns:a="http://schemas.openxmlformats.org/drawingml/2006/main" xmlns:r="http://schemas.openxmlformats.org/officeDocument/2006/relationships" xmlns:p="http://schemas.openxmlformats.org/presentationml/2006/main">
+  <p:cSld>
+    <p:spTree>
+      <p:nvGrpSpPr>
+        <p:cNvPr id="1" name=""/>
+        <p:cNvGrpSpPr/>
+        <p:nvPr/>
+      </p:nvGrpSpPr>
+      <p:grpSpPr>
+        <a:xfrm>
+          <a:off x="0" y="0"/>
+          <a:ext cx="0" cy="0"/>
+          <a:chOff x="0" y="0"/>
+          <a:chExt cx="0" cy="0"/>
+        </a:xfrm>
+      </p:grpSpPr>
+      <p:sp>
+        <p:nvSpPr>
+          <p:cNvPr id="57371" name="Text Box 27"/>
+          <p:cNvSpPr txBox="1">
+            <a:spLocks noGrp="1" noChangeArrowheads="1"/>
+          </p:cNvSpPr>
+          <p:nvPr>
+            <p:ph type="title"/>
+          </p:nvPr>
+        </p:nvSpPr>
+        <p:spPr>
+          <a:xfrm>
+            <a:off x="1585170" y="228600"/>
+            <a:ext cx="6040423" cy="1046527"/>
+          </a:xfrm>
+          <a:noFill/>
+          <a:ln/>
+        </p:spPr>
+        <p:txBody>
+          <a:bodyPr/>
+          <a:lstStyle/>
+          <a:p>
+            <a:pPr algn="l">
+              <a:spcBef>
+                <a:spcPct val="50000"/>
+              </a:spcBef>
+            </a:pPr>
+            <a:r>
+              <a:rPr lang="en-US" dirty="0">
+                <a:solidFill>
+                  <a:schemeClr val="tx1"/>
+                </a:solidFill>
+              </a:rPr>
+              <a:t>Universal Generalization (UG)</a:t>
+            </a:r>
+          </a:p>
+        </p:txBody>
+      </p:sp>
+      <p:sp>
+        <p:nvSpPr>
           <p:cNvPr id="3" name="TextBox 2"/>
           <p:cNvSpPr txBox="1"/>
           <p:nvPr/>
@@ -3407,10 +4132,10 @@
         </p:nvGrpSpPr>
         <p:grpSpPr>
           <a:xfrm>
-            <a:off x="35610" y="4493549"/>
-            <a:ext cx="9030739" cy="1265979"/>
-            <a:chOff x="74570" y="4132139"/>
-            <a:chExt cx="9030739" cy="1265979"/>
+            <a:off x="1588" y="4494213"/>
+            <a:ext cx="9099550" cy="1265237"/>
+            <a:chOff x="40548" y="4132803"/>
+            <a:chExt cx="9099550" cy="1265237"/>
           </a:xfrm>
         </p:grpSpPr>
         <p:graphicFrame>
@@ -3422,25 +4147,25 @@
             <p:nvPr>
               <p:extLst>
                 <p:ext uri="{D42A27DB-BD31-4B8C-83A1-F6EECF244321}">
-                  <p14:modId xmlns:p14="http://schemas.microsoft.com/office/powerpoint/2010/main" val="2159140629"/>
+                  <p14:modId xmlns:p14="http://schemas.microsoft.com/office/powerpoint/2010/main" val="480772713"/>
                 </p:ext>
               </p:extLst>
             </p:nvPr>
           </p:nvGraphicFramePr>
           <p:xfrm>
-            <a:off x="74570" y="4132139"/>
-            <a:ext cx="1720850" cy="1169988"/>
+            <a:off x="40548" y="4132803"/>
+            <a:ext cx="1789112" cy="1169987"/>
           </p:xfrm>
           <a:graphic>
             <a:graphicData uri="http://schemas.openxmlformats.org/presentationml/2006/ole">
               <mc:AlternateContent xmlns:mc="http://schemas.openxmlformats.org/markup-compatibility/2006">
                 <mc:Choice xmlns:v="urn:schemas-microsoft-com:vml" Requires="v">
-                  <p:oleObj spid="_x0000_s565270" name="Equation" r:id="rId6" imgW="317500" imgH="215900" progId="Equation.DSMT4">
+                  <p:oleObj spid="_x0000_s565293" name="Equation" r:id="rId4" imgW="330200" imgH="215900" progId="Equation.DSMT4">
                     <p:embed/>
                   </p:oleObj>
                 </mc:Choice>
                 <mc:Fallback>
-                  <p:oleObj name="Equation" r:id="rId6" imgW="317500" imgH="215900" progId="Equation.DSMT4">
+                  <p:oleObj name="Equation" r:id="rId4" imgW="330200" imgH="215900" progId="Equation.DSMT4">
                     <p:embed/>
                     <p:pic>
                       <p:nvPicPr>
@@ -3451,7 +4176,7 @@
                         <p:nvPr/>
                       </p:nvPicPr>
                       <p:blipFill>
-                        <a:blip r:embed="rId7"/>
+                        <a:blip r:embed="rId5"/>
                         <a:srcRect/>
                         <a:stretch>
                           <a:fillRect/>
@@ -3459,8 +4184,8 @@
                       </p:blipFill>
                       <p:spPr bwMode="auto">
                         <a:xfrm>
-                          <a:off x="74570" y="4132139"/>
-                          <a:ext cx="1720850" cy="1169988"/>
+                          <a:off x="40548" y="4132803"/>
+                          <a:ext cx="1789112" cy="1169987"/>
                         </a:xfrm>
                         <a:prstGeom prst="rect">
                           <a:avLst/>
@@ -3492,25 +4217,25 @@
             <p:nvPr>
               <p:extLst>
                 <p:ext uri="{D42A27DB-BD31-4B8C-83A1-F6EECF244321}">
-                  <p14:modId xmlns:p14="http://schemas.microsoft.com/office/powerpoint/2010/main" val="3324368089"/>
+                  <p14:modId xmlns:p14="http://schemas.microsoft.com/office/powerpoint/2010/main" val="3050893529"/>
                 </p:ext>
               </p:extLst>
             </p:nvPr>
           </p:nvGraphicFramePr>
           <p:xfrm>
-            <a:off x="6008096" y="4159868"/>
-            <a:ext cx="3097213" cy="1238250"/>
+            <a:off x="5974623" y="4159790"/>
+            <a:ext cx="3165475" cy="1238250"/>
           </p:xfrm>
           <a:graphic>
             <a:graphicData uri="http://schemas.openxmlformats.org/presentationml/2006/ole">
               <mc:AlternateContent xmlns:mc="http://schemas.openxmlformats.org/markup-compatibility/2006">
                 <mc:Choice xmlns:v="urn:schemas-microsoft-com:vml" Requires="v">
-                  <p:oleObj spid="_x0000_s565271" name="Equation" r:id="rId8" imgW="571500" imgH="228600" progId="Equation.DSMT4">
+                  <p:oleObj spid="_x0000_s565294" name="Equation" r:id="rId6" imgW="584200" imgH="228600" progId="Equation.DSMT4">
                     <p:embed/>
                   </p:oleObj>
                 </mc:Choice>
                 <mc:Fallback>
-                  <p:oleObj name="Equation" r:id="rId8" imgW="571500" imgH="228600" progId="Equation.DSMT4">
+                  <p:oleObj name="Equation" r:id="rId6" imgW="584200" imgH="228600" progId="Equation.DSMT4">
                     <p:embed/>
                     <p:pic>
                       <p:nvPicPr>
@@ -3521,7 +4246,7 @@
                         <p:nvPr/>
                       </p:nvPicPr>
                       <p:blipFill>
-                        <a:blip r:embed="rId9"/>
+                        <a:blip r:embed="rId7"/>
                         <a:srcRect/>
                         <a:stretch>
                           <a:fillRect/>
@@ -3529,8 +4254,8 @@
                       </p:blipFill>
                       <p:spPr bwMode="auto">
                         <a:xfrm>
-                          <a:off x="6008096" y="4159868"/>
-                          <a:ext cx="3097213" cy="1238250"/>
+                          <a:off x="5974623" y="4159790"/>
+                          <a:ext cx="3165475" cy="1238250"/>
                         </a:xfrm>
                         <a:prstGeom prst="rect">
                           <a:avLst/>
@@ -3604,9 +4329,22 @@
                   <a:latin typeface="Comic Sans MS"/>
                   <a:cs typeface="Comic Sans MS"/>
                 </a:rPr>
-                <a:t> imply</a:t>
+                <a:t> </a:t>
+              </a:r>
+              <a:r>
+                <a:rPr lang="en-US" sz="4800" dirty="0" smtClean="0">
+                  <a:solidFill>
+                    <a:srgbClr val="800000"/>
+                  </a:solidFill>
+                  <a:latin typeface="Comic Sans MS"/>
+                  <a:cs typeface="Comic Sans MS"/>
+                </a:rPr>
+                <a:t>imply</a:t>
               </a:r>
               <a:endParaRPr lang="en-US" sz="4800" dirty="0">
+                <a:solidFill>
+                  <a:srgbClr val="800000"/>
+                </a:solidFill>
                 <a:latin typeface="Comic Sans MS"/>
                 <a:cs typeface="Comic Sans MS"/>
               </a:endParaRPr>
@@ -3614,6 +4352,76 @@
           </p:txBody>
         </p:sp>
       </p:grpSp>
+      <p:graphicFrame>
+        <p:nvGraphicFramePr>
+          <p:cNvPr id="10" name="Object 9"/>
+          <p:cNvGraphicFramePr>
+            <a:graphicFrameLocks noChangeAspect="1"/>
+          </p:cNvGraphicFramePr>
+          <p:nvPr>
+            <p:extLst>
+              <p:ext uri="{D42A27DB-BD31-4B8C-83A1-F6EECF244321}">
+                <p14:modId xmlns:p14="http://schemas.microsoft.com/office/powerpoint/2010/main" val="1123007688"/>
+              </p:ext>
+            </p:extLst>
+          </p:nvPr>
+        </p:nvGraphicFramePr>
+        <p:xfrm>
+          <a:off x="2719388" y="1092200"/>
+          <a:ext cx="3303587" cy="2752725"/>
+        </p:xfrm>
+        <a:graphic>
+          <a:graphicData uri="http://schemas.openxmlformats.org/presentationml/2006/ole">
+            <mc:AlternateContent xmlns:mc="http://schemas.openxmlformats.org/markup-compatibility/2006">
+              <mc:Choice xmlns:v="urn:schemas-microsoft-com:vml" Requires="v">
+                <p:oleObj spid="_x0000_s565295" name="Equation" r:id="rId8" imgW="609600" imgH="508000" progId="Equation.DSMT4">
+                  <p:embed/>
+                </p:oleObj>
+              </mc:Choice>
+              <mc:Fallback>
+                <p:oleObj name="Equation" r:id="rId8" imgW="609600" imgH="508000" progId="Equation.DSMT4">
+                  <p:embed/>
+                  <p:pic>
+                    <p:nvPicPr>
+                      <p:cNvPr id="0" name=""/>
+                      <p:cNvPicPr>
+                        <a:picLocks noChangeAspect="1" noChangeArrowheads="1"/>
+                      </p:cNvPicPr>
+                      <p:nvPr/>
+                    </p:nvPicPr>
+                    <p:blipFill>
+                      <a:blip r:embed="rId9"/>
+                      <a:srcRect/>
+                      <a:stretch>
+                        <a:fillRect/>
+                      </a:stretch>
+                    </p:blipFill>
+                    <p:spPr bwMode="auto">
+                      <a:xfrm>
+                        <a:off x="2719388" y="1092200"/>
+                        <a:ext cx="3303587" cy="2752725"/>
+                      </a:xfrm>
+                      <a:prstGeom prst="rect">
+                        <a:avLst/>
+                      </a:prstGeom>
+                      <a:noFill/>
+                      <a:extLst>
+                        <a:ext uri="{909E8E84-426E-40dd-AFC4-6F175D3DCCD1}">
+                          <a14:hiddenFill xmlns:a14="http://schemas.microsoft.com/office/drawing/2010/main">
+                            <a:solidFill>
+                              <a:srgbClr val="FFFFFF"/>
+                            </a:solidFill>
+                          </a14:hiddenFill>
+                        </a:ext>
+                      </a:extLst>
+                    </p:spPr>
+                  </p:pic>
+                </p:oleObj>
+              </mc:Fallback>
+            </mc:AlternateContent>
+          </a:graphicData>
+        </a:graphic>
+      </p:graphicFrame>
     </p:spTree>
     <p:extLst>
       <p:ext uri="{BB962C8B-B14F-4D97-AF65-F5344CB8AC3E}">
@@ -3722,7 +4530,7 @@
 </p:sld>
 </file>
 
-<file path=ppt/slides/slide11.xml><?xml version="1.0" encoding="utf-8"?>
+<file path=ppt/slides/slide13.xml><?xml version="1.0" encoding="utf-8"?>
 <p:sld xmlns:a="http://schemas.openxmlformats.org/drawingml/2006/main" xmlns:r="http://schemas.openxmlformats.org/officeDocument/2006/relationships" xmlns:p="http://schemas.openxmlformats.org/presentationml/2006/main">
   <p:cSld>
     <p:spTree>
@@ -3777,76 +4585,6 @@
           </a:p>
         </p:txBody>
       </p:sp>
-      <p:graphicFrame>
-        <p:nvGraphicFramePr>
-          <p:cNvPr id="5" name="Object 4"/>
-          <p:cNvGraphicFramePr>
-            <a:graphicFrameLocks noChangeAspect="1"/>
-          </p:cNvGraphicFramePr>
-          <p:nvPr>
-            <p:extLst>
-              <p:ext uri="{D42A27DB-BD31-4B8C-83A1-F6EECF244321}">
-                <p14:modId xmlns:p14="http://schemas.microsoft.com/office/powerpoint/2010/main" val="2212540646"/>
-              </p:ext>
-            </p:extLst>
-          </p:nvPr>
-        </p:nvGraphicFramePr>
-        <p:xfrm>
-          <a:off x="2752725" y="1092200"/>
-          <a:ext cx="3235325" cy="2752725"/>
-        </p:xfrm>
-        <a:graphic>
-          <a:graphicData uri="http://schemas.openxmlformats.org/presentationml/2006/ole">
-            <mc:AlternateContent xmlns:mc="http://schemas.openxmlformats.org/markup-compatibility/2006">
-              <mc:Choice xmlns:v="urn:schemas-microsoft-com:vml" Requires="v">
-                <p:oleObj spid="_x0000_s567320" name="Equation" r:id="rId4" imgW="596900" imgH="508000" progId="Equation.DSMT4">
-                  <p:embed/>
-                </p:oleObj>
-              </mc:Choice>
-              <mc:Fallback>
-                <p:oleObj name="Equation" r:id="rId4" imgW="596900" imgH="508000" progId="Equation.DSMT4">
-                  <p:embed/>
-                  <p:pic>
-                    <p:nvPicPr>
-                      <p:cNvPr id="0" name=""/>
-                      <p:cNvPicPr>
-                        <a:picLocks noChangeAspect="1" noChangeArrowheads="1"/>
-                      </p:cNvPicPr>
-                      <p:nvPr/>
-                    </p:nvPicPr>
-                    <p:blipFill>
-                      <a:blip r:embed="rId5"/>
-                      <a:srcRect/>
-                      <a:stretch>
-                        <a:fillRect/>
-                      </a:stretch>
-                    </p:blipFill>
-                    <p:spPr bwMode="auto">
-                      <a:xfrm>
-                        <a:off x="2752725" y="1092200"/>
-                        <a:ext cx="3235325" cy="2752725"/>
-                      </a:xfrm>
-                      <a:prstGeom prst="rect">
-                        <a:avLst/>
-                      </a:prstGeom>
-                      <a:noFill/>
-                      <a:extLst>
-                        <a:ext uri="{909E8E84-426E-40dd-AFC4-6F175D3DCCD1}">
-                          <a14:hiddenFill xmlns:a14="http://schemas.microsoft.com/office/drawing/2010/main">
-                            <a:solidFill>
-                              <a:srgbClr val="FFFFFF"/>
-                            </a:solidFill>
-                          </a14:hiddenFill>
-                        </a:ext>
-                      </a:extLst>
-                    </p:spPr>
-                  </p:pic>
-                </p:oleObj>
-              </mc:Fallback>
-            </mc:AlternateContent>
-          </a:graphicData>
-        </a:graphic>
-      </p:graphicFrame>
       <p:sp>
         <p:nvSpPr>
           <p:cNvPr id="9" name="TextBox 8"/>
@@ -3928,6 +4666,76 @@
           </a:p>
         </p:txBody>
       </p:sp>
+      <p:graphicFrame>
+        <p:nvGraphicFramePr>
+          <p:cNvPr id="6" name="Object 5"/>
+          <p:cNvGraphicFramePr>
+            <a:graphicFrameLocks noChangeAspect="1"/>
+          </p:cNvGraphicFramePr>
+          <p:nvPr>
+            <p:extLst>
+              <p:ext uri="{D42A27DB-BD31-4B8C-83A1-F6EECF244321}">
+                <p14:modId xmlns:p14="http://schemas.microsoft.com/office/powerpoint/2010/main" val="1123007688"/>
+              </p:ext>
+            </p:extLst>
+          </p:nvPr>
+        </p:nvGraphicFramePr>
+        <p:xfrm>
+          <a:off x="2719388" y="1092200"/>
+          <a:ext cx="3303587" cy="2752725"/>
+        </p:xfrm>
+        <a:graphic>
+          <a:graphicData uri="http://schemas.openxmlformats.org/presentationml/2006/ole">
+            <mc:AlternateContent xmlns:mc="http://schemas.openxmlformats.org/markup-compatibility/2006">
+              <mc:Choice xmlns:v="urn:schemas-microsoft-com:vml" Requires="v">
+                <p:oleObj spid="_x0000_s567330" name="Equation" r:id="rId4" imgW="609600" imgH="508000" progId="Equation.DSMT4">
+                  <p:embed/>
+                </p:oleObj>
+              </mc:Choice>
+              <mc:Fallback>
+                <p:oleObj name="Equation" r:id="rId4" imgW="609600" imgH="508000" progId="Equation.DSMT4">
+                  <p:embed/>
+                  <p:pic>
+                    <p:nvPicPr>
+                      <p:cNvPr id="0" name=""/>
+                      <p:cNvPicPr>
+                        <a:picLocks noChangeAspect="1" noChangeArrowheads="1"/>
+                      </p:cNvPicPr>
+                      <p:nvPr/>
+                    </p:nvPicPr>
+                    <p:blipFill>
+                      <a:blip r:embed="rId5"/>
+                      <a:srcRect/>
+                      <a:stretch>
+                        <a:fillRect/>
+                      </a:stretch>
+                    </p:blipFill>
+                    <p:spPr bwMode="auto">
+                      <a:xfrm>
+                        <a:off x="2719388" y="1092200"/>
+                        <a:ext cx="3303587" cy="2752725"/>
+                      </a:xfrm>
+                      <a:prstGeom prst="rect">
+                        <a:avLst/>
+                      </a:prstGeom>
+                      <a:noFill/>
+                      <a:extLst>
+                        <a:ext uri="{909E8E84-426E-40dd-AFC4-6F175D3DCCD1}">
+                          <a14:hiddenFill xmlns:a14="http://schemas.microsoft.com/office/drawing/2010/main">
+                            <a:solidFill>
+                              <a:srgbClr val="FFFFFF"/>
+                            </a:solidFill>
+                          </a14:hiddenFill>
+                        </a:ext>
+                      </a:extLst>
+                    </p:spPr>
+                  </p:pic>
+                </p:oleObj>
+              </mc:Fallback>
+            </mc:AlternateContent>
+          </a:graphicData>
+        </a:graphic>
+      </p:graphicFrame>
     </p:spTree>
     <p:extLst>
       <p:ext uri="{BB962C8B-B14F-4D97-AF65-F5344CB8AC3E}">
@@ -4039,7 +4847,7 @@
 </p:sld>
 </file>
 
-<file path=ppt/slides/slide12.xml><?xml version="1.0" encoding="utf-8"?>
+<file path=ppt/slides/slide14.xml><?xml version="1.0" encoding="utf-8"?>
 <p:sld xmlns:a="http://schemas.openxmlformats.org/drawingml/2006/main" xmlns:r="http://schemas.openxmlformats.org/officeDocument/2006/relationships" xmlns:p="http://schemas.openxmlformats.org/presentationml/2006/main">
   <p:cSld>
     <p:spTree>
@@ -4103,9 +4911,9 @@
         <p:grpSpPr>
           <a:xfrm>
             <a:off x="624893" y="2388897"/>
-            <a:ext cx="7861234" cy="1219950"/>
+            <a:ext cx="7861234" cy="1219491"/>
             <a:chOff x="624893" y="2388897"/>
-            <a:chExt cx="7861234" cy="1219950"/>
+            <a:chExt cx="7861234" cy="1219491"/>
           </a:xfrm>
         </p:grpSpPr>
         <p:sp>
@@ -4166,25 +4974,25 @@
             <p:nvPr>
               <p:extLst>
                 <p:ext uri="{D42A27DB-BD31-4B8C-83A1-F6EECF244321}">
-                  <p14:modId xmlns:p14="http://schemas.microsoft.com/office/powerpoint/2010/main" val="1475715492"/>
+                  <p14:modId xmlns:p14="http://schemas.microsoft.com/office/powerpoint/2010/main" val="1802321883"/>
                 </p:ext>
               </p:extLst>
             </p:nvPr>
           </p:nvGraphicFramePr>
           <p:xfrm>
-            <a:off x="1737581" y="2438859"/>
-            <a:ext cx="1720850" cy="1169988"/>
+            <a:off x="1704975" y="2438400"/>
+            <a:ext cx="1789113" cy="1169988"/>
           </p:xfrm>
           <a:graphic>
             <a:graphicData uri="http://schemas.openxmlformats.org/presentationml/2006/ole">
               <mc:AlternateContent xmlns:mc="http://schemas.openxmlformats.org/markup-compatibility/2006">
                 <mc:Choice xmlns:v="urn:schemas-microsoft-com:vml" Requires="v">
-                  <p:oleObj spid="_x0000_s566294" name="Equation" r:id="rId4" imgW="317500" imgH="215900" progId="Equation.DSMT4">
+                  <p:oleObj spid="_x0000_s566311" name="Equation" r:id="rId4" imgW="330200" imgH="215900" progId="Equation.DSMT4">
                     <p:embed/>
                   </p:oleObj>
                 </mc:Choice>
                 <mc:Fallback>
-                  <p:oleObj name="Equation" r:id="rId4" imgW="317500" imgH="215900" progId="Equation.DSMT4">
+                  <p:oleObj name="Equation" r:id="rId4" imgW="330200" imgH="215900" progId="Equation.DSMT4">
                     <p:embed/>
                     <p:pic>
                       <p:nvPicPr>
@@ -4203,8 +5011,8 @@
                       </p:blipFill>
                       <p:spPr bwMode="auto">
                         <a:xfrm>
-                          <a:off x="1737581" y="2438859"/>
-                          <a:ext cx="1720850" cy="1169988"/>
+                          <a:off x="1704975" y="2438400"/>
+                          <a:ext cx="1789113" cy="1169988"/>
                         </a:xfrm>
                         <a:prstGeom prst="rect">
                           <a:avLst/>
@@ -4272,10 +5080,10 @@
         </p:nvGrpSpPr>
         <p:grpSpPr>
           <a:xfrm>
-            <a:off x="505067" y="3686119"/>
-            <a:ext cx="5871153" cy="1238250"/>
-            <a:chOff x="243013" y="3686119"/>
-            <a:chExt cx="5871153" cy="1238250"/>
+            <a:off x="471488" y="3686175"/>
+            <a:ext cx="5904732" cy="1238250"/>
+            <a:chOff x="209434" y="3686175"/>
+            <a:chExt cx="5904732" cy="1238250"/>
           </a:xfrm>
         </p:grpSpPr>
         <p:graphicFrame>
@@ -4287,25 +5095,25 @@
             <p:nvPr>
               <p:extLst>
                 <p:ext uri="{D42A27DB-BD31-4B8C-83A1-F6EECF244321}">
-                  <p14:modId xmlns:p14="http://schemas.microsoft.com/office/powerpoint/2010/main" val="2011275550"/>
+                  <p14:modId xmlns:p14="http://schemas.microsoft.com/office/powerpoint/2010/main" val="4007588351"/>
                 </p:ext>
               </p:extLst>
             </p:nvPr>
           </p:nvGraphicFramePr>
           <p:xfrm>
-            <a:off x="243013" y="3686119"/>
-            <a:ext cx="3097213" cy="1238250"/>
+            <a:off x="209434" y="3686175"/>
+            <a:ext cx="3165475" cy="1238250"/>
           </p:xfrm>
           <a:graphic>
             <a:graphicData uri="http://schemas.openxmlformats.org/presentationml/2006/ole">
               <mc:AlternateContent xmlns:mc="http://schemas.openxmlformats.org/markup-compatibility/2006">
                 <mc:Choice xmlns:v="urn:schemas-microsoft-com:vml" Requires="v">
-                  <p:oleObj spid="_x0000_s566295" name="Equation" r:id="rId6" imgW="571500" imgH="228600" progId="Equation.DSMT4">
+                  <p:oleObj spid="_x0000_s566312" name="Equation" r:id="rId6" imgW="584200" imgH="228600" progId="Equation.DSMT4">
                     <p:embed/>
                   </p:oleObj>
                 </mc:Choice>
                 <mc:Fallback>
-                  <p:oleObj name="Equation" r:id="rId6" imgW="571500" imgH="228600" progId="Equation.DSMT4">
+                  <p:oleObj name="Equation" r:id="rId6" imgW="584200" imgH="228600" progId="Equation.DSMT4">
                     <p:embed/>
                     <p:pic>
                       <p:nvPicPr>
@@ -4324,8 +5132,8 @@
                       </p:blipFill>
                       <p:spPr bwMode="auto">
                         <a:xfrm>
-                          <a:off x="243013" y="3686119"/>
-                          <a:ext cx="3097213" cy="1238250"/>
+                          <a:off x="209434" y="3686175"/>
+                          <a:ext cx="3165475" cy="1238250"/>
                         </a:xfrm>
                         <a:prstGeom prst="rect">
                           <a:avLst/>
@@ -4682,7 +5490,7 @@
           <a:graphicData uri="http://schemas.openxmlformats.org/presentationml/2006/ole">
             <mc:AlternateContent xmlns:mc="http://schemas.openxmlformats.org/markup-compatibility/2006">
               <mc:Choice xmlns:v="urn:schemas-microsoft-com:vml" Requires="v">
-                <p:oleObj spid="_x0000_s1052" name="Equation" r:id="rId4" imgW="914400" imgH="198720" progId="Equation.DSMT4">
+                <p:oleObj spid="_x0000_s1069" name="Equation" r:id="rId4" imgW="914400" imgH="198720" progId="Equation.DSMT4">
                   <p:embed/>
                 </p:oleObj>
               </mc:Choice>
@@ -4758,7 +5566,7 @@
           <a:graphicData uri="http://schemas.openxmlformats.org/presentationml/2006/ole">
             <mc:AlternateContent xmlns:mc="http://schemas.openxmlformats.org/markup-compatibility/2006">
               <mc:Choice xmlns:v="urn:schemas-microsoft-com:vml" Requires="v">
-                <p:oleObj spid="_x0000_s1053" name="Equation" r:id="rId6" imgW="2146300" imgH="215900" progId="Equation.3">
+                <p:oleObj spid="_x0000_s1070" name="Equation" r:id="rId6" imgW="2146300" imgH="215900" progId="Equation.3">
                   <p:embed/>
                 </p:oleObj>
               </mc:Choice>
@@ -5027,7 +5835,7 @@
           <a:graphicData uri="http://schemas.openxmlformats.org/presentationml/2006/ole">
             <mc:AlternateContent xmlns:mc="http://schemas.openxmlformats.org/markup-compatibility/2006">
               <mc:Choice xmlns:v="urn:schemas-microsoft-com:vml" Requires="v">
-                <p:oleObj spid="_x0000_s299139" name="Equation" r:id="rId4" imgW="914400" imgH="198720" progId="Equation.DSMT4">
+                <p:oleObj spid="_x0000_s299163" name="Equation" r:id="rId4" imgW="914400" imgH="198720" progId="Equation.DSMT4">
                   <p:embed/>
                 </p:oleObj>
               </mc:Choice>
@@ -5097,7 +5905,7 @@
           <a:graphicData uri="http://schemas.openxmlformats.org/presentationml/2006/ole">
             <mc:AlternateContent xmlns:mc="http://schemas.openxmlformats.org/markup-compatibility/2006">
               <mc:Choice xmlns:v="urn:schemas-microsoft-com:vml" Requires="v">
-                <p:oleObj spid="_x0000_s299140" name="Equation" r:id="rId6" imgW="914400" imgH="198720" progId="Equation.DSMT4">
+                <p:oleObj spid="_x0000_s299164" name="Equation" r:id="rId6" imgW="914400" imgH="198720" progId="Equation.DSMT4">
                   <p:embed/>
                 </p:oleObj>
               </mc:Choice>
@@ -5226,7 +6034,7 @@
           <a:graphicData uri="http://schemas.openxmlformats.org/presentationml/2006/ole">
             <mc:AlternateContent xmlns:mc="http://schemas.openxmlformats.org/markup-compatibility/2006">
               <mc:Choice xmlns:v="urn:schemas-microsoft-com:vml" Requires="v">
-                <p:oleObj spid="_x0000_s299141" name="Equation" r:id="rId8" imgW="2032000" imgH="457200" progId="Equation.DSMT4">
+                <p:oleObj spid="_x0000_s299165" name="Equation" r:id="rId8" imgW="2032000" imgH="457200" progId="Equation.DSMT4">
                   <p:embed/>
                 </p:oleObj>
               </mc:Choice>
@@ -5458,6 +6266,391 @@
       </p:grpSpPr>
       <p:sp>
         <p:nvSpPr>
+          <p:cNvPr id="51202" name="Rectangle 2"/>
+          <p:cNvSpPr>
+            <a:spLocks noGrp="1" noChangeArrowheads="1"/>
+          </p:cNvSpPr>
+          <p:nvPr>
+            <p:ph type="title"/>
+          </p:nvPr>
+        </p:nvSpPr>
+        <p:spPr/>
+        <p:txBody>
+          <a:bodyPr/>
+          <a:lstStyle/>
+          <a:p>
+            <a:r>
+              <a:rPr lang="en-US" sz="3600" dirty="0">
+                <a:solidFill>
+                  <a:schemeClr val="tx1"/>
+                </a:solidFill>
+              </a:rPr>
+              <a:t>Predicate Calculus </a:t>
+            </a:r>
+            <a:r>
+              <a:rPr lang="en-US" sz="3600" dirty="0">
+                <a:solidFill>
+                  <a:srgbClr val="0000FF"/>
+                </a:solidFill>
+              </a:rPr>
+              <a:t>Validity</a:t>
+            </a:r>
+          </a:p>
+        </p:txBody>
+      </p:sp>
+      <p:graphicFrame>
+        <p:nvGraphicFramePr>
+          <p:cNvPr id="51205" name="Object 5"/>
+          <p:cNvGraphicFramePr>
+            <a:graphicFrameLocks noChangeAspect="1"/>
+          </p:cNvGraphicFramePr>
+          <p:nvPr/>
+        </p:nvGraphicFramePr>
+        <p:xfrm>
+          <a:off x="0" y="0"/>
+          <a:ext cx="914400" cy="198438"/>
+        </p:xfrm>
+        <a:graphic>
+          <a:graphicData uri="http://schemas.openxmlformats.org/presentationml/2006/ole">
+            <mc:AlternateContent xmlns:mc="http://schemas.openxmlformats.org/markup-compatibility/2006">
+              <mc:Choice xmlns:v="urn:schemas-microsoft-com:vml" Requires="v">
+                <p:oleObj spid="_x0000_s573461" name="Equation" r:id="rId4" imgW="914400" imgH="198720" progId="Equation.DSMT4">
+                  <p:embed/>
+                </p:oleObj>
+              </mc:Choice>
+              <mc:Fallback>
+                <p:oleObj name="Equation" r:id="rId4" imgW="914400" imgH="198720" progId="Equation.DSMT4">
+                  <p:embed/>
+                  <p:pic>
+                    <p:nvPicPr>
+                      <p:cNvPr id="0" name=""/>
+                      <p:cNvPicPr>
+                        <a:picLocks noChangeAspect="1" noChangeArrowheads="1"/>
+                      </p:cNvPicPr>
+                      <p:nvPr/>
+                    </p:nvPicPr>
+                    <p:blipFill>
+                      <a:blip r:embed="rId5">
+                        <a:extLst>
+                          <a:ext uri="{28A0092B-C50C-407E-A947-70E740481C1C}">
+                            <a14:useLocalDpi xmlns:a14="http://schemas.microsoft.com/office/drawing/2010/main" val="0"/>
+                          </a:ext>
+                        </a:extLst>
+                      </a:blip>
+                      <a:srcRect/>
+                      <a:stretch>
+                        <a:fillRect/>
+                      </a:stretch>
+                    </p:blipFill>
+                    <p:spPr bwMode="auto">
+                      <a:xfrm>
+                        <a:off x="0" y="0"/>
+                        <a:ext cx="914400" cy="198438"/>
+                      </a:xfrm>
+                      <a:prstGeom prst="rect">
+                        <a:avLst/>
+                      </a:prstGeom>
+                      <a:noFill/>
+                      <a:extLst>
+                        <a:ext uri="{909E8E84-426E-40dd-AFC4-6F175D3DCCD1}">
+                          <a14:hiddenFill xmlns:a14="http://schemas.microsoft.com/office/drawing/2010/main">
+                            <a:solidFill>
+                              <a:srgbClr val="FFFFFF"/>
+                            </a:solidFill>
+                          </a14:hiddenFill>
+                        </a:ext>
+                      </a:extLst>
+                    </p:spPr>
+                  </p:pic>
+                </p:oleObj>
+              </mc:Fallback>
+            </mc:AlternateContent>
+          </a:graphicData>
+        </a:graphic>
+      </p:graphicFrame>
+      <p:graphicFrame>
+        <p:nvGraphicFramePr>
+          <p:cNvPr id="51207" name="Object 7"/>
+          <p:cNvGraphicFramePr>
+            <a:graphicFrameLocks noChangeAspect="1"/>
+          </p:cNvGraphicFramePr>
+          <p:nvPr/>
+        </p:nvGraphicFramePr>
+        <p:xfrm>
+          <a:off x="3086100" y="2044700"/>
+          <a:ext cx="914400" cy="198438"/>
+        </p:xfrm>
+        <a:graphic>
+          <a:graphicData uri="http://schemas.openxmlformats.org/presentationml/2006/ole">
+            <mc:AlternateContent xmlns:mc="http://schemas.openxmlformats.org/markup-compatibility/2006">
+              <mc:Choice xmlns:v="urn:schemas-microsoft-com:vml" Requires="v">
+                <p:oleObj spid="_x0000_s573462" name="Equation" r:id="rId6" imgW="914400" imgH="198720" progId="Equation.DSMT4">
+                  <p:embed/>
+                </p:oleObj>
+              </mc:Choice>
+              <mc:Fallback>
+                <p:oleObj name="Equation" r:id="rId6" imgW="914400" imgH="198720" progId="Equation.DSMT4">
+                  <p:embed/>
+                  <p:pic>
+                    <p:nvPicPr>
+                      <p:cNvPr id="0" name=""/>
+                      <p:cNvPicPr>
+                        <a:picLocks noChangeAspect="1" noChangeArrowheads="1"/>
+                      </p:cNvPicPr>
+                      <p:nvPr/>
+                    </p:nvPicPr>
+                    <p:blipFill>
+                      <a:blip r:embed="rId7">
+                        <a:extLst>
+                          <a:ext uri="{28A0092B-C50C-407E-A947-70E740481C1C}">
+                            <a14:useLocalDpi xmlns:a14="http://schemas.microsoft.com/office/drawing/2010/main" val="0"/>
+                          </a:ext>
+                        </a:extLst>
+                      </a:blip>
+                      <a:srcRect/>
+                      <a:stretch>
+                        <a:fillRect/>
+                      </a:stretch>
+                    </p:blipFill>
+                    <p:spPr bwMode="auto">
+                      <a:xfrm>
+                        <a:off x="3086100" y="2044700"/>
+                        <a:ext cx="914400" cy="198438"/>
+                      </a:xfrm>
+                      <a:prstGeom prst="rect">
+                        <a:avLst/>
+                      </a:prstGeom>
+                      <a:noFill/>
+                      <a:extLst>
+                        <a:ext uri="{909E8E84-426E-40dd-AFC4-6F175D3DCCD1}">
+                          <a14:hiddenFill xmlns:a14="http://schemas.microsoft.com/office/drawing/2010/main">
+                            <a:solidFill>
+                              <a:srgbClr val="FFFFFF"/>
+                            </a:solidFill>
+                          </a14:hiddenFill>
+                        </a:ext>
+                      </a:extLst>
+                    </p:spPr>
+                  </p:pic>
+                </p:oleObj>
+              </mc:Fallback>
+            </mc:AlternateContent>
+          </a:graphicData>
+        </a:graphic>
+      </p:graphicFrame>
+      <p:sp>
+        <p:nvSpPr>
+          <p:cNvPr id="11" name="Text Box 3"/>
+          <p:cNvSpPr txBox="1">
+            <a:spLocks noChangeArrowheads="1"/>
+          </p:cNvSpPr>
+          <p:nvPr/>
+        </p:nvSpPr>
+        <p:spPr bwMode="auto">
+          <a:xfrm>
+            <a:off x="986830" y="1437366"/>
+            <a:ext cx="7170340" cy="1569660"/>
+          </a:xfrm>
+          <a:prstGeom prst="rect">
+            <a:avLst/>
+          </a:prstGeom>
+          <a:noFill/>
+          <a:ln w="9525">
+            <a:noFill/>
+            <a:miter lim="800000"/>
+            <a:headEnd/>
+            <a:tailEnd type="none" w="lg" len="lg"/>
+          </a:ln>
+          <a:effectLst/>
+        </p:spPr>
+        <p:txBody>
+          <a:bodyPr wrap="square">
+            <a:spAutoFit/>
+          </a:bodyPr>
+          <a:lstStyle/>
+          <a:p>
+            <a:pPr marL="457200" indent="-457200"/>
+            <a:r>
+              <a:rPr lang="en-US" sz="4800" dirty="0" smtClean="0">
+                <a:solidFill>
+                  <a:srgbClr val="006600"/>
+                </a:solidFill>
+                <a:latin typeface="Comic Sans MS" pitchFamily="66" charset="0"/>
+              </a:rPr>
+              <a:t>True </a:t>
+            </a:r>
+            <a:r>
+              <a:rPr lang="en-US" sz="4800" dirty="0" smtClean="0">
+                <a:latin typeface="Comic Sans MS" pitchFamily="66" charset="0"/>
+              </a:rPr>
+              <a:t>for all domains and predicates*.  </a:t>
+            </a:r>
+            <a:r>
+              <a:rPr lang="en-US" sz="4400" i="1" dirty="0" smtClean="0">
+                <a:latin typeface="Comic Sans MS" pitchFamily="66" charset="0"/>
+              </a:rPr>
+              <a:t>Example:</a:t>
+            </a:r>
+            <a:endParaRPr lang="en-US" sz="4400" i="1" dirty="0">
+              <a:latin typeface="Comic Sans MS" pitchFamily="66" charset="0"/>
+            </a:endParaRPr>
+          </a:p>
+        </p:txBody>
+      </p:sp>
+      <p:graphicFrame>
+        <p:nvGraphicFramePr>
+          <p:cNvPr id="12" name="Object 11"/>
+          <p:cNvGraphicFramePr>
+            <a:graphicFrameLocks noChangeAspect="1"/>
+          </p:cNvGraphicFramePr>
+          <p:nvPr/>
+        </p:nvGraphicFramePr>
+        <p:xfrm>
+          <a:off x="456406" y="3242754"/>
+          <a:ext cx="8231187" cy="1851025"/>
+        </p:xfrm>
+        <a:graphic>
+          <a:graphicData uri="http://schemas.openxmlformats.org/presentationml/2006/ole">
+            <mc:AlternateContent xmlns:mc="http://schemas.openxmlformats.org/markup-compatibility/2006">
+              <mc:Choice xmlns:v="urn:schemas-microsoft-com:vml" Requires="v">
+                <p:oleObj spid="_x0000_s573463" name="Equation" r:id="rId8" imgW="2032000" imgH="457200" progId="Equation.DSMT4">
+                  <p:embed/>
+                </p:oleObj>
+              </mc:Choice>
+              <mc:Fallback>
+                <p:oleObj name="Equation" r:id="rId8" imgW="2032000" imgH="457200" progId="Equation.DSMT4">
+                  <p:embed/>
+                  <p:pic>
+                    <p:nvPicPr>
+                      <p:cNvPr id="0" name=""/>
+                      <p:cNvPicPr>
+                        <a:picLocks noChangeAspect="1" noChangeArrowheads="1"/>
+                      </p:cNvPicPr>
+                      <p:nvPr/>
+                    </p:nvPicPr>
+                    <p:blipFill>
+                      <a:blip r:embed="rId9">
+                        <a:extLst>
+                          <a:ext uri="{28A0092B-C50C-407E-A947-70E740481C1C}">
+                            <a14:useLocalDpi xmlns:a14="http://schemas.microsoft.com/office/drawing/2010/main" val="0"/>
+                          </a:ext>
+                        </a:extLst>
+                      </a:blip>
+                      <a:srcRect/>
+                      <a:stretch>
+                        <a:fillRect/>
+                      </a:stretch>
+                    </p:blipFill>
+                    <p:spPr bwMode="auto">
+                      <a:xfrm>
+                        <a:off x="456406" y="3242754"/>
+                        <a:ext cx="8231187" cy="1851025"/>
+                      </a:xfrm>
+                      <a:prstGeom prst="rect">
+                        <a:avLst/>
+                      </a:prstGeom>
+                      <a:noFill/>
+                      <a:extLst>
+                        <a:ext uri="{909E8E84-426E-40dd-AFC4-6F175D3DCCD1}">
+                          <a14:hiddenFill xmlns:a14="http://schemas.microsoft.com/office/drawing/2010/main">
+                            <a:solidFill>
+                              <a:srgbClr val="FFFFFF"/>
+                            </a:solidFill>
+                          </a14:hiddenFill>
+                        </a:ext>
+                      </a:extLst>
+                    </p:spPr>
+                  </p:pic>
+                </p:oleObj>
+              </mc:Fallback>
+            </mc:AlternateContent>
+          </a:graphicData>
+        </a:graphic>
+      </p:graphicFrame>
+      <p:sp>
+        <p:nvSpPr>
+          <p:cNvPr id="2" name="TextBox 1"/>
+          <p:cNvSpPr txBox="1"/>
+          <p:nvPr/>
+        </p:nvSpPr>
+        <p:spPr>
+          <a:xfrm>
+            <a:off x="2169589" y="5270500"/>
+            <a:ext cx="4854289" cy="923330"/>
+          </a:xfrm>
+          <a:prstGeom prst="rect">
+            <a:avLst/>
+          </a:prstGeom>
+          <a:noFill/>
+        </p:spPr>
+        <p:txBody>
+          <a:bodyPr wrap="none" rtlCol="0">
+            <a:spAutoFit/>
+          </a:bodyPr>
+          <a:lstStyle/>
+          <a:p>
+            <a:r>
+              <a:rPr lang="en-US" sz="5400" dirty="0" smtClean="0">
+                <a:latin typeface="Comic Sans MS"/>
+                <a:cs typeface="Comic Sans MS"/>
+              </a:rPr>
+              <a:t>*aka </a:t>
+            </a:r>
+            <a:r>
+              <a:rPr lang="en-US" sz="5400" dirty="0" smtClean="0">
+                <a:solidFill>
+                  <a:srgbClr val="800000"/>
+                </a:solidFill>
+                <a:latin typeface="Comic Sans MS"/>
+                <a:cs typeface="Comic Sans MS"/>
+              </a:rPr>
+              <a:t>tautology</a:t>
+            </a:r>
+          </a:p>
+        </p:txBody>
+      </p:sp>
+    </p:spTree>
+    <p:extLst>
+      <p:ext uri="{BB962C8B-B14F-4D97-AF65-F5344CB8AC3E}">
+        <p14:creationId xmlns:p14="http://schemas.microsoft.com/office/powerpoint/2010/main" val="2431985704"/>
+      </p:ext>
+    </p:extLst>
+  </p:cSld>
+  <p:clrMapOvr>
+    <a:masterClrMapping/>
+  </p:clrMapOvr>
+  <p:transition xmlns:p14="http://schemas.microsoft.com/office/powerpoint/2010/main" advClick="0">
+    <p:fade/>
+  </p:transition>
+  <p:timing>
+    <p:tnLst>
+      <p:par>
+        <p:cTn xmlns:p14="http://schemas.microsoft.com/office/powerpoint/2010/main" id="1" dur="indefinite" restart="never" nodeType="tmRoot"/>
+      </p:par>
+    </p:tnLst>
+  </p:timing>
+</p:sld>
+</file>
+
+<file path=ppt/slides/slide5.xml><?xml version="1.0" encoding="utf-8"?>
+<p:sld xmlns:a="http://schemas.openxmlformats.org/drawingml/2006/main" xmlns:r="http://schemas.openxmlformats.org/officeDocument/2006/relationships" xmlns:p="http://schemas.openxmlformats.org/presentationml/2006/main">
+  <p:cSld>
+    <p:spTree>
+      <p:nvGrpSpPr>
+        <p:cNvPr id="1" name=""/>
+        <p:cNvGrpSpPr/>
+        <p:nvPr/>
+      </p:nvGrpSpPr>
+      <p:grpSpPr>
+        <a:xfrm>
+          <a:off x="0" y="0"/>
+          <a:ext cx="0" cy="0"/>
+          <a:chOff x="0" y="0"/>
+          <a:chExt cx="0" cy="0"/>
+        </a:xfrm>
+      </p:grpSpPr>
+      <p:sp>
+        <p:nvSpPr>
           <p:cNvPr id="70661" name="Rectangle 5"/>
           <p:cNvSpPr>
             <a:spLocks noGrp="1" noChangeArrowheads="1"/>
@@ -5510,8 +6703,8 @@
         </p:nvSpPr>
         <p:spPr>
           <a:xfrm>
-            <a:off x="1190409" y="2365584"/>
-            <a:ext cx="6736254" cy="2123658"/>
+            <a:off x="1190408" y="2365584"/>
+            <a:ext cx="7191591" cy="2170130"/>
           </a:xfrm>
           <a:prstGeom prst="rect">
             <a:avLst/>
@@ -5591,11 +6784,14 @@
               <a:t>))  </a:t>
             </a:r>
             <a:r>
-              <a:rPr lang="en-US" sz="6000" dirty="0" err="1" smtClean="0">
+              <a:rPr lang="en-US" sz="4800" dirty="0" smtClean="0">
+                <a:solidFill>
+                  <a:srgbClr val="0000FF"/>
+                </a:solidFill>
                 <a:latin typeface="Comic Sans MS" pitchFamily="66" charset="0"/>
                 <a:sym typeface="Euclid Symbol" pitchFamily="18" charset="2"/>
               </a:rPr>
-              <a:t>iff</a:t>
+              <a:t>IFF</a:t>
             </a:r>
             <a:r>
               <a:rPr lang="en-US" sz="5400" dirty="0" smtClean="0">
@@ -5784,6 +6980,59 @@
                       </p:childTnLst>
                     </p:cTn>
                   </p:par>
+                  <p:par>
+                    <p:cTn id="8" fill="hold">
+                      <p:stCondLst>
+                        <p:cond delay="indefinite"/>
+                      </p:stCondLst>
+                      <p:childTnLst>
+                        <p:par>
+                          <p:cTn id="9" fill="hold">
+                            <p:stCondLst>
+                              <p:cond delay="0"/>
+                            </p:stCondLst>
+                            <p:childTnLst>
+                              <p:par>
+                                <p:cTn id="10" presetID="10" presetClass="entr" presetSubtype="0" fill="hold" grpId="0" nodeType="clickEffect">
+                                  <p:stCondLst>
+                                    <p:cond delay="0"/>
+                                  </p:stCondLst>
+                                  <p:childTnLst>
+                                    <p:set>
+                                      <p:cBhvr>
+                                        <p:cTn id="11" dur="1" fill="hold">
+                                          <p:stCondLst>
+                                            <p:cond delay="0"/>
+                                          </p:stCondLst>
+                                        </p:cTn>
+                                        <p:tgtEl>
+                                          <p:spTgt spid="70661"/>
+                                        </p:tgtEl>
+                                        <p:attrNameLst>
+                                          <p:attrName>style.visibility</p:attrName>
+                                        </p:attrNameLst>
+                                      </p:cBhvr>
+                                      <p:to>
+                                        <p:strVal val="visible"/>
+                                      </p:to>
+                                    </p:set>
+                                    <p:animEffect transition="in" filter="fade">
+                                      <p:cBhvr>
+                                        <p:cTn id="12" dur="500"/>
+                                        <p:tgtEl>
+                                          <p:spTgt spid="70661"/>
+                                        </p:tgtEl>
+                                      </p:cBhvr>
+                                    </p:animEffect>
+                                  </p:childTnLst>
+                                </p:cTn>
+                              </p:par>
+                            </p:childTnLst>
+                          </p:cTn>
+                        </p:par>
+                      </p:childTnLst>
+                    </p:cTn>
+                  </p:par>
                 </p:childTnLst>
               </p:cTn>
               <p:prevCondLst>
@@ -5806,13 +7055,317 @@
       </p:par>
     </p:tnLst>
     <p:bldLst>
+      <p:bldP spid="70661" grpId="0"/>
       <p:bldP spid="10" grpId="0"/>
     </p:bldLst>
   </p:timing>
 </p:sld>
 </file>
 
-<file path=ppt/slides/slide5.xml><?xml version="1.0" encoding="utf-8"?>
+<file path=ppt/slides/slide6.xml><?xml version="1.0" encoding="utf-8"?>
+<p:sld xmlns:a="http://schemas.openxmlformats.org/drawingml/2006/main" xmlns:r="http://schemas.openxmlformats.org/officeDocument/2006/relationships" xmlns:p="http://schemas.openxmlformats.org/presentationml/2006/main">
+  <p:cSld>
+    <p:spTree>
+      <p:nvGrpSpPr>
+        <p:cNvPr id="1" name=""/>
+        <p:cNvGrpSpPr/>
+        <p:nvPr/>
+      </p:nvGrpSpPr>
+      <p:grpSpPr>
+        <a:xfrm>
+          <a:off x="0" y="0"/>
+          <a:ext cx="0" cy="0"/>
+          <a:chOff x="0" y="0"/>
+          <a:chExt cx="0" cy="0"/>
+        </a:xfrm>
+      </p:grpSpPr>
+      <p:sp>
+        <p:nvSpPr>
+          <p:cNvPr id="70661" name="Rectangle 5"/>
+          <p:cNvSpPr>
+            <a:spLocks noGrp="1" noChangeArrowheads="1"/>
+          </p:cNvSpPr>
+          <p:nvPr>
+            <p:ph type="title"/>
+          </p:nvPr>
+        </p:nvSpPr>
+        <p:spPr>
+          <a:xfrm>
+            <a:off x="1295899" y="265728"/>
+            <a:ext cx="7502769" cy="1062892"/>
+          </a:xfrm>
+          <a:noFill/>
+          <a:ln/>
+        </p:spPr>
+        <p:txBody>
+          <a:bodyPr/>
+          <a:lstStyle/>
+          <a:p>
+            <a:r>
+              <a:rPr lang="en-US" sz="3600" dirty="0" err="1" smtClean="0">
+                <a:solidFill>
+                  <a:schemeClr val="tx1"/>
+                </a:solidFill>
+              </a:rPr>
+              <a:t>DeMorgan’s</a:t>
+            </a:r>
+            <a:r>
+              <a:rPr lang="en-US" sz="3600" dirty="0" smtClean="0">
+                <a:solidFill>
+                  <a:schemeClr val="tx1"/>
+                </a:solidFill>
+              </a:rPr>
+              <a:t> Law for Quantifiers</a:t>
+            </a:r>
+            <a:endParaRPr lang="en-US" sz="3600" dirty="0">
+              <a:solidFill>
+                <a:schemeClr val="tx1"/>
+              </a:solidFill>
+            </a:endParaRPr>
+          </a:p>
+        </p:txBody>
+      </p:sp>
+      <p:sp>
+        <p:nvSpPr>
+          <p:cNvPr id="10" name="TextBox 9"/>
+          <p:cNvSpPr txBox="1"/>
+          <p:nvPr/>
+        </p:nvSpPr>
+        <p:spPr>
+          <a:xfrm>
+            <a:off x="635000" y="2342347"/>
+            <a:ext cx="7874000" cy="2170131"/>
+          </a:xfrm>
+          <a:prstGeom prst="rect">
+            <a:avLst/>
+          </a:prstGeom>
+          <a:noFill/>
+        </p:spPr>
+        <p:txBody>
+          <a:bodyPr wrap="square" rtlCol="0">
+            <a:spAutoFit/>
+          </a:bodyPr>
+          <a:lstStyle/>
+          <a:p>
+            <a:r>
+              <a:rPr lang="en-US" sz="4400" dirty="0" smtClean="0">
+                <a:solidFill>
+                  <a:srgbClr val="0000FF"/>
+                </a:solidFill>
+                <a:latin typeface="Comic Sans MS" pitchFamily="66" charset="0"/>
+                <a:sym typeface="Euclid Symbol" pitchFamily="18" charset="2"/>
+              </a:rPr>
+              <a:t>NOT</a:t>
+            </a:r>
+            <a:r>
+              <a:rPr lang="en-US" sz="6600" dirty="0" smtClean="0">
+                <a:solidFill>
+                  <a:srgbClr val="0000FF"/>
+                </a:solidFill>
+                <a:latin typeface="Comic Sans MS" pitchFamily="66" charset="0"/>
+                <a:sym typeface="Euclid Symbol" pitchFamily="18" charset="2"/>
+              </a:rPr>
+              <a:t>(</a:t>
+            </a:r>
+            <a:r>
+              <a:rPr lang="en-US" sz="6600" dirty="0" err="1" smtClean="0">
+                <a:solidFill>
+                  <a:srgbClr val="0000FF"/>
+                </a:solidFill>
+                <a:latin typeface="Comic Sans MS"/>
+                <a:cs typeface="Comic Sans MS"/>
+                <a:sym typeface="Euclid Symbol" pitchFamily="18" charset="2"/>
+              </a:rPr>
+              <a:t>AND</a:t>
+            </a:r>
+            <a:r>
+              <a:rPr lang="en-US" sz="6600" baseline="-25000" dirty="0" err="1" smtClean="0">
+                <a:solidFill>
+                  <a:srgbClr val="008000"/>
+                </a:solidFill>
+                <a:latin typeface="Comic Sans MS" pitchFamily="66" charset="0"/>
+              </a:rPr>
+              <a:t>x</a:t>
+            </a:r>
+            <a:r>
+              <a:rPr lang="en-US" sz="6600" dirty="0" smtClean="0">
+                <a:solidFill>
+                  <a:srgbClr val="0000FF"/>
+                </a:solidFill>
+                <a:latin typeface="Comic Sans MS" pitchFamily="66" charset="0"/>
+              </a:rPr>
+              <a:t> P(</a:t>
+            </a:r>
+            <a:r>
+              <a:rPr lang="en-US" sz="6600" dirty="0" smtClean="0">
+                <a:solidFill>
+                  <a:srgbClr val="008000"/>
+                </a:solidFill>
+                <a:latin typeface="Comic Sans MS" pitchFamily="66" charset="0"/>
+              </a:rPr>
+              <a:t>x</a:t>
+            </a:r>
+            <a:r>
+              <a:rPr lang="en-US" sz="6600" dirty="0" smtClean="0">
+                <a:solidFill>
+                  <a:srgbClr val="0000FF"/>
+                </a:solidFill>
+                <a:latin typeface="Comic Sans MS" pitchFamily="66" charset="0"/>
+              </a:rPr>
+              <a:t>))  </a:t>
+            </a:r>
+            <a:r>
+              <a:rPr lang="en-US" sz="4800" dirty="0" smtClean="0">
+                <a:solidFill>
+                  <a:srgbClr val="0000FF"/>
+                </a:solidFill>
+                <a:latin typeface="Comic Sans MS" pitchFamily="66" charset="0"/>
+                <a:sym typeface="Euclid Symbol" pitchFamily="18" charset="2"/>
+              </a:rPr>
+              <a:t>IFF</a:t>
+            </a:r>
+            <a:r>
+              <a:rPr lang="en-US" sz="5400" dirty="0" smtClean="0">
+                <a:solidFill>
+                  <a:srgbClr val="0000FF"/>
+                </a:solidFill>
+                <a:latin typeface="Comic Sans MS" pitchFamily="66" charset="0"/>
+                <a:sym typeface="Euclid Symbol" pitchFamily="18" charset="2"/>
+              </a:rPr>
+              <a:t> </a:t>
+            </a:r>
+            <a:r>
+              <a:rPr lang="en-US" sz="6600" dirty="0" err="1" smtClean="0">
+                <a:solidFill>
+                  <a:srgbClr val="0000FF"/>
+                </a:solidFill>
+                <a:latin typeface="Comic Sans MS"/>
+                <a:cs typeface="Comic Sans MS"/>
+                <a:sym typeface="Symbol"/>
+              </a:rPr>
+              <a:t>OR</a:t>
+            </a:r>
+            <a:r>
+              <a:rPr lang="en-US" sz="6000" baseline="-25000" dirty="0" err="1" smtClean="0">
+                <a:solidFill>
+                  <a:srgbClr val="660066"/>
+                </a:solidFill>
+                <a:latin typeface="Comic Sans MS" pitchFamily="66" charset="0"/>
+              </a:rPr>
+              <a:t>y</a:t>
+            </a:r>
+            <a:r>
+              <a:rPr lang="en-US" sz="6600" dirty="0" smtClean="0">
+                <a:solidFill>
+                  <a:srgbClr val="0000FF"/>
+                </a:solidFill>
+                <a:latin typeface="Comic Sans MS" pitchFamily="66" charset="0"/>
+              </a:rPr>
+              <a:t> </a:t>
+            </a:r>
+            <a:r>
+              <a:rPr lang="en-US" sz="4400" dirty="0" smtClean="0">
+                <a:solidFill>
+                  <a:srgbClr val="0000FF"/>
+                </a:solidFill>
+                <a:latin typeface="Comic Sans MS" pitchFamily="66" charset="0"/>
+              </a:rPr>
+              <a:t>NOT</a:t>
+            </a:r>
+            <a:r>
+              <a:rPr lang="en-US" sz="6600" dirty="0" smtClean="0">
+                <a:solidFill>
+                  <a:srgbClr val="0000FF"/>
+                </a:solidFill>
+                <a:latin typeface="Comic Sans MS" pitchFamily="66" charset="0"/>
+              </a:rPr>
+              <a:t>(P(</a:t>
+            </a:r>
+            <a:r>
+              <a:rPr lang="en-US" sz="6600" dirty="0" smtClean="0">
+                <a:solidFill>
+                  <a:srgbClr val="800000"/>
+                </a:solidFill>
+                <a:latin typeface="Comic Sans MS" pitchFamily="66" charset="0"/>
+              </a:rPr>
+              <a:t>y</a:t>
+            </a:r>
+            <a:r>
+              <a:rPr lang="en-US" sz="6600" dirty="0" smtClean="0">
+                <a:solidFill>
+                  <a:srgbClr val="0000FF"/>
+                </a:solidFill>
+                <a:latin typeface="Comic Sans MS" pitchFamily="66" charset="0"/>
+              </a:rPr>
+              <a:t>))</a:t>
+            </a:r>
+            <a:endParaRPr lang="en-US" sz="6600" dirty="0">
+              <a:solidFill>
+                <a:srgbClr val="0000FF"/>
+              </a:solidFill>
+              <a:latin typeface="Comic Sans MS" pitchFamily="66" charset="0"/>
+            </a:endParaRPr>
+          </a:p>
+        </p:txBody>
+      </p:sp>
+      <p:sp>
+        <p:nvSpPr>
+          <p:cNvPr id="11" name="TextBox 10"/>
+          <p:cNvSpPr txBox="1"/>
+          <p:nvPr/>
+        </p:nvSpPr>
+        <p:spPr>
+          <a:xfrm>
+            <a:off x="586154" y="1508370"/>
+            <a:ext cx="6104405" cy="769441"/>
+          </a:xfrm>
+          <a:prstGeom prst="rect">
+            <a:avLst/>
+          </a:prstGeom>
+          <a:noFill/>
+        </p:spPr>
+        <p:txBody>
+          <a:bodyPr wrap="none" rtlCol="0">
+            <a:spAutoFit/>
+          </a:bodyPr>
+          <a:lstStyle/>
+          <a:p>
+            <a:r>
+              <a:rPr lang="en-US" sz="4400" dirty="0" smtClean="0">
+                <a:latin typeface="Comic Sans MS" pitchFamily="66" charset="0"/>
+              </a:rPr>
+              <a:t>Another valid formula:</a:t>
+            </a:r>
+            <a:endParaRPr lang="en-US" sz="4400" dirty="0">
+              <a:latin typeface="Comic Sans MS" pitchFamily="66" charset="0"/>
+            </a:endParaRPr>
+          </a:p>
+        </p:txBody>
+      </p:sp>
+    </p:spTree>
+    <p:extLst>
+      <p:ext uri="{BB962C8B-B14F-4D97-AF65-F5344CB8AC3E}">
+        <p14:creationId xmlns:p14="http://schemas.microsoft.com/office/powerpoint/2010/main" val="4215429992"/>
+      </p:ext>
+    </p:extLst>
+  </p:cSld>
+  <p:clrMapOvr>
+    <a:masterClrMapping/>
+  </p:clrMapOvr>
+  <p:transition xmlns:p14="http://schemas.microsoft.com/office/powerpoint/2010/main" advClick="0">
+    <p:fade/>
+  </p:transition>
+  <p:timing>
+    <p:tnLst>
+      <p:par>
+        <p:cTn xmlns:p14="http://schemas.microsoft.com/office/powerpoint/2010/main" id="1" dur="indefinite" restart="never" nodeType="tmRoot"/>
+      </p:par>
+    </p:tnLst>
+  </p:timing>
+</p:sld>
+</file>
+
+<file path=ppt/slides/slide7.xml><?xml version="1.0" encoding="utf-8"?>
 <p:sld xmlns:a="http://schemas.openxmlformats.org/drawingml/2006/main" xmlns:r="http://schemas.openxmlformats.org/officeDocument/2006/relationships" xmlns:p="http://schemas.openxmlformats.org/presentationml/2006/main">
   <p:cSld>
     <p:spTree>
@@ -5845,7 +7398,7 @@
           <a:graphicData uri="http://schemas.openxmlformats.org/presentationml/2006/ole">
             <mc:AlternateContent xmlns:mc="http://schemas.openxmlformats.org/markup-compatibility/2006">
               <mc:Choice xmlns:v="urn:schemas-microsoft-com:vml" Requires="v">
-                <p:oleObj spid="_x0000_s467039" name="Equation" r:id="rId4" imgW="914400" imgH="198720" progId="Equation.DSMT4">
+                <p:oleObj spid="_x0000_s467056" name="Equation" r:id="rId4" imgW="914400" imgH="198720" progId="Equation.DSMT4">
                   <p:embed/>
                 </p:oleObj>
               </mc:Choice>
@@ -6170,7 +7723,7 @@
           <a:graphicData uri="http://schemas.openxmlformats.org/presentationml/2006/ole">
             <mc:AlternateContent xmlns:mc="http://schemas.openxmlformats.org/markup-compatibility/2006">
               <mc:Choice xmlns:v="urn:schemas-microsoft-com:vml" Requires="v">
-                <p:oleObj spid="_x0000_s467040" name="Equation" r:id="rId6" imgW="2032000" imgH="457200" progId="Equation.DSMT4">
+                <p:oleObj spid="_x0000_s467057" name="Equation" r:id="rId6" imgW="2032000" imgH="457200" progId="Equation.DSMT4">
                   <p:embed/>
                 </p:oleObj>
               </mc:Choice>
@@ -6602,7 +8155,7 @@
 </p:sld>
 </file>
 
-<file path=ppt/slides/slide6.xml><?xml version="1.0" encoding="utf-8"?>
+<file path=ppt/slides/slide8.xml><?xml version="1.0" encoding="utf-8"?>
 <p:sld xmlns:a="http://schemas.openxmlformats.org/drawingml/2006/main" xmlns:r="http://schemas.openxmlformats.org/officeDocument/2006/relationships" xmlns:p="http://schemas.openxmlformats.org/presentationml/2006/main">
   <p:cSld>
     <p:spTree>
@@ -7453,7 +9006,7 @@
           <a:graphicData uri="http://schemas.openxmlformats.org/presentationml/2006/ole">
             <mc:AlternateContent xmlns:mc="http://schemas.openxmlformats.org/markup-compatibility/2006">
               <mc:Choice xmlns:v="urn:schemas-microsoft-com:vml" Requires="v">
-                <p:oleObj spid="_x0000_s469049" name="Equation" r:id="rId4" imgW="914400" imgH="198720" progId="Equation.DSMT4">
+                <p:oleObj spid="_x0000_s469059" name="Equation" r:id="rId4" imgW="914400" imgH="198720" progId="Equation.DSMT4">
                   <p:embed/>
                 </p:oleObj>
               </mc:Choice>
@@ -8522,7 +10075,7 @@
 </p:sld>
 </file>
 
-<file path=ppt/slides/slide7.xml><?xml version="1.0" encoding="utf-8"?>
+<file path=ppt/slides/slide9.xml><?xml version="1.0" encoding="utf-8"?>
 <p:sld xmlns:a="http://schemas.openxmlformats.org/drawingml/2006/main" xmlns:r="http://schemas.openxmlformats.org/officeDocument/2006/relationships" xmlns:p="http://schemas.openxmlformats.org/presentationml/2006/main">
   <p:cSld>
     <p:spTree>
@@ -8887,7 +10440,7 @@
           <a:graphicData uri="http://schemas.openxmlformats.org/presentationml/2006/ole">
             <mc:AlternateContent xmlns:mc="http://schemas.openxmlformats.org/markup-compatibility/2006">
               <mc:Choice xmlns:v="urn:schemas-microsoft-com:vml" Requires="v">
-                <p:oleObj spid="_x0000_s480350" name="Equation" r:id="rId4" imgW="914400" imgH="198720" progId="Equation.DSMT4">
+                <p:oleObj spid="_x0000_s480367" name="Equation" r:id="rId4" imgW="914400" imgH="198720" progId="Equation.DSMT4">
                   <p:embed/>
                 </p:oleObj>
               </mc:Choice>
@@ -9087,7 +10640,7 @@
           <a:graphicData uri="http://schemas.openxmlformats.org/presentationml/2006/ole">
             <mc:AlternateContent xmlns:mc="http://schemas.openxmlformats.org/markup-compatibility/2006">
               <mc:Choice xmlns:v="urn:schemas-microsoft-com:vml" Requires="v">
-                <p:oleObj spid="_x0000_s480351" name="Equation" r:id="rId6" imgW="1968500" imgH="457200" progId="Equation.DSMT4">
+                <p:oleObj spid="_x0000_s480368" name="Equation" r:id="rId6" imgW="1968500" imgH="457200" progId="Equation.DSMT4">
                   <p:embed/>
                 </p:oleObj>
               </mc:Choice>
@@ -9616,631 +11169,6 @@
       <p:bldP spid="6" grpId="0" animBg="1"/>
       <p:bldP spid="7" grpId="0" animBg="1"/>
     </p:bldLst>
-  </p:timing>
-</p:sld>
-</file>
-
-<file path=ppt/slides/slide8.xml><?xml version="1.0" encoding="utf-8"?>
-<p:sld xmlns:a="http://schemas.openxmlformats.org/drawingml/2006/main" xmlns:r="http://schemas.openxmlformats.org/officeDocument/2006/relationships" xmlns:p="http://schemas.openxmlformats.org/presentationml/2006/main">
-  <p:cSld>
-    <p:spTree>
-      <p:nvGrpSpPr>
-        <p:cNvPr id="1" name=""/>
-        <p:cNvGrpSpPr/>
-        <p:nvPr/>
-      </p:nvGrpSpPr>
-      <p:grpSpPr>
-        <a:xfrm>
-          <a:off x="0" y="0"/>
-          <a:ext cx="0" cy="0"/>
-          <a:chOff x="0" y="0"/>
-          <a:chExt cx="0" cy="0"/>
-        </a:xfrm>
-      </p:grpSpPr>
-      <p:sp>
-        <p:nvSpPr>
-          <p:cNvPr id="57371" name="Text Box 27"/>
-          <p:cNvSpPr txBox="1">
-            <a:spLocks noGrp="1" noChangeArrowheads="1"/>
-          </p:cNvSpPr>
-          <p:nvPr>
-            <p:ph type="title"/>
-          </p:nvPr>
-        </p:nvSpPr>
-        <p:spPr>
-          <a:xfrm>
-            <a:off x="1585170" y="228600"/>
-            <a:ext cx="6040423" cy="1046527"/>
-          </a:xfrm>
-          <a:noFill/>
-          <a:ln/>
-        </p:spPr>
-        <p:txBody>
-          <a:bodyPr/>
-          <a:lstStyle/>
-          <a:p>
-            <a:pPr algn="l">
-              <a:spcBef>
-                <a:spcPct val="50000"/>
-              </a:spcBef>
-            </a:pPr>
-            <a:r>
-              <a:rPr lang="en-US" dirty="0">
-                <a:solidFill>
-                  <a:schemeClr val="tx1"/>
-                </a:solidFill>
-              </a:rPr>
-              <a:t>Universal Generalization (UG)</a:t>
-            </a:r>
-          </a:p>
-        </p:txBody>
-      </p:sp>
-      <p:graphicFrame>
-        <p:nvGraphicFramePr>
-          <p:cNvPr id="6" name="Object 5"/>
-          <p:cNvGraphicFramePr>
-            <a:graphicFrameLocks noChangeAspect="1"/>
-          </p:cNvGraphicFramePr>
-          <p:nvPr>
-            <p:extLst>
-              <p:ext uri="{D42A27DB-BD31-4B8C-83A1-F6EECF244321}">
-                <p14:modId xmlns:p14="http://schemas.microsoft.com/office/powerpoint/2010/main" val="590837344"/>
-              </p:ext>
-            </p:extLst>
-          </p:nvPr>
-        </p:nvGraphicFramePr>
-        <p:xfrm>
-          <a:off x="2752725" y="1092200"/>
-          <a:ext cx="3235325" cy="2752725"/>
-        </p:xfrm>
-        <a:graphic>
-          <a:graphicData uri="http://schemas.openxmlformats.org/presentationml/2006/ole">
-            <mc:AlternateContent xmlns:mc="http://schemas.openxmlformats.org/markup-compatibility/2006">
-              <mc:Choice xmlns:v="urn:schemas-microsoft-com:vml" Requires="v">
-                <p:oleObj spid="_x0000_s563262" name="Equation" r:id="rId4" imgW="596900" imgH="508000" progId="Equation.DSMT4">
-                  <p:embed/>
-                </p:oleObj>
-              </mc:Choice>
-              <mc:Fallback>
-                <p:oleObj name="Equation" r:id="rId4" imgW="596900" imgH="508000" progId="Equation.DSMT4">
-                  <p:embed/>
-                  <p:pic>
-                    <p:nvPicPr>
-                      <p:cNvPr id="0" name=""/>
-                      <p:cNvPicPr>
-                        <a:picLocks noChangeAspect="1" noChangeArrowheads="1"/>
-                      </p:cNvPicPr>
-                      <p:nvPr/>
-                    </p:nvPicPr>
-                    <p:blipFill>
-                      <a:blip r:embed="rId5"/>
-                      <a:srcRect/>
-                      <a:stretch>
-                        <a:fillRect/>
-                      </a:stretch>
-                    </p:blipFill>
-                    <p:spPr bwMode="auto">
-                      <a:xfrm>
-                        <a:off x="2752725" y="1092200"/>
-                        <a:ext cx="3235325" cy="2752725"/>
-                      </a:xfrm>
-                      <a:prstGeom prst="rect">
-                        <a:avLst/>
-                      </a:prstGeom>
-                      <a:noFill/>
-                      <a:extLst>
-                        <a:ext uri="{909E8E84-426E-40dd-AFC4-6F175D3DCCD1}">
-                          <a14:hiddenFill xmlns:a14="http://schemas.microsoft.com/office/drawing/2010/main">
-                            <a:solidFill>
-                              <a:srgbClr val="FFFFFF"/>
-                            </a:solidFill>
-                          </a14:hiddenFill>
-                        </a:ext>
-                      </a:extLst>
-                    </p:spPr>
-                  </p:pic>
-                </p:oleObj>
-              </mc:Fallback>
-            </mc:AlternateContent>
-          </a:graphicData>
-        </a:graphic>
-      </p:graphicFrame>
-      <p:sp>
-        <p:nvSpPr>
-          <p:cNvPr id="2" name="TextBox 1"/>
-          <p:cNvSpPr txBox="1"/>
-          <p:nvPr/>
-        </p:nvSpPr>
-        <p:spPr>
-          <a:xfrm>
-            <a:off x="244240" y="3839465"/>
-            <a:ext cx="8634179" cy="1569660"/>
-          </a:xfrm>
-          <a:prstGeom prst="rect">
-            <a:avLst/>
-          </a:prstGeom>
-          <a:noFill/>
-        </p:spPr>
-        <p:txBody>
-          <a:bodyPr wrap="square" rtlCol="0">
-            <a:spAutoFit/>
-          </a:bodyPr>
-          <a:lstStyle/>
-          <a:p>
-            <a:pPr>
-              <a:spcBef>
-                <a:spcPts val="0"/>
-              </a:spcBef>
-            </a:pPr>
-            <a:r>
-              <a:rPr lang="en-US" sz="4800" dirty="0" smtClean="0">
-                <a:latin typeface="Comic Sans MS" pitchFamily="66" charset="0"/>
-              </a:rPr>
-              <a:t>where</a:t>
-            </a:r>
-            <a:r>
-              <a:rPr lang="en-US" sz="4800" dirty="0" smtClean="0">
-                <a:solidFill>
-                  <a:srgbClr val="008000"/>
-                </a:solidFill>
-                <a:latin typeface="Comic Sans MS" pitchFamily="66" charset="0"/>
-                <a:sym typeface="Euclid Symbol" pitchFamily="18" charset="2"/>
-              </a:rPr>
-              <a:t> </a:t>
-            </a:r>
-            <a:r>
-              <a:rPr lang="en-US" sz="4800" dirty="0">
-                <a:solidFill>
-                  <a:srgbClr val="CC0099"/>
-                </a:solidFill>
-                <a:latin typeface="Comic Sans MS" pitchFamily="66" charset="0"/>
-                <a:sym typeface="Euclid Symbol" pitchFamily="18" charset="2"/>
-              </a:rPr>
-              <a:t>c</a:t>
-            </a:r>
-            <a:r>
-              <a:rPr lang="en-US" sz="4800" dirty="0">
-                <a:solidFill>
-                  <a:srgbClr val="0000FF"/>
-                </a:solidFill>
-                <a:latin typeface="Comic Sans MS" pitchFamily="66" charset="0"/>
-                <a:sym typeface="Euclid Symbol" pitchFamily="18" charset="2"/>
-              </a:rPr>
-              <a:t> </a:t>
-            </a:r>
-            <a:r>
-              <a:rPr lang="en-US" sz="4800" dirty="0" smtClean="0">
-                <a:latin typeface="Comic Sans MS" pitchFamily="66" charset="0"/>
-                <a:sym typeface="Euclid Symbol" pitchFamily="18" charset="2"/>
-              </a:rPr>
-              <a:t>is a constant symbol</a:t>
-            </a:r>
-          </a:p>
-          <a:p>
-            <a:pPr>
-              <a:spcBef>
-                <a:spcPts val="0"/>
-              </a:spcBef>
-            </a:pPr>
-            <a:r>
-              <a:rPr lang="en-US" sz="4800" dirty="0" smtClean="0">
-                <a:latin typeface="Comic Sans MS" pitchFamily="66" charset="0"/>
-                <a:sym typeface="Euclid Symbol" pitchFamily="18" charset="2"/>
-              </a:rPr>
-              <a:t>that </a:t>
-            </a:r>
-            <a:r>
-              <a:rPr lang="en-US" sz="4800" dirty="0">
-                <a:latin typeface="Comic Sans MS" pitchFamily="66" charset="0"/>
-                <a:sym typeface="Euclid Symbol" pitchFamily="18" charset="2"/>
-              </a:rPr>
-              <a:t>has not appeared </a:t>
-            </a:r>
-            <a:r>
-              <a:rPr lang="en-US" sz="4800" dirty="0" smtClean="0">
-                <a:latin typeface="Comic Sans MS" pitchFamily="66" charset="0"/>
-                <a:sym typeface="Euclid Symbol" pitchFamily="18" charset="2"/>
-              </a:rPr>
-              <a:t>earlier</a:t>
-            </a:r>
-            <a:endParaRPr lang="en-US" sz="4800" dirty="0" smtClean="0">
-              <a:latin typeface="Comic Sans MS"/>
-              <a:cs typeface="Comic Sans MS"/>
-            </a:endParaRPr>
-          </a:p>
-        </p:txBody>
-      </p:sp>
-    </p:spTree>
-  </p:cSld>
-  <p:clrMapOvr>
-    <a:masterClrMapping/>
-  </p:clrMapOvr>
-  <p:transition xmlns:p14="http://schemas.microsoft.com/office/powerpoint/2010/main" spd="slow" advClick="0">
-    <p:fade thruBlk="1"/>
-  </p:transition>
-  <p:timing>
-    <p:tnLst>
-      <p:par>
-        <p:cTn xmlns:p14="http://schemas.microsoft.com/office/powerpoint/2010/main" id="1" dur="indefinite" restart="never" nodeType="tmRoot">
-          <p:childTnLst>
-            <p:seq concurrent="1" nextAc="seek">
-              <p:cTn id="2" dur="indefinite" nodeType="mainSeq">
-                <p:childTnLst>
-                  <p:par>
-                    <p:cTn id="3" fill="hold">
-                      <p:stCondLst>
-                        <p:cond delay="indefinite"/>
-                      </p:stCondLst>
-                      <p:childTnLst>
-                        <p:par>
-                          <p:cTn id="4" fill="hold">
-                            <p:stCondLst>
-                              <p:cond delay="0"/>
-                            </p:stCondLst>
-                            <p:childTnLst>
-                              <p:par>
-                                <p:cTn id="5" presetID="10" presetClass="entr" presetSubtype="0" fill="hold" nodeType="clickEffect">
-                                  <p:stCondLst>
-                                    <p:cond delay="0"/>
-                                  </p:stCondLst>
-                                  <p:childTnLst>
-                                    <p:set>
-                                      <p:cBhvr>
-                                        <p:cTn id="6" dur="1" fill="hold">
-                                          <p:stCondLst>
-                                            <p:cond delay="0"/>
-                                          </p:stCondLst>
-                                        </p:cTn>
-                                        <p:tgtEl>
-                                          <p:spTgt spid="2">
-                                            <p:txEl>
-                                              <p:pRg st="0" end="0"/>
-                                            </p:txEl>
-                                          </p:spTgt>
-                                        </p:tgtEl>
-                                        <p:attrNameLst>
-                                          <p:attrName>style.visibility</p:attrName>
-                                        </p:attrNameLst>
-                                      </p:cBhvr>
-                                      <p:to>
-                                        <p:strVal val="visible"/>
-                                      </p:to>
-                                    </p:set>
-                                    <p:animEffect transition="in" filter="fade">
-                                      <p:cBhvr>
-                                        <p:cTn id="7" dur="500"/>
-                                        <p:tgtEl>
-                                          <p:spTgt spid="2">
-                                            <p:txEl>
-                                              <p:pRg st="0" end="0"/>
-                                            </p:txEl>
-                                          </p:spTgt>
-                                        </p:tgtEl>
-                                      </p:cBhvr>
-                                    </p:animEffect>
-                                  </p:childTnLst>
-                                </p:cTn>
-                              </p:par>
-                            </p:childTnLst>
-                          </p:cTn>
-                        </p:par>
-                        <p:par>
-                          <p:cTn id="8" fill="hold">
-                            <p:stCondLst>
-                              <p:cond delay="500"/>
-                            </p:stCondLst>
-                            <p:childTnLst>
-                              <p:par>
-                                <p:cTn id="9" presetID="10" presetClass="entr" presetSubtype="0" fill="hold" nodeType="afterEffect">
-                                  <p:stCondLst>
-                                    <p:cond delay="0"/>
-                                  </p:stCondLst>
-                                  <p:childTnLst>
-                                    <p:set>
-                                      <p:cBhvr>
-                                        <p:cTn id="10" dur="1" fill="hold">
-                                          <p:stCondLst>
-                                            <p:cond delay="0"/>
-                                          </p:stCondLst>
-                                        </p:cTn>
-                                        <p:tgtEl>
-                                          <p:spTgt spid="2">
-                                            <p:txEl>
-                                              <p:pRg st="1" end="1"/>
-                                            </p:txEl>
-                                          </p:spTgt>
-                                        </p:tgtEl>
-                                        <p:attrNameLst>
-                                          <p:attrName>style.visibility</p:attrName>
-                                        </p:attrNameLst>
-                                      </p:cBhvr>
-                                      <p:to>
-                                        <p:strVal val="visible"/>
-                                      </p:to>
-                                    </p:set>
-                                    <p:animEffect transition="in" filter="fade">
-                                      <p:cBhvr>
-                                        <p:cTn id="11" dur="1000"/>
-                                        <p:tgtEl>
-                                          <p:spTgt spid="2">
-                                            <p:txEl>
-                                              <p:pRg st="1" end="1"/>
-                                            </p:txEl>
-                                          </p:spTgt>
-                                        </p:tgtEl>
-                                      </p:cBhvr>
-                                    </p:animEffect>
-                                  </p:childTnLst>
-                                </p:cTn>
-                              </p:par>
-                            </p:childTnLst>
-                          </p:cTn>
-                        </p:par>
-                      </p:childTnLst>
-                    </p:cTn>
-                  </p:par>
-                </p:childTnLst>
-              </p:cTn>
-              <p:prevCondLst>
-                <p:cond evt="onPrev" delay="0">
-                  <p:tgtEl>
-                    <p:sldTgt/>
-                  </p:tgtEl>
-                </p:cond>
-              </p:prevCondLst>
-              <p:nextCondLst>
-                <p:cond evt="onNext" delay="0">
-                  <p:tgtEl>
-                    <p:sldTgt/>
-                  </p:tgtEl>
-                </p:cond>
-              </p:nextCondLst>
-            </p:seq>
-          </p:childTnLst>
-        </p:cTn>
-      </p:par>
-    </p:tnLst>
-  </p:timing>
-</p:sld>
-</file>
-
-<file path=ppt/slides/slide9.xml><?xml version="1.0" encoding="utf-8"?>
-<p:sld xmlns:a="http://schemas.openxmlformats.org/drawingml/2006/main" xmlns:r="http://schemas.openxmlformats.org/officeDocument/2006/relationships" xmlns:p="http://schemas.openxmlformats.org/presentationml/2006/main">
-  <p:cSld>
-    <p:spTree>
-      <p:nvGrpSpPr>
-        <p:cNvPr id="1" name=""/>
-        <p:cNvGrpSpPr/>
-        <p:nvPr/>
-      </p:nvGrpSpPr>
-      <p:grpSpPr>
-        <a:xfrm>
-          <a:off x="0" y="0"/>
-          <a:ext cx="0" cy="0"/>
-          <a:chOff x="0" y="0"/>
-          <a:chExt cx="0" cy="0"/>
-        </a:xfrm>
-      </p:grpSpPr>
-      <p:sp>
-        <p:nvSpPr>
-          <p:cNvPr id="57371" name="Text Box 27"/>
-          <p:cNvSpPr txBox="1">
-            <a:spLocks noGrp="1" noChangeArrowheads="1"/>
-          </p:cNvSpPr>
-          <p:nvPr>
-            <p:ph type="title"/>
-          </p:nvPr>
-        </p:nvSpPr>
-        <p:spPr>
-          <a:xfrm>
-            <a:off x="1585170" y="228600"/>
-            <a:ext cx="6040423" cy="1046527"/>
-          </a:xfrm>
-          <a:noFill/>
-          <a:ln/>
-        </p:spPr>
-        <p:txBody>
-          <a:bodyPr/>
-          <a:lstStyle/>
-          <a:p>
-            <a:pPr algn="l">
-              <a:spcBef>
-                <a:spcPct val="50000"/>
-              </a:spcBef>
-            </a:pPr>
-            <a:r>
-              <a:rPr lang="en-US" dirty="0">
-                <a:solidFill>
-                  <a:schemeClr val="tx1"/>
-                </a:solidFill>
-              </a:rPr>
-              <a:t>Universal Generalization (UG)</a:t>
-            </a:r>
-          </a:p>
-        </p:txBody>
-      </p:sp>
-      <p:graphicFrame>
-        <p:nvGraphicFramePr>
-          <p:cNvPr id="6" name="Object 5"/>
-          <p:cNvGraphicFramePr>
-            <a:graphicFrameLocks noChangeAspect="1"/>
-          </p:cNvGraphicFramePr>
-          <p:nvPr>
-            <p:extLst>
-              <p:ext uri="{D42A27DB-BD31-4B8C-83A1-F6EECF244321}">
-                <p14:modId xmlns:p14="http://schemas.microsoft.com/office/powerpoint/2010/main" val="2896761848"/>
-              </p:ext>
-            </p:extLst>
-          </p:nvPr>
-        </p:nvGraphicFramePr>
-        <p:xfrm>
-          <a:off x="2752725" y="1092200"/>
-          <a:ext cx="3235325" cy="2752725"/>
-        </p:xfrm>
-        <a:graphic>
-          <a:graphicData uri="http://schemas.openxmlformats.org/presentationml/2006/ole">
-            <mc:AlternateContent xmlns:mc="http://schemas.openxmlformats.org/markup-compatibility/2006">
-              <mc:Choice xmlns:v="urn:schemas-microsoft-com:vml" Requires="v">
-                <p:oleObj spid="_x0000_s569349" name="Equation" r:id="rId4" imgW="596900" imgH="508000" progId="Equation.DSMT4">
-                  <p:embed/>
-                </p:oleObj>
-              </mc:Choice>
-              <mc:Fallback>
-                <p:oleObj name="Equation" r:id="rId4" imgW="596900" imgH="508000" progId="Equation.DSMT4">
-                  <p:embed/>
-                  <p:pic>
-                    <p:nvPicPr>
-                      <p:cNvPr id="0" name=""/>
-                      <p:cNvPicPr>
-                        <a:picLocks noChangeAspect="1" noChangeArrowheads="1"/>
-                      </p:cNvPicPr>
-                      <p:nvPr/>
-                    </p:nvPicPr>
-                    <p:blipFill>
-                      <a:blip r:embed="rId5"/>
-                      <a:srcRect/>
-                      <a:stretch>
-                        <a:fillRect/>
-                      </a:stretch>
-                    </p:blipFill>
-                    <p:spPr bwMode="auto">
-                      <a:xfrm>
-                        <a:off x="2752725" y="1092200"/>
-                        <a:ext cx="3235325" cy="2752725"/>
-                      </a:xfrm>
-                      <a:prstGeom prst="rect">
-                        <a:avLst/>
-                      </a:prstGeom>
-                      <a:noFill/>
-                      <a:extLst>
-                        <a:ext uri="{909E8E84-426E-40dd-AFC4-6F175D3DCCD1}">
-                          <a14:hiddenFill xmlns:a14="http://schemas.microsoft.com/office/drawing/2010/main">
-                            <a:solidFill>
-                              <a:srgbClr val="FFFFFF"/>
-                            </a:solidFill>
-                          </a14:hiddenFill>
-                        </a:ext>
-                      </a:extLst>
-                    </p:spPr>
-                  </p:pic>
-                </p:oleObj>
-              </mc:Fallback>
-            </mc:AlternateContent>
-          </a:graphicData>
-        </a:graphic>
-      </p:graphicFrame>
-      <p:sp>
-        <p:nvSpPr>
-          <p:cNvPr id="2" name="TextBox 1"/>
-          <p:cNvSpPr txBox="1"/>
-          <p:nvPr/>
-        </p:nvSpPr>
-        <p:spPr>
-          <a:xfrm>
-            <a:off x="742780" y="3839465"/>
-            <a:ext cx="7767675" cy="1015663"/>
-          </a:xfrm>
-          <a:prstGeom prst="rect">
-            <a:avLst/>
-          </a:prstGeom>
-          <a:noFill/>
-        </p:spPr>
-        <p:txBody>
-          <a:bodyPr wrap="square" rtlCol="0">
-            <a:spAutoFit/>
-          </a:bodyPr>
-          <a:lstStyle/>
-          <a:p>
-            <a:pPr>
-              <a:spcBef>
-                <a:spcPts val="0"/>
-              </a:spcBef>
-            </a:pPr>
-            <a:r>
-              <a:rPr lang="en-US" sz="6000" dirty="0" smtClean="0">
-                <a:latin typeface="Comic Sans MS" pitchFamily="66" charset="0"/>
-              </a:rPr>
-              <a:t> </a:t>
-            </a:r>
-            <a:r>
-              <a:rPr lang="en-US" sz="6000" dirty="0" smtClean="0">
-                <a:solidFill>
-                  <a:srgbClr val="CC0099"/>
-                </a:solidFill>
-                <a:latin typeface="Comic Sans MS" pitchFamily="66" charset="0"/>
-                <a:sym typeface="Euclid Symbol" pitchFamily="18" charset="2"/>
-              </a:rPr>
-              <a:t>c</a:t>
-            </a:r>
-            <a:r>
-              <a:rPr lang="en-US" sz="6000" dirty="0" smtClean="0">
-                <a:solidFill>
-                  <a:srgbClr val="0000FF"/>
-                </a:solidFill>
-                <a:latin typeface="Comic Sans MS" pitchFamily="66" charset="0"/>
-                <a:sym typeface="Euclid Symbol" pitchFamily="18" charset="2"/>
-              </a:rPr>
-              <a:t> </a:t>
-            </a:r>
-            <a:r>
-              <a:rPr lang="en-US" sz="6000" dirty="0" smtClean="0">
-                <a:latin typeface="Comic Sans MS" pitchFamily="66" charset="0"/>
-                <a:sym typeface="Euclid Symbol" pitchFamily="18" charset="2"/>
-              </a:rPr>
-              <a:t>is a “</a:t>
-            </a:r>
-            <a:r>
-              <a:rPr lang="en-US" sz="6000" dirty="0" smtClean="0">
-                <a:solidFill>
-                  <a:srgbClr val="008000"/>
-                </a:solidFill>
-                <a:latin typeface="Comic Sans MS" pitchFamily="66" charset="0"/>
-                <a:sym typeface="Euclid Symbol" pitchFamily="18" charset="2"/>
-              </a:rPr>
-              <a:t>fresh</a:t>
-            </a:r>
-            <a:r>
-              <a:rPr lang="en-US" sz="6000" dirty="0" smtClean="0">
-                <a:latin typeface="Comic Sans MS" pitchFamily="66" charset="0"/>
-                <a:sym typeface="Euclid Symbol" pitchFamily="18" charset="2"/>
-              </a:rPr>
-              <a:t> symbol”</a:t>
-            </a:r>
-            <a:endParaRPr lang="en-US" sz="6000" dirty="0" smtClean="0">
-              <a:latin typeface="Comic Sans MS"/>
-              <a:cs typeface="Comic Sans MS"/>
-            </a:endParaRPr>
-          </a:p>
-        </p:txBody>
-      </p:sp>
-    </p:spTree>
-    <p:extLst>
-      <p:ext uri="{BB962C8B-B14F-4D97-AF65-F5344CB8AC3E}">
-        <p14:creationId xmlns:p14="http://schemas.microsoft.com/office/powerpoint/2010/main" val="3427202225"/>
-      </p:ext>
-    </p:extLst>
-  </p:cSld>
-  <p:clrMapOvr>
-    <a:masterClrMapping/>
-  </p:clrMapOvr>
-  <mc:AlternateContent xmlns:mc="http://schemas.openxmlformats.org/markup-compatibility/2006" xmlns:p14="http://schemas.microsoft.com/office/powerpoint/2010/main">
-    <mc:Choice Requires="p14">
-      <p:transition spd="med" p14:dur="700" advClick="0">
-        <p:fade/>
-      </p:transition>
-    </mc:Choice>
-    <mc:Fallback xmlns="">
-      <p:transition xmlns:p14="http://schemas.microsoft.com/office/powerpoint/2010/main" spd="med" advClick="0">
-        <p:fade/>
-      </p:transition>
-    </mc:Fallback>
-  </mc:AlternateContent>
-  <p:timing>
-    <p:tnLst>
-      <p:par>
-        <p:cTn xmlns:p14="http://schemas.microsoft.com/office/powerpoint/2010/main" id="1" dur="indefinite" restart="never" nodeType="tmRoot"/>
-      </p:par>
-    </p:tnLst>
   </p:timing>
 </p:sld>
 </file>

--- a/spring16/slidesS16/predicate-logic2.pptx
+++ b/spring16/slidesS16/predicate-logic2.pptx
@@ -2676,7 +2676,22 @@
                 <a:uFillTx/>
                 <a:latin typeface="Comic Sans MS" pitchFamily="66" charset="0"/>
               </a:rPr>
-              <a:t>Albert R Meyer,        February 17, 2012</a:t>
+              <a:t>Albert R Meyer,        February </a:t>
+            </a:r>
+            <a:r>
+              <a:rPr kumimoji="0" lang="en-US" sz="1200" b="0" i="0" u="none" strike="noStrike" kern="1200" cap="none" spc="0" normalizeH="0" baseline="0" noProof="0" dirty="0" smtClean="0">
+                <a:ln>
+                  <a:noFill/>
+                </a:ln>
+                <a:solidFill>
+                  <a:schemeClr val="tx1"/>
+                </a:solidFill>
+                <a:effectLst/>
+                <a:uLnTx/>
+                <a:uFillTx/>
+                <a:latin typeface="Comic Sans MS" pitchFamily="66" charset="0"/>
+              </a:rPr>
+              <a:t>16, 2016</a:t>
             </a:r>
             <a:endParaRPr kumimoji="0" lang="en-US" sz="1200" b="0" i="0" u="none" strike="noStrike" kern="1200" cap="none" spc="0" normalizeH="0" baseline="0" noProof="0" dirty="0">
               <a:ln>
@@ -3485,7 +3500,7 @@
           <a:graphicData uri="http://schemas.openxmlformats.org/presentationml/2006/ole">
             <mc:AlternateContent xmlns:mc="http://schemas.openxmlformats.org/markup-compatibility/2006">
               <mc:Choice xmlns:v="urn:schemas-microsoft-com:vml" Requires="v">
-                <p:oleObj spid="_x0000_s563272" name="Equation" r:id="rId4" imgW="609600" imgH="508000" progId="Equation.DSMT4">
+                <p:oleObj spid="_x0000_s563274" name="Equation" r:id="rId4" imgW="609600" imgH="508000" progId="Equation.DSMT4">
                   <p:embed/>
                 </p:oleObj>
               </mc:Choice>
@@ -3953,7 +3968,7 @@
           <a:graphicData uri="http://schemas.openxmlformats.org/presentationml/2006/ole">
             <mc:AlternateContent xmlns:mc="http://schemas.openxmlformats.org/markup-compatibility/2006">
               <mc:Choice xmlns:v="urn:schemas-microsoft-com:vml" Requires="v">
-                <p:oleObj spid="_x0000_s569359" name="Equation" r:id="rId4" imgW="609600" imgH="508000" progId="Equation.DSMT4">
+                <p:oleObj spid="_x0000_s569361" name="Equation" r:id="rId4" imgW="609600" imgH="508000" progId="Equation.DSMT4">
                   <p:embed/>
                 </p:oleObj>
               </mc:Choice>
@@ -4160,7 +4175,7 @@
             <a:graphicData uri="http://schemas.openxmlformats.org/presentationml/2006/ole">
               <mc:AlternateContent xmlns:mc="http://schemas.openxmlformats.org/markup-compatibility/2006">
                 <mc:Choice xmlns:v="urn:schemas-microsoft-com:vml" Requires="v">
-                  <p:oleObj spid="_x0000_s565293" name="Equation" r:id="rId4" imgW="330200" imgH="215900" progId="Equation.DSMT4">
+                  <p:oleObj spid="_x0000_s565297" name="Equation" r:id="rId4" imgW="330200" imgH="215900" progId="Equation.DSMT4">
                     <p:embed/>
                   </p:oleObj>
                 </mc:Choice>
@@ -4230,7 +4245,7 @@
             <a:graphicData uri="http://schemas.openxmlformats.org/presentationml/2006/ole">
               <mc:AlternateContent xmlns:mc="http://schemas.openxmlformats.org/markup-compatibility/2006">
                 <mc:Choice xmlns:v="urn:schemas-microsoft-com:vml" Requires="v">
-                  <p:oleObj spid="_x0000_s565294" name="Equation" r:id="rId6" imgW="584200" imgH="228600" progId="Equation.DSMT4">
+                  <p:oleObj spid="_x0000_s565298" name="Equation" r:id="rId6" imgW="584200" imgH="228600" progId="Equation.DSMT4">
                     <p:embed/>
                   </p:oleObj>
                 </mc:Choice>
@@ -4374,7 +4389,7 @@
           <a:graphicData uri="http://schemas.openxmlformats.org/presentationml/2006/ole">
             <mc:AlternateContent xmlns:mc="http://schemas.openxmlformats.org/markup-compatibility/2006">
               <mc:Choice xmlns:v="urn:schemas-microsoft-com:vml" Requires="v">
-                <p:oleObj spid="_x0000_s565295" name="Equation" r:id="rId8" imgW="609600" imgH="508000" progId="Equation.DSMT4">
+                <p:oleObj spid="_x0000_s565299" name="Equation" r:id="rId8" imgW="609600" imgH="508000" progId="Equation.DSMT4">
                   <p:embed/>
                 </p:oleObj>
               </mc:Choice>
@@ -4688,7 +4703,7 @@
           <a:graphicData uri="http://schemas.openxmlformats.org/presentationml/2006/ole">
             <mc:AlternateContent xmlns:mc="http://schemas.openxmlformats.org/markup-compatibility/2006">
               <mc:Choice xmlns:v="urn:schemas-microsoft-com:vml" Requires="v">
-                <p:oleObj spid="_x0000_s567330" name="Equation" r:id="rId4" imgW="609600" imgH="508000" progId="Equation.DSMT4">
+                <p:oleObj spid="_x0000_s567332" name="Equation" r:id="rId4" imgW="609600" imgH="508000" progId="Equation.DSMT4">
                   <p:embed/>
                 </p:oleObj>
               </mc:Choice>
@@ -4987,7 +5002,7 @@
             <a:graphicData uri="http://schemas.openxmlformats.org/presentationml/2006/ole">
               <mc:AlternateContent xmlns:mc="http://schemas.openxmlformats.org/markup-compatibility/2006">
                 <mc:Choice xmlns:v="urn:schemas-microsoft-com:vml" Requires="v">
-                  <p:oleObj spid="_x0000_s566311" name="Equation" r:id="rId4" imgW="330200" imgH="215900" progId="Equation.DSMT4">
+                  <p:oleObj spid="_x0000_s566314" name="Equation" r:id="rId4" imgW="330200" imgH="215900" progId="Equation.DSMT4">
                     <p:embed/>
                   </p:oleObj>
                 </mc:Choice>
@@ -5108,7 +5123,7 @@
             <a:graphicData uri="http://schemas.openxmlformats.org/presentationml/2006/ole">
               <mc:AlternateContent xmlns:mc="http://schemas.openxmlformats.org/markup-compatibility/2006">
                 <mc:Choice xmlns:v="urn:schemas-microsoft-com:vml" Requires="v">
-                  <p:oleObj spid="_x0000_s566312" name="Equation" r:id="rId6" imgW="584200" imgH="228600" progId="Equation.DSMT4">
+                  <p:oleObj spid="_x0000_s566315" name="Equation" r:id="rId6" imgW="584200" imgH="228600" progId="Equation.DSMT4">
                     <p:embed/>
                   </p:oleObj>
                 </mc:Choice>
@@ -5490,7 +5505,7 @@
           <a:graphicData uri="http://schemas.openxmlformats.org/presentationml/2006/ole">
             <mc:AlternateContent xmlns:mc="http://schemas.openxmlformats.org/markup-compatibility/2006">
               <mc:Choice xmlns:v="urn:schemas-microsoft-com:vml" Requires="v">
-                <p:oleObj spid="_x0000_s1069" name="Equation" r:id="rId4" imgW="914400" imgH="198720" progId="Equation.DSMT4">
+                <p:oleObj spid="_x0000_s1072" name="Equation" r:id="rId4" imgW="914400" imgH="198720" progId="Equation.DSMT4">
                   <p:embed/>
                 </p:oleObj>
               </mc:Choice>
@@ -5566,7 +5581,7 @@
           <a:graphicData uri="http://schemas.openxmlformats.org/presentationml/2006/ole">
             <mc:AlternateContent xmlns:mc="http://schemas.openxmlformats.org/markup-compatibility/2006">
               <mc:Choice xmlns:v="urn:schemas-microsoft-com:vml" Requires="v">
-                <p:oleObj spid="_x0000_s1070" name="Equation" r:id="rId6" imgW="2146300" imgH="215900" progId="Equation.3">
+                <p:oleObj spid="_x0000_s1073" name="Equation" r:id="rId6" imgW="2146300" imgH="215900" progId="Equation.3">
                   <p:embed/>
                 </p:oleObj>
               </mc:Choice>
@@ -5835,7 +5850,7 @@
           <a:graphicData uri="http://schemas.openxmlformats.org/presentationml/2006/ole">
             <mc:AlternateContent xmlns:mc="http://schemas.openxmlformats.org/markup-compatibility/2006">
               <mc:Choice xmlns:v="urn:schemas-microsoft-com:vml" Requires="v">
-                <p:oleObj spid="_x0000_s299163" name="Equation" r:id="rId4" imgW="914400" imgH="198720" progId="Equation.DSMT4">
+                <p:oleObj spid="_x0000_s299167" name="Equation" r:id="rId4" imgW="914400" imgH="198720" progId="Equation.DSMT4">
                   <p:embed/>
                 </p:oleObj>
               </mc:Choice>
@@ -5905,7 +5920,7 @@
           <a:graphicData uri="http://schemas.openxmlformats.org/presentationml/2006/ole">
             <mc:AlternateContent xmlns:mc="http://schemas.openxmlformats.org/markup-compatibility/2006">
               <mc:Choice xmlns:v="urn:schemas-microsoft-com:vml" Requires="v">
-                <p:oleObj spid="_x0000_s299164" name="Equation" r:id="rId6" imgW="914400" imgH="198720" progId="Equation.DSMT4">
+                <p:oleObj spid="_x0000_s299168" name="Equation" r:id="rId6" imgW="914400" imgH="198720" progId="Equation.DSMT4">
                   <p:embed/>
                 </p:oleObj>
               </mc:Choice>
@@ -6034,7 +6049,7 @@
           <a:graphicData uri="http://schemas.openxmlformats.org/presentationml/2006/ole">
             <mc:AlternateContent xmlns:mc="http://schemas.openxmlformats.org/markup-compatibility/2006">
               <mc:Choice xmlns:v="urn:schemas-microsoft-com:vml" Requires="v">
-                <p:oleObj spid="_x0000_s299165" name="Equation" r:id="rId8" imgW="2032000" imgH="457200" progId="Equation.DSMT4">
+                <p:oleObj spid="_x0000_s299169" name="Equation" r:id="rId8" imgW="2032000" imgH="457200" progId="Equation.DSMT4">
                   <p:embed/>
                 </p:oleObj>
               </mc:Choice>
@@ -6314,7 +6329,7 @@
           <a:graphicData uri="http://schemas.openxmlformats.org/presentationml/2006/ole">
             <mc:AlternateContent xmlns:mc="http://schemas.openxmlformats.org/markup-compatibility/2006">
               <mc:Choice xmlns:v="urn:schemas-microsoft-com:vml" Requires="v">
-                <p:oleObj spid="_x0000_s573461" name="Equation" r:id="rId4" imgW="914400" imgH="198720" progId="Equation.DSMT4">
+                <p:oleObj spid="_x0000_s573465" name="Equation" r:id="rId4" imgW="914400" imgH="198720" progId="Equation.DSMT4">
                   <p:embed/>
                 </p:oleObj>
               </mc:Choice>
@@ -6384,7 +6399,7 @@
           <a:graphicData uri="http://schemas.openxmlformats.org/presentationml/2006/ole">
             <mc:AlternateContent xmlns:mc="http://schemas.openxmlformats.org/markup-compatibility/2006">
               <mc:Choice xmlns:v="urn:schemas-microsoft-com:vml" Requires="v">
-                <p:oleObj spid="_x0000_s573462" name="Equation" r:id="rId6" imgW="914400" imgH="198720" progId="Equation.DSMT4">
+                <p:oleObj spid="_x0000_s573466" name="Equation" r:id="rId6" imgW="914400" imgH="198720" progId="Equation.DSMT4">
                   <p:embed/>
                 </p:oleObj>
               </mc:Choice>
@@ -6513,7 +6528,7 @@
           <a:graphicData uri="http://schemas.openxmlformats.org/presentationml/2006/ole">
             <mc:AlternateContent xmlns:mc="http://schemas.openxmlformats.org/markup-compatibility/2006">
               <mc:Choice xmlns:v="urn:schemas-microsoft-com:vml" Requires="v">
-                <p:oleObj spid="_x0000_s573463" name="Equation" r:id="rId8" imgW="2032000" imgH="457200" progId="Equation.DSMT4">
+                <p:oleObj spid="_x0000_s573467" name="Equation" r:id="rId8" imgW="2032000" imgH="457200" progId="Equation.DSMT4">
                   <p:embed/>
                 </p:oleObj>
               </mc:Choice>
@@ -7398,7 +7413,7 @@
           <a:graphicData uri="http://schemas.openxmlformats.org/presentationml/2006/ole">
             <mc:AlternateContent xmlns:mc="http://schemas.openxmlformats.org/markup-compatibility/2006">
               <mc:Choice xmlns:v="urn:schemas-microsoft-com:vml" Requires="v">
-                <p:oleObj spid="_x0000_s467056" name="Equation" r:id="rId4" imgW="914400" imgH="198720" progId="Equation.DSMT4">
+                <p:oleObj spid="_x0000_s467059" name="Equation" r:id="rId4" imgW="914400" imgH="198720" progId="Equation.DSMT4">
                   <p:embed/>
                 </p:oleObj>
               </mc:Choice>
@@ -7723,7 +7738,7 @@
           <a:graphicData uri="http://schemas.openxmlformats.org/presentationml/2006/ole">
             <mc:AlternateContent xmlns:mc="http://schemas.openxmlformats.org/markup-compatibility/2006">
               <mc:Choice xmlns:v="urn:schemas-microsoft-com:vml" Requires="v">
-                <p:oleObj spid="_x0000_s467057" name="Equation" r:id="rId6" imgW="2032000" imgH="457200" progId="Equation.DSMT4">
+                <p:oleObj spid="_x0000_s467060" name="Equation" r:id="rId6" imgW="2032000" imgH="457200" progId="Equation.DSMT4">
                   <p:embed/>
                 </p:oleObj>
               </mc:Choice>
@@ -9006,7 +9021,7 @@
           <a:graphicData uri="http://schemas.openxmlformats.org/presentationml/2006/ole">
             <mc:AlternateContent xmlns:mc="http://schemas.openxmlformats.org/markup-compatibility/2006">
               <mc:Choice xmlns:v="urn:schemas-microsoft-com:vml" Requires="v">
-                <p:oleObj spid="_x0000_s469059" name="Equation" r:id="rId4" imgW="914400" imgH="198720" progId="Equation.DSMT4">
+                <p:oleObj spid="_x0000_s469061" name="Equation" r:id="rId4" imgW="914400" imgH="198720" progId="Equation.DSMT4">
                   <p:embed/>
                 </p:oleObj>
               </mc:Choice>
@@ -10440,7 +10455,7 @@
           <a:graphicData uri="http://schemas.openxmlformats.org/presentationml/2006/ole">
             <mc:AlternateContent xmlns:mc="http://schemas.openxmlformats.org/markup-compatibility/2006">
               <mc:Choice xmlns:v="urn:schemas-microsoft-com:vml" Requires="v">
-                <p:oleObj spid="_x0000_s480367" name="Equation" r:id="rId4" imgW="914400" imgH="198720" progId="Equation.DSMT4">
+                <p:oleObj spid="_x0000_s480370" name="Equation" r:id="rId4" imgW="914400" imgH="198720" progId="Equation.DSMT4">
                   <p:embed/>
                 </p:oleObj>
               </mc:Choice>
@@ -10640,7 +10655,7 @@
           <a:graphicData uri="http://schemas.openxmlformats.org/presentationml/2006/ole">
             <mc:AlternateContent xmlns:mc="http://schemas.openxmlformats.org/markup-compatibility/2006">
               <mc:Choice xmlns:v="urn:schemas-microsoft-com:vml" Requires="v">
-                <p:oleObj spid="_x0000_s480368" name="Equation" r:id="rId6" imgW="1968500" imgH="457200" progId="Equation.DSMT4">
+                <p:oleObj spid="_x0000_s480371" name="Equation" r:id="rId6" imgW="1968500" imgH="457200" progId="Equation.DSMT4">
                   <p:embed/>
                 </p:oleObj>
               </mc:Choice>
